--- a/ProjectProposal/RedditRank-ProposalPresentation.pptx
+++ b/ProjectProposal/RedditRank-ProposalPresentation.pptx
@@ -1,35 +1,35 @@
 
 <file path=ppt/presentation.xml><?xml version="1.0" encoding="utf-8"?>
-<p:presentation xmlns:a="http://schemas.openxmlformats.org/drawingml/2006/main" xmlns:r="http://schemas.openxmlformats.org/officeDocument/2006/relationships" xmlns:mc="http://schemas.openxmlformats.org/markup-compatibility/2006" xmlns:mv="urn:schemas-microsoft-com:mac:vml" xmlns:p="http://schemas.openxmlformats.org/presentationml/2006/main" xmlns:c="http://schemas.openxmlformats.org/drawingml/2006/chart" xmlns:dgm="http://schemas.openxmlformats.org/drawingml/2006/diagram" xmlns:o="urn:schemas-microsoft-com:office:office" xmlns:v="urn:schemas-microsoft-com:vml" xmlns:pvml="urn:schemas-microsoft-com:office:powerpoint" xmlns:com="http://schemas.openxmlformats.org/drawingml/2006/compatibility" xmlns:p14="http://schemas.microsoft.com/office/powerpoint/2010/main" xmlns:p15="http://schemas.microsoft.com/office/powerpoint/2012/main" autoCompressPictures="0" embedTrueTypeFonts="1" strictFirstAndLastChars="0" saveSubsetFonts="1">
+<p:presentation xmlns:a="http://schemas.openxmlformats.org/drawingml/2006/main" xmlns:r="http://schemas.openxmlformats.org/officeDocument/2006/relationships" xmlns:p="http://schemas.openxmlformats.org/presentationml/2006/main" strictFirstAndLastChars="0" embedTrueTypeFonts="1" saveSubsetFonts="1" autoCompressPictures="0">
   <p:sldMasterIdLst>
-    <p:sldMasterId id="2147483659" r:id="rId5"/>
+    <p:sldMasterId id="2147483659" r:id="rId1"/>
   </p:sldMasterIdLst>
   <p:notesMasterIdLst>
-    <p:notesMasterId r:id="rId6"/>
+    <p:notesMasterId r:id="rId10"/>
   </p:notesMasterIdLst>
   <p:sldIdLst>
-    <p:sldId id="256" r:id="rId7"/>
-    <p:sldId id="257" r:id="rId8"/>
-    <p:sldId id="258" r:id="rId9"/>
-    <p:sldId id="259" r:id="rId10"/>
-    <p:sldId id="260" r:id="rId11"/>
-    <p:sldId id="261" r:id="rId12"/>
-    <p:sldId id="262" r:id="rId13"/>
-    <p:sldId id="263" r:id="rId14"/>
+    <p:sldId id="256" r:id="rId2"/>
+    <p:sldId id="257" r:id="rId3"/>
+    <p:sldId id="258" r:id="rId4"/>
+    <p:sldId id="259" r:id="rId5"/>
+    <p:sldId id="260" r:id="rId6"/>
+    <p:sldId id="261" r:id="rId7"/>
+    <p:sldId id="262" r:id="rId8"/>
+    <p:sldId id="263" r:id="rId9"/>
   </p:sldIdLst>
-  <p:sldSz cy="5143500" cx="9144000"/>
+  <p:sldSz cx="9144000" cy="5143500" type="screen16x9"/>
   <p:notesSz cx="6858000" cy="9144000"/>
   <p:embeddedFontLst>
     <p:embeddedFont>
-      <p:font typeface="Lora"/>
-      <p:regular r:id="rId15"/>
-      <p:bold r:id="rId16"/>
-      <p:italic r:id="rId17"/>
-      <p:boldItalic r:id="rId18"/>
+      <p:font typeface="Lora" panose="020B0604020202020204" charset="0"/>
+      <p:regular r:id="rId11"/>
+      <p:bold r:id="rId12"/>
+      <p:italic r:id="rId13"/>
+      <p:boldItalic r:id="rId14"/>
     </p:embeddedFont>
   </p:embeddedFontLst>
   <p:defaultTextStyle>
-    <a:defPPr lvl="0" marR="0" rtl="0" algn="l">
+    <a:defPPr marR="0" lvl="0" algn="l" rtl="0">
       <a:lnSpc>
         <a:spcPct val="100000"/>
       </a:lnSpc>
@@ -40,7 +40,7 @@
         <a:spcPts val="0"/>
       </a:spcAft>
     </a:defPPr>
-    <a:lvl1pPr lvl="0" marR="0" rtl="0" algn="l">
+    <a:lvl1pPr marR="0" lvl="0" algn="l" rtl="0">
       <a:lnSpc>
         <a:spcPct val="100000"/>
       </a:lnSpc>
@@ -54,7 +54,7 @@
         <a:srgbClr val="000000"/>
       </a:buClr>
       <a:buFont typeface="Arial"/>
-      <a:defRPr b="0" i="0" sz="1400" u="none" cap="none" strike="noStrike">
+      <a:defRPr sz="1400" b="0" i="0" u="none" strike="noStrike" cap="none">
         <a:solidFill>
           <a:srgbClr val="000000"/>
         </a:solidFill>
@@ -64,7 +64,7 @@
         <a:sym typeface="Arial"/>
       </a:defRPr>
     </a:lvl1pPr>
-    <a:lvl2pPr lvl="1" marR="0" rtl="0" algn="l">
+    <a:lvl2pPr marR="0" lvl="1" algn="l" rtl="0">
       <a:lnSpc>
         <a:spcPct val="100000"/>
       </a:lnSpc>
@@ -78,7 +78,7 @@
         <a:srgbClr val="000000"/>
       </a:buClr>
       <a:buFont typeface="Arial"/>
-      <a:defRPr b="0" i="0" sz="1400" u="none" cap="none" strike="noStrike">
+      <a:defRPr sz="1400" b="0" i="0" u="none" strike="noStrike" cap="none">
         <a:solidFill>
           <a:srgbClr val="000000"/>
         </a:solidFill>
@@ -88,7 +88,7 @@
         <a:sym typeface="Arial"/>
       </a:defRPr>
     </a:lvl2pPr>
-    <a:lvl3pPr lvl="2" marR="0" rtl="0" algn="l">
+    <a:lvl3pPr marR="0" lvl="2" algn="l" rtl="0">
       <a:lnSpc>
         <a:spcPct val="100000"/>
       </a:lnSpc>
@@ -102,7 +102,7 @@
         <a:srgbClr val="000000"/>
       </a:buClr>
       <a:buFont typeface="Arial"/>
-      <a:defRPr b="0" i="0" sz="1400" u="none" cap="none" strike="noStrike">
+      <a:defRPr sz="1400" b="0" i="0" u="none" strike="noStrike" cap="none">
         <a:solidFill>
           <a:srgbClr val="000000"/>
         </a:solidFill>
@@ -112,7 +112,7 @@
         <a:sym typeface="Arial"/>
       </a:defRPr>
     </a:lvl3pPr>
-    <a:lvl4pPr lvl="3" marR="0" rtl="0" algn="l">
+    <a:lvl4pPr marR="0" lvl="3" algn="l" rtl="0">
       <a:lnSpc>
         <a:spcPct val="100000"/>
       </a:lnSpc>
@@ -126,7 +126,7 @@
         <a:srgbClr val="000000"/>
       </a:buClr>
       <a:buFont typeface="Arial"/>
-      <a:defRPr b="0" i="0" sz="1400" u="none" cap="none" strike="noStrike">
+      <a:defRPr sz="1400" b="0" i="0" u="none" strike="noStrike" cap="none">
         <a:solidFill>
           <a:srgbClr val="000000"/>
         </a:solidFill>
@@ -136,7 +136,7 @@
         <a:sym typeface="Arial"/>
       </a:defRPr>
     </a:lvl4pPr>
-    <a:lvl5pPr lvl="4" marR="0" rtl="0" algn="l">
+    <a:lvl5pPr marR="0" lvl="4" algn="l" rtl="0">
       <a:lnSpc>
         <a:spcPct val="100000"/>
       </a:lnSpc>
@@ -150,7 +150,7 @@
         <a:srgbClr val="000000"/>
       </a:buClr>
       <a:buFont typeface="Arial"/>
-      <a:defRPr b="0" i="0" sz="1400" u="none" cap="none" strike="noStrike">
+      <a:defRPr sz="1400" b="0" i="0" u="none" strike="noStrike" cap="none">
         <a:solidFill>
           <a:srgbClr val="000000"/>
         </a:solidFill>
@@ -160,7 +160,7 @@
         <a:sym typeface="Arial"/>
       </a:defRPr>
     </a:lvl5pPr>
-    <a:lvl6pPr lvl="5" marR="0" rtl="0" algn="l">
+    <a:lvl6pPr marR="0" lvl="5" algn="l" rtl="0">
       <a:lnSpc>
         <a:spcPct val="100000"/>
       </a:lnSpc>
@@ -174,7 +174,7 @@
         <a:srgbClr val="000000"/>
       </a:buClr>
       <a:buFont typeface="Arial"/>
-      <a:defRPr b="0" i="0" sz="1400" u="none" cap="none" strike="noStrike">
+      <a:defRPr sz="1400" b="0" i="0" u="none" strike="noStrike" cap="none">
         <a:solidFill>
           <a:srgbClr val="000000"/>
         </a:solidFill>
@@ -184,7 +184,7 @@
         <a:sym typeface="Arial"/>
       </a:defRPr>
     </a:lvl6pPr>
-    <a:lvl7pPr lvl="6" marR="0" rtl="0" algn="l">
+    <a:lvl7pPr marR="0" lvl="6" algn="l" rtl="0">
       <a:lnSpc>
         <a:spcPct val="100000"/>
       </a:lnSpc>
@@ -198,7 +198,7 @@
         <a:srgbClr val="000000"/>
       </a:buClr>
       <a:buFont typeface="Arial"/>
-      <a:defRPr b="0" i="0" sz="1400" u="none" cap="none" strike="noStrike">
+      <a:defRPr sz="1400" b="0" i="0" u="none" strike="noStrike" cap="none">
         <a:solidFill>
           <a:srgbClr val="000000"/>
         </a:solidFill>
@@ -208,7 +208,7 @@
         <a:sym typeface="Arial"/>
       </a:defRPr>
     </a:lvl7pPr>
-    <a:lvl8pPr lvl="7" marR="0" rtl="0" algn="l">
+    <a:lvl8pPr marR="0" lvl="7" algn="l" rtl="0">
       <a:lnSpc>
         <a:spcPct val="100000"/>
       </a:lnSpc>
@@ -222,7 +222,7 @@
         <a:srgbClr val="000000"/>
       </a:buClr>
       <a:buFont typeface="Arial"/>
-      <a:defRPr b="0" i="0" sz="1400" u="none" cap="none" strike="noStrike">
+      <a:defRPr sz="1400" b="0" i="0" u="none" strike="noStrike" cap="none">
         <a:solidFill>
           <a:srgbClr val="000000"/>
         </a:solidFill>
@@ -232,7 +232,7 @@
         <a:sym typeface="Arial"/>
       </a:defRPr>
     </a:lvl8pPr>
-    <a:lvl9pPr lvl="8" marR="0" rtl="0" algn="l">
+    <a:lvl9pPr marR="0" lvl="8" algn="l" rtl="0">
       <a:lnSpc>
         <a:spcPct val="100000"/>
       </a:lnSpc>
@@ -246,7 +246,7 @@
         <a:srgbClr val="000000"/>
       </a:buClr>
       <a:buFont typeface="Arial"/>
-      <a:defRPr b="0" i="0" sz="1400" u="none" cap="none" strike="noStrike">
+      <a:defRPr sz="1400" b="0" i="0" u="none" strike="noStrike" cap="none">
         <a:solidFill>
           <a:srgbClr val="000000"/>
         </a:solidFill>
@@ -259,7 +259,7 @@
   </p:defaultTextStyle>
   <p:extLst>
     <p:ext uri="{EFAFB233-063F-42B5-8137-9DF3F51BA10A}">
-      <p15:sldGuideLst>
+      <p15:sldGuideLst xmlns:p15="http://schemas.microsoft.com/office/powerpoint/2012/main">
         <p15:guide id="1" orient="horz" pos="1620">
           <p15:clr>
             <a:srgbClr val="A4A3A4"/>
@@ -277,11 +277,16 @@
 </file>
 
 <file path=ppt/notesMasters/notesMaster1.xml><?xml version="1.0" encoding="utf-8"?>
-<p:notesMaster xmlns:a="http://schemas.openxmlformats.org/drawingml/2006/main" xmlns:r="http://schemas.openxmlformats.org/officeDocument/2006/relationships" xmlns:mc="http://schemas.openxmlformats.org/markup-compatibility/2006" xmlns:mv="urn:schemas-microsoft-com:mac:vml" xmlns:p="http://schemas.openxmlformats.org/presentationml/2006/main" xmlns:c="http://schemas.openxmlformats.org/drawingml/2006/chart" xmlns:dgm="http://schemas.openxmlformats.org/drawingml/2006/diagram" xmlns:o="urn:schemas-microsoft-com:office:office" xmlns:v="urn:schemas-microsoft-com:vml" xmlns:pvml="urn:schemas-microsoft-com:office:powerpoint" xmlns:com="http://schemas.openxmlformats.org/drawingml/2006/compatibility" xmlns:p14="http://schemas.microsoft.com/office/powerpoint/2010/main" xmlns:p15="http://schemas.microsoft.com/office/powerpoint/2012/main">
+<p:notesMaster xmlns:a="http://schemas.openxmlformats.org/drawingml/2006/main" xmlns:r="http://schemas.openxmlformats.org/officeDocument/2006/relationships" xmlns:p="http://schemas.openxmlformats.org/presentationml/2006/main">
   <p:cSld>
+    <p:bg>
+      <p:bgRef idx="1001">
+        <a:schemeClr val="bg1"/>
+      </p:bgRef>
+    </p:bg>
     <p:spTree>
       <p:nvGrpSpPr>
-        <p:cNvPr id="2" name="Shape 2"/>
+        <p:cNvPr id="1" name="Shape 2"/>
         <p:cNvGrpSpPr/>
         <p:nvPr/>
       </p:nvGrpSpPr>
@@ -296,9 +301,11 @@
       <p:sp>
         <p:nvSpPr>
           <p:cNvPr id="3" name="Google Shape;3;n"/>
-          <p:cNvSpPr/>
+          <p:cNvSpPr>
+            <a:spLocks noGrp="1" noRot="1" noChangeAspect="1"/>
+          </p:cNvSpPr>
           <p:nvPr>
-            <p:ph idx="2" type="sldImg"/>
+            <p:ph type="sldImg" idx="2"/>
           </p:nvPr>
         </p:nvSpPr>
         <p:spPr>
@@ -307,9 +314,13 @@
             <a:ext cx="6096075" cy="3429000"/>
           </a:xfrm>
           <a:custGeom>
-            <a:rect b="b" l="l" r="r" t="t"/>
+            <a:avLst/>
+            <a:gdLst/>
+            <a:ahLst/>
+            <a:cxnLst/>
+            <a:rect l="l" t="t" r="r" b="b"/>
             <a:pathLst>
-              <a:path extrusionOk="0" h="120000" w="120000">
+              <a:path w="120000" h="120000" extrusionOk="0">
                 <a:moveTo>
                   <a:pt x="0" y="0"/>
                 </a:moveTo>
@@ -327,23 +338,25 @@
             </a:pathLst>
           </a:custGeom>
           <a:noFill/>
-          <a:ln cap="flat" cmpd="sng" w="9525">
+          <a:ln w="9525" cap="flat" cmpd="sng">
             <a:solidFill>
               <a:srgbClr val="000000"/>
             </a:solidFill>
             <a:prstDash val="solid"/>
             <a:round/>
-            <a:headEnd len="sm" w="sm" type="none"/>
-            <a:tailEnd len="sm" w="sm" type="none"/>
+            <a:headEnd type="none" w="sm" len="sm"/>
+            <a:tailEnd type="none" w="sm" len="sm"/>
           </a:ln>
         </p:spPr>
       </p:sp>
       <p:sp>
         <p:nvSpPr>
           <p:cNvPr id="4" name="Google Shape;4;n"/>
-          <p:cNvSpPr txBox="1"/>
+          <p:cNvSpPr txBox="1">
+            <a:spLocks noGrp="1"/>
+          </p:cNvSpPr>
           <p:nvPr>
-            <p:ph idx="1" type="body"/>
+            <p:ph type="body" idx="1"/>
           </p:nvPr>
         </p:nvSpPr>
         <p:spPr>
@@ -360,11 +373,11 @@
           </a:ln>
         </p:spPr>
         <p:txBody>
-          <a:bodyPr anchorCtr="0" anchor="t" bIns="91425" lIns="91425" spcFirstLastPara="1" rIns="91425" wrap="square" tIns="91425">
+          <a:bodyPr spcFirstLastPara="1" wrap="square" lIns="91425" tIns="91425" rIns="91425" bIns="91425" anchor="t" anchorCtr="0">
             <a:noAutofit/>
           </a:bodyPr>
           <a:lstStyle>
-            <a:lvl1pPr indent="-298450" lvl="0" marL="457200">
+            <a:lvl1pPr marL="457200" lvl="0" indent="-298450">
               <a:spcBef>
                 <a:spcPts val="0"/>
               </a:spcBef>
@@ -375,7 +388,7 @@
               <a:buChar char="●"/>
               <a:defRPr sz="1100"/>
             </a:lvl1pPr>
-            <a:lvl2pPr indent="-298450" lvl="1" marL="914400">
+            <a:lvl2pPr marL="914400" lvl="1" indent="-298450">
               <a:spcBef>
                 <a:spcPts val="0"/>
               </a:spcBef>
@@ -386,7 +399,7 @@
               <a:buChar char="○"/>
               <a:defRPr sz="1100"/>
             </a:lvl2pPr>
-            <a:lvl3pPr indent="-298450" lvl="2" marL="1371600">
+            <a:lvl3pPr marL="1371600" lvl="2" indent="-298450">
               <a:spcBef>
                 <a:spcPts val="0"/>
               </a:spcBef>
@@ -397,7 +410,7 @@
               <a:buChar char="■"/>
               <a:defRPr sz="1100"/>
             </a:lvl3pPr>
-            <a:lvl4pPr indent="-298450" lvl="3" marL="1828800">
+            <a:lvl4pPr marL="1828800" lvl="3" indent="-298450">
               <a:spcBef>
                 <a:spcPts val="0"/>
               </a:spcBef>
@@ -408,7 +421,7 @@
               <a:buChar char="●"/>
               <a:defRPr sz="1100"/>
             </a:lvl4pPr>
-            <a:lvl5pPr indent="-298450" lvl="4" marL="2286000">
+            <a:lvl5pPr marL="2286000" lvl="4" indent="-298450">
               <a:spcBef>
                 <a:spcPts val="0"/>
               </a:spcBef>
@@ -419,7 +432,7 @@
               <a:buChar char="○"/>
               <a:defRPr sz="1100"/>
             </a:lvl5pPr>
-            <a:lvl6pPr indent="-298450" lvl="5" marL="2743200">
+            <a:lvl6pPr marL="2743200" lvl="5" indent="-298450">
               <a:spcBef>
                 <a:spcPts val="0"/>
               </a:spcBef>
@@ -430,7 +443,7 @@
               <a:buChar char="■"/>
               <a:defRPr sz="1100"/>
             </a:lvl6pPr>
-            <a:lvl7pPr indent="-298450" lvl="6" marL="3200400">
+            <a:lvl7pPr marL="3200400" lvl="6" indent="-298450">
               <a:spcBef>
                 <a:spcPts val="0"/>
               </a:spcBef>
@@ -441,7 +454,7 @@
               <a:buChar char="●"/>
               <a:defRPr sz="1100"/>
             </a:lvl7pPr>
-            <a:lvl8pPr indent="-298450" lvl="7" marL="3657600">
+            <a:lvl8pPr marL="3657600" lvl="7" indent="-298450">
               <a:spcBef>
                 <a:spcPts val="0"/>
               </a:spcBef>
@@ -452,7 +465,7 @@
               <a:buChar char="○"/>
               <a:defRPr sz="1100"/>
             </a:lvl8pPr>
-            <a:lvl9pPr indent="-298450" lvl="8" marL="4114800">
+            <a:lvl9pPr marL="4114800" lvl="8" indent="-298450">
               <a:spcBef>
                 <a:spcPts val="0"/>
               </a:spcBef>
@@ -464,14 +477,16 @@
               <a:defRPr sz="1100"/>
             </a:lvl9pPr>
           </a:lstStyle>
-          <a:p/>
+          <a:p>
+            <a:endParaRPr/>
+          </a:p>
         </p:txBody>
       </p:sp>
     </p:spTree>
   </p:cSld>
-  <p:clrMap accent1="accent1" accent2="accent2" accent3="accent3" accent4="accent4" accent5="accent5" accent6="accent6" bg1="lt1" bg2="dk2" tx1="dk1" tx2="lt2" folHlink="folHlink" hlink="hlink"/>
+  <p:clrMap bg1="lt1" tx1="dk1" bg2="dk2" tx2="lt2" accent1="accent1" accent2="accent2" accent3="accent3" accent4="accent4" accent5="accent5" accent6="accent6" hlink="hlink" folHlink="folHlink"/>
   <p:notesStyle>
-    <a:defPPr lvl="0" marR="0" rtl="0" algn="l">
+    <a:defPPr marR="0" lvl="0" algn="l" rtl="0">
       <a:lnSpc>
         <a:spcPct val="100000"/>
       </a:lnSpc>
@@ -482,7 +497,7 @@
         <a:spcPts val="0"/>
       </a:spcAft>
     </a:defPPr>
-    <a:lvl1pPr lvl="0" marR="0" rtl="0" algn="l">
+    <a:lvl1pPr marR="0" lvl="0" algn="l" rtl="0">
       <a:lnSpc>
         <a:spcPct val="100000"/>
       </a:lnSpc>
@@ -496,7 +511,7 @@
         <a:srgbClr val="000000"/>
       </a:buClr>
       <a:buFont typeface="Arial"/>
-      <a:defRPr b="0" i="0" sz="1400" u="none" cap="none" strike="noStrike">
+      <a:defRPr sz="1400" b="0" i="0" u="none" strike="noStrike" cap="none">
         <a:solidFill>
           <a:srgbClr val="000000"/>
         </a:solidFill>
@@ -506,7 +521,7 @@
         <a:sym typeface="Arial"/>
       </a:defRPr>
     </a:lvl1pPr>
-    <a:lvl2pPr lvl="1" marR="0" rtl="0" algn="l">
+    <a:lvl2pPr marR="0" lvl="1" algn="l" rtl="0">
       <a:lnSpc>
         <a:spcPct val="100000"/>
       </a:lnSpc>
@@ -520,7 +535,7 @@
         <a:srgbClr val="000000"/>
       </a:buClr>
       <a:buFont typeface="Arial"/>
-      <a:defRPr b="0" i="0" sz="1400" u="none" cap="none" strike="noStrike">
+      <a:defRPr sz="1400" b="0" i="0" u="none" strike="noStrike" cap="none">
         <a:solidFill>
           <a:srgbClr val="000000"/>
         </a:solidFill>
@@ -530,7 +545,7 @@
         <a:sym typeface="Arial"/>
       </a:defRPr>
     </a:lvl2pPr>
-    <a:lvl3pPr lvl="2" marR="0" rtl="0" algn="l">
+    <a:lvl3pPr marR="0" lvl="2" algn="l" rtl="0">
       <a:lnSpc>
         <a:spcPct val="100000"/>
       </a:lnSpc>
@@ -544,7 +559,7 @@
         <a:srgbClr val="000000"/>
       </a:buClr>
       <a:buFont typeface="Arial"/>
-      <a:defRPr b="0" i="0" sz="1400" u="none" cap="none" strike="noStrike">
+      <a:defRPr sz="1400" b="0" i="0" u="none" strike="noStrike" cap="none">
         <a:solidFill>
           <a:srgbClr val="000000"/>
         </a:solidFill>
@@ -554,7 +569,7 @@
         <a:sym typeface="Arial"/>
       </a:defRPr>
     </a:lvl3pPr>
-    <a:lvl4pPr lvl="3" marR="0" rtl="0" algn="l">
+    <a:lvl4pPr marR="0" lvl="3" algn="l" rtl="0">
       <a:lnSpc>
         <a:spcPct val="100000"/>
       </a:lnSpc>
@@ -568,7 +583,7 @@
         <a:srgbClr val="000000"/>
       </a:buClr>
       <a:buFont typeface="Arial"/>
-      <a:defRPr b="0" i="0" sz="1400" u="none" cap="none" strike="noStrike">
+      <a:defRPr sz="1400" b="0" i="0" u="none" strike="noStrike" cap="none">
         <a:solidFill>
           <a:srgbClr val="000000"/>
         </a:solidFill>
@@ -578,7 +593,7 @@
         <a:sym typeface="Arial"/>
       </a:defRPr>
     </a:lvl4pPr>
-    <a:lvl5pPr lvl="4" marR="0" rtl="0" algn="l">
+    <a:lvl5pPr marR="0" lvl="4" algn="l" rtl="0">
       <a:lnSpc>
         <a:spcPct val="100000"/>
       </a:lnSpc>
@@ -592,7 +607,7 @@
         <a:srgbClr val="000000"/>
       </a:buClr>
       <a:buFont typeface="Arial"/>
-      <a:defRPr b="0" i="0" sz="1400" u="none" cap="none" strike="noStrike">
+      <a:defRPr sz="1400" b="0" i="0" u="none" strike="noStrike" cap="none">
         <a:solidFill>
           <a:srgbClr val="000000"/>
         </a:solidFill>
@@ -602,7 +617,7 @@
         <a:sym typeface="Arial"/>
       </a:defRPr>
     </a:lvl5pPr>
-    <a:lvl6pPr lvl="5" marR="0" rtl="0" algn="l">
+    <a:lvl6pPr marR="0" lvl="5" algn="l" rtl="0">
       <a:lnSpc>
         <a:spcPct val="100000"/>
       </a:lnSpc>
@@ -616,7 +631,7 @@
         <a:srgbClr val="000000"/>
       </a:buClr>
       <a:buFont typeface="Arial"/>
-      <a:defRPr b="0" i="0" sz="1400" u="none" cap="none" strike="noStrike">
+      <a:defRPr sz="1400" b="0" i="0" u="none" strike="noStrike" cap="none">
         <a:solidFill>
           <a:srgbClr val="000000"/>
         </a:solidFill>
@@ -626,7 +641,7 @@
         <a:sym typeface="Arial"/>
       </a:defRPr>
     </a:lvl6pPr>
-    <a:lvl7pPr lvl="6" marR="0" rtl="0" algn="l">
+    <a:lvl7pPr marR="0" lvl="6" algn="l" rtl="0">
       <a:lnSpc>
         <a:spcPct val="100000"/>
       </a:lnSpc>
@@ -640,7 +655,7 @@
         <a:srgbClr val="000000"/>
       </a:buClr>
       <a:buFont typeface="Arial"/>
-      <a:defRPr b="0" i="0" sz="1400" u="none" cap="none" strike="noStrike">
+      <a:defRPr sz="1400" b="0" i="0" u="none" strike="noStrike" cap="none">
         <a:solidFill>
           <a:srgbClr val="000000"/>
         </a:solidFill>
@@ -650,7 +665,7 @@
         <a:sym typeface="Arial"/>
       </a:defRPr>
     </a:lvl7pPr>
-    <a:lvl8pPr lvl="7" marR="0" rtl="0" algn="l">
+    <a:lvl8pPr marR="0" lvl="7" algn="l" rtl="0">
       <a:lnSpc>
         <a:spcPct val="100000"/>
       </a:lnSpc>
@@ -664,7 +679,7 @@
         <a:srgbClr val="000000"/>
       </a:buClr>
       <a:buFont typeface="Arial"/>
-      <a:defRPr b="0" i="0" sz="1400" u="none" cap="none" strike="noStrike">
+      <a:defRPr sz="1400" b="0" i="0" u="none" strike="noStrike" cap="none">
         <a:solidFill>
           <a:srgbClr val="000000"/>
         </a:solidFill>
@@ -674,7 +689,7 @@
         <a:sym typeface="Arial"/>
       </a:defRPr>
     </a:lvl8pPr>
-    <a:lvl9pPr lvl="8" marR="0" rtl="0" algn="l">
+    <a:lvl9pPr marR="0" lvl="8" algn="l" rtl="0">
       <a:lnSpc>
         <a:spcPct val="100000"/>
       </a:lnSpc>
@@ -688,7 +703,7 @@
         <a:srgbClr val="000000"/>
       </a:buClr>
       <a:buFont typeface="Arial"/>
-      <a:defRPr b="0" i="0" sz="1400" u="none" cap="none" strike="noStrike">
+      <a:defRPr sz="1400" b="0" i="0" u="none" strike="noStrike" cap="none">
         <a:solidFill>
           <a:srgbClr val="000000"/>
         </a:solidFill>
@@ -703,11 +718,11 @@
 </file>
 
 <file path=ppt/notesSlides/notesSlide1.xml><?xml version="1.0" encoding="utf-8"?>
-<p:notes xmlns:a="http://schemas.openxmlformats.org/drawingml/2006/main" xmlns:r="http://schemas.openxmlformats.org/officeDocument/2006/relationships" xmlns:mc="http://schemas.openxmlformats.org/markup-compatibility/2006" xmlns:mv="urn:schemas-microsoft-com:mac:vml" xmlns:p="http://schemas.openxmlformats.org/presentationml/2006/main" xmlns:c="http://schemas.openxmlformats.org/drawingml/2006/chart" xmlns:dgm="http://schemas.openxmlformats.org/drawingml/2006/diagram" xmlns:o="urn:schemas-microsoft-com:office:office" xmlns:v="urn:schemas-microsoft-com:vml" xmlns:pvml="urn:schemas-microsoft-com:office:powerpoint" xmlns:com="http://schemas.openxmlformats.org/drawingml/2006/compatibility" xmlns:p14="http://schemas.microsoft.com/office/powerpoint/2010/main" xmlns:p15="http://schemas.microsoft.com/office/powerpoint/2012/main" showMasterPhAnim="0" showMasterSp="0">
+<p:notes xmlns:a="http://schemas.openxmlformats.org/drawingml/2006/main" xmlns:r="http://schemas.openxmlformats.org/officeDocument/2006/relationships" xmlns:p="http://schemas.openxmlformats.org/presentationml/2006/main" showMasterSp="0" showMasterPhAnim="0">
   <p:cSld>
     <p:spTree>
       <p:nvGrpSpPr>
-        <p:cNvPr id="50" name="Shape 50"/>
+        <p:cNvPr id="1" name="Shape 50"/>
         <p:cNvGrpSpPr/>
         <p:nvPr/>
       </p:nvGrpSpPr>
@@ -722,9 +737,11 @@
       <p:sp>
         <p:nvSpPr>
           <p:cNvPr id="51" name="Google Shape;51;p:notes"/>
-          <p:cNvSpPr/>
+          <p:cNvSpPr>
+            <a:spLocks noGrp="1" noRot="1" noChangeAspect="1"/>
+          </p:cNvSpPr>
           <p:nvPr>
-            <p:ph idx="2" type="sldImg"/>
+            <p:ph type="sldImg" idx="2"/>
           </p:nvPr>
         </p:nvSpPr>
         <p:spPr>
@@ -733,9 +750,13 @@
             <a:ext cx="6096075" cy="3429000"/>
           </a:xfrm>
           <a:custGeom>
-            <a:rect b="b" l="l" r="r" t="t"/>
+            <a:avLst/>
+            <a:gdLst/>
+            <a:ahLst/>
+            <a:cxnLst/>
+            <a:rect l="l" t="t" r="r" b="b"/>
             <a:pathLst>
-              <a:path extrusionOk="0" h="120000" w="120000">
+              <a:path w="120000" h="120000" extrusionOk="0">
                 <a:moveTo>
                   <a:pt x="0" y="0"/>
                 </a:moveTo>
@@ -757,9 +778,11 @@
       <p:sp>
         <p:nvSpPr>
           <p:cNvPr id="52" name="Google Shape;52;p:notes"/>
-          <p:cNvSpPr txBox="1"/>
+          <p:cNvSpPr txBox="1">
+            <a:spLocks noGrp="1"/>
+          </p:cNvSpPr>
           <p:nvPr>
-            <p:ph idx="1" type="body"/>
+            <p:ph type="body" idx="1"/>
           </p:nvPr>
         </p:nvSpPr>
         <p:spPr>
@@ -772,12 +795,12 @@
           </a:prstGeom>
         </p:spPr>
         <p:txBody>
-          <a:bodyPr anchorCtr="0" anchor="t" bIns="91425" lIns="91425" spcFirstLastPara="1" rIns="91425" wrap="square" tIns="91425">
+          <a:bodyPr spcFirstLastPara="1" wrap="square" lIns="91425" tIns="91425" rIns="91425" bIns="91425" anchor="t" anchorCtr="0">
             <a:noAutofit/>
           </a:bodyPr>
           <a:lstStyle/>
           <a:p>
-            <a:pPr indent="0" lvl="0" marL="0" rtl="0" algn="l">
+            <a:pPr marL="0" lvl="0" indent="0" algn="l" rtl="0">
               <a:spcBef>
                 <a:spcPts val="0"/>
               </a:spcBef>
@@ -786,9 +809,6 @@
               </a:spcAft>
               <a:buNone/>
             </a:pPr>
-            <a:r>
-              <a:t/>
-            </a:r>
             <a:endParaRPr/>
           </a:p>
         </p:txBody>
@@ -802,11 +822,11 @@
 </file>
 
 <file path=ppt/notesSlides/notesSlide2.xml><?xml version="1.0" encoding="utf-8"?>
-<p:notes xmlns:a="http://schemas.openxmlformats.org/drawingml/2006/main" xmlns:r="http://schemas.openxmlformats.org/officeDocument/2006/relationships" xmlns:mc="http://schemas.openxmlformats.org/markup-compatibility/2006" xmlns:mv="urn:schemas-microsoft-com:mac:vml" xmlns:p="http://schemas.openxmlformats.org/presentationml/2006/main" xmlns:c="http://schemas.openxmlformats.org/drawingml/2006/chart" xmlns:dgm="http://schemas.openxmlformats.org/drawingml/2006/diagram" xmlns:o="urn:schemas-microsoft-com:office:office" xmlns:v="urn:schemas-microsoft-com:vml" xmlns:pvml="urn:schemas-microsoft-com:office:powerpoint" xmlns:com="http://schemas.openxmlformats.org/drawingml/2006/compatibility" xmlns:p14="http://schemas.microsoft.com/office/powerpoint/2010/main" xmlns:p15="http://schemas.microsoft.com/office/powerpoint/2012/main" showMasterPhAnim="0" showMasterSp="0">
+<p:notes xmlns:a="http://schemas.openxmlformats.org/drawingml/2006/main" xmlns:r="http://schemas.openxmlformats.org/officeDocument/2006/relationships" xmlns:p="http://schemas.openxmlformats.org/presentationml/2006/main" showMasterSp="0" showMasterPhAnim="0">
   <p:cSld>
     <p:spTree>
       <p:nvGrpSpPr>
-        <p:cNvPr id="58" name="Shape 58"/>
+        <p:cNvPr id="1" name="Shape 58"/>
         <p:cNvGrpSpPr/>
         <p:nvPr/>
       </p:nvGrpSpPr>
@@ -821,9 +841,11 @@
       <p:sp>
         <p:nvSpPr>
           <p:cNvPr id="59" name="Google Shape;59;g6f671ebf2f_0_247:notes"/>
-          <p:cNvSpPr/>
+          <p:cNvSpPr>
+            <a:spLocks noGrp="1" noRot="1" noChangeAspect="1"/>
+          </p:cNvSpPr>
           <p:nvPr>
-            <p:ph idx="2" type="sldImg"/>
+            <p:ph type="sldImg" idx="2"/>
           </p:nvPr>
         </p:nvSpPr>
         <p:spPr>
@@ -832,9 +854,13 @@
             <a:ext cx="6096000" cy="3429000"/>
           </a:xfrm>
           <a:custGeom>
-            <a:rect b="b" l="l" r="r" t="t"/>
+            <a:avLst/>
+            <a:gdLst/>
+            <a:ahLst/>
+            <a:cxnLst/>
+            <a:rect l="l" t="t" r="r" b="b"/>
             <a:pathLst>
-              <a:path extrusionOk="0" h="120000" w="120000">
+              <a:path w="120000" h="120000" extrusionOk="0">
                 <a:moveTo>
                   <a:pt x="0" y="0"/>
                 </a:moveTo>
@@ -856,9 +882,11 @@
       <p:sp>
         <p:nvSpPr>
           <p:cNvPr id="60" name="Google Shape;60;g6f671ebf2f_0_247:notes"/>
-          <p:cNvSpPr txBox="1"/>
+          <p:cNvSpPr txBox="1">
+            <a:spLocks noGrp="1"/>
+          </p:cNvSpPr>
           <p:nvPr>
-            <p:ph idx="1" type="body"/>
+            <p:ph type="body" idx="1"/>
           </p:nvPr>
         </p:nvSpPr>
         <p:spPr>
@@ -871,12 +899,12 @@
           </a:prstGeom>
         </p:spPr>
         <p:txBody>
-          <a:bodyPr anchorCtr="0" anchor="t" bIns="91425" lIns="91425" spcFirstLastPara="1" rIns="91425" wrap="square" tIns="91425">
+          <a:bodyPr spcFirstLastPara="1" wrap="square" lIns="91425" tIns="91425" rIns="91425" bIns="91425" anchor="t" anchorCtr="0">
             <a:noAutofit/>
           </a:bodyPr>
           <a:lstStyle/>
           <a:p>
-            <a:pPr indent="0" lvl="0" marL="0" rtl="0" algn="l">
+            <a:pPr marL="0" lvl="0" indent="0" algn="l" rtl="0">
               <a:spcBef>
                 <a:spcPts val="0"/>
               </a:spcBef>
@@ -885,9 +913,6 @@
               </a:spcAft>
               <a:buNone/>
             </a:pPr>
-            <a:r>
-              <a:t/>
-            </a:r>
             <a:endParaRPr/>
           </a:p>
         </p:txBody>
@@ -901,11 +926,11 @@
 </file>
 
 <file path=ppt/notesSlides/notesSlide3.xml><?xml version="1.0" encoding="utf-8"?>
-<p:notes xmlns:a="http://schemas.openxmlformats.org/drawingml/2006/main" xmlns:r="http://schemas.openxmlformats.org/officeDocument/2006/relationships" xmlns:mc="http://schemas.openxmlformats.org/markup-compatibility/2006" xmlns:mv="urn:schemas-microsoft-com:mac:vml" xmlns:p="http://schemas.openxmlformats.org/presentationml/2006/main" xmlns:c="http://schemas.openxmlformats.org/drawingml/2006/chart" xmlns:dgm="http://schemas.openxmlformats.org/drawingml/2006/diagram" xmlns:o="urn:schemas-microsoft-com:office:office" xmlns:v="urn:schemas-microsoft-com:vml" xmlns:pvml="urn:schemas-microsoft-com:office:powerpoint" xmlns:com="http://schemas.openxmlformats.org/drawingml/2006/compatibility" xmlns:p14="http://schemas.microsoft.com/office/powerpoint/2010/main" xmlns:p15="http://schemas.microsoft.com/office/powerpoint/2012/main" showMasterPhAnim="0" showMasterSp="0">
+<p:notes xmlns:a="http://schemas.openxmlformats.org/drawingml/2006/main" xmlns:r="http://schemas.openxmlformats.org/officeDocument/2006/relationships" xmlns:p="http://schemas.openxmlformats.org/presentationml/2006/main" showMasterSp="0" showMasterPhAnim="0">
   <p:cSld>
     <p:spTree>
       <p:nvGrpSpPr>
-        <p:cNvPr id="78" name="Shape 78"/>
+        <p:cNvPr id="1" name="Shape 78"/>
         <p:cNvGrpSpPr/>
         <p:nvPr/>
       </p:nvGrpSpPr>
@@ -920,9 +945,11 @@
       <p:sp>
         <p:nvSpPr>
           <p:cNvPr id="79" name="Google Shape;79;g6f671ebf2f_0_255:notes"/>
-          <p:cNvSpPr/>
+          <p:cNvSpPr>
+            <a:spLocks noGrp="1" noRot="1" noChangeAspect="1"/>
+          </p:cNvSpPr>
           <p:nvPr>
-            <p:ph idx="2" type="sldImg"/>
+            <p:ph type="sldImg" idx="2"/>
           </p:nvPr>
         </p:nvSpPr>
         <p:spPr>
@@ -931,9 +958,13 @@
             <a:ext cx="6096000" cy="3429000"/>
           </a:xfrm>
           <a:custGeom>
-            <a:rect b="b" l="l" r="r" t="t"/>
+            <a:avLst/>
+            <a:gdLst/>
+            <a:ahLst/>
+            <a:cxnLst/>
+            <a:rect l="l" t="t" r="r" b="b"/>
             <a:pathLst>
-              <a:path extrusionOk="0" h="120000" w="120000">
+              <a:path w="120000" h="120000" extrusionOk="0">
                 <a:moveTo>
                   <a:pt x="0" y="0"/>
                 </a:moveTo>
@@ -955,9 +986,11 @@
       <p:sp>
         <p:nvSpPr>
           <p:cNvPr id="80" name="Google Shape;80;g6f671ebf2f_0_255:notes"/>
-          <p:cNvSpPr txBox="1"/>
+          <p:cNvSpPr txBox="1">
+            <a:spLocks noGrp="1"/>
+          </p:cNvSpPr>
           <p:nvPr>
-            <p:ph idx="1" type="body"/>
+            <p:ph type="body" idx="1"/>
           </p:nvPr>
         </p:nvSpPr>
         <p:spPr>
@@ -970,12 +1003,12 @@
           </a:prstGeom>
         </p:spPr>
         <p:txBody>
-          <a:bodyPr anchorCtr="0" anchor="t" bIns="91425" lIns="91425" spcFirstLastPara="1" rIns="91425" wrap="square" tIns="91425">
+          <a:bodyPr spcFirstLastPara="1" wrap="square" lIns="91425" tIns="91425" rIns="91425" bIns="91425" anchor="t" anchorCtr="0">
             <a:noAutofit/>
           </a:bodyPr>
           <a:lstStyle/>
           <a:p>
-            <a:pPr indent="0" lvl="0" marL="0" rtl="0" algn="l">
+            <a:pPr marL="0" lvl="0" indent="0" algn="l" rtl="0">
               <a:spcBef>
                 <a:spcPts val="0"/>
               </a:spcBef>
@@ -984,9 +1017,6 @@
               </a:spcAft>
               <a:buNone/>
             </a:pPr>
-            <a:r>
-              <a:t/>
-            </a:r>
             <a:endParaRPr/>
           </a:p>
         </p:txBody>
@@ -1000,11 +1030,11 @@
 </file>
 
 <file path=ppt/notesSlides/notesSlide4.xml><?xml version="1.0" encoding="utf-8"?>
-<p:notes xmlns:a="http://schemas.openxmlformats.org/drawingml/2006/main" xmlns:r="http://schemas.openxmlformats.org/officeDocument/2006/relationships" xmlns:mc="http://schemas.openxmlformats.org/markup-compatibility/2006" xmlns:mv="urn:schemas-microsoft-com:mac:vml" xmlns:p="http://schemas.openxmlformats.org/presentationml/2006/main" xmlns:c="http://schemas.openxmlformats.org/drawingml/2006/chart" xmlns:dgm="http://schemas.openxmlformats.org/drawingml/2006/diagram" xmlns:o="urn:schemas-microsoft-com:office:office" xmlns:v="urn:schemas-microsoft-com:vml" xmlns:pvml="urn:schemas-microsoft-com:office:powerpoint" xmlns:com="http://schemas.openxmlformats.org/drawingml/2006/compatibility" xmlns:p14="http://schemas.microsoft.com/office/powerpoint/2010/main" xmlns:p15="http://schemas.microsoft.com/office/powerpoint/2012/main" showMasterPhAnim="0" showMasterSp="0">
+<p:notes xmlns:a="http://schemas.openxmlformats.org/drawingml/2006/main" xmlns:r="http://schemas.openxmlformats.org/officeDocument/2006/relationships" xmlns:p="http://schemas.openxmlformats.org/presentationml/2006/main" showMasterSp="0" showMasterPhAnim="0">
   <p:cSld>
     <p:spTree>
       <p:nvGrpSpPr>
-        <p:cNvPr id="96" name="Shape 96"/>
+        <p:cNvPr id="1" name="Shape 96"/>
         <p:cNvGrpSpPr/>
         <p:nvPr/>
       </p:nvGrpSpPr>
@@ -1019,20 +1049,26 @@
       <p:sp>
         <p:nvSpPr>
           <p:cNvPr id="97" name="Google Shape;97;g6f671ebf2f_0_262:notes"/>
-          <p:cNvSpPr/>
+          <p:cNvSpPr>
+            <a:spLocks noGrp="1" noRot="1" noChangeAspect="1"/>
+          </p:cNvSpPr>
           <p:nvPr>
-            <p:ph idx="2" type="sldImg"/>
+            <p:ph type="sldImg" idx="2"/>
           </p:nvPr>
         </p:nvSpPr>
         <p:spPr>
           <a:xfrm>
-            <a:off x="381300" y="685800"/>
+            <a:off x="381000" y="685800"/>
             <a:ext cx="6096000" cy="3429000"/>
           </a:xfrm>
           <a:custGeom>
-            <a:rect b="b" l="l" r="r" t="t"/>
+            <a:avLst/>
+            <a:gdLst/>
+            <a:ahLst/>
+            <a:cxnLst/>
+            <a:rect l="l" t="t" r="r" b="b"/>
             <a:pathLst>
-              <a:path extrusionOk="0" h="120000" w="120000">
+              <a:path w="120000" h="120000" extrusionOk="0">
                 <a:moveTo>
                   <a:pt x="0" y="0"/>
                 </a:moveTo>
@@ -1054,9 +1090,11 @@
       <p:sp>
         <p:nvSpPr>
           <p:cNvPr id="98" name="Google Shape;98;g6f671ebf2f_0_262:notes"/>
-          <p:cNvSpPr txBox="1"/>
+          <p:cNvSpPr txBox="1">
+            <a:spLocks noGrp="1"/>
+          </p:cNvSpPr>
           <p:nvPr>
-            <p:ph idx="1" type="body"/>
+            <p:ph type="body" idx="1"/>
           </p:nvPr>
         </p:nvSpPr>
         <p:spPr>
@@ -1069,12 +1107,12 @@
           </a:prstGeom>
         </p:spPr>
         <p:txBody>
-          <a:bodyPr anchorCtr="0" anchor="t" bIns="91425" lIns="91425" spcFirstLastPara="1" rIns="91425" wrap="square" tIns="91425">
+          <a:bodyPr spcFirstLastPara="1" wrap="square" lIns="91425" tIns="91425" rIns="91425" bIns="91425" anchor="t" anchorCtr="0">
             <a:noAutofit/>
           </a:bodyPr>
           <a:lstStyle/>
           <a:p>
-            <a:pPr indent="0" lvl="0" marL="0" rtl="0" algn="l">
+            <a:pPr marL="0" lvl="0" indent="0" algn="l" rtl="0">
               <a:spcBef>
                 <a:spcPts val="0"/>
               </a:spcBef>
@@ -1083,9 +1121,6 @@
               </a:spcAft>
               <a:buNone/>
             </a:pPr>
-            <a:r>
-              <a:t/>
-            </a:r>
             <a:endParaRPr/>
           </a:p>
         </p:txBody>
@@ -1099,11 +1134,11 @@
 </file>
 
 <file path=ppt/notesSlides/notesSlide5.xml><?xml version="1.0" encoding="utf-8"?>
-<p:notes xmlns:a="http://schemas.openxmlformats.org/drawingml/2006/main" xmlns:r="http://schemas.openxmlformats.org/officeDocument/2006/relationships" xmlns:mc="http://schemas.openxmlformats.org/markup-compatibility/2006" xmlns:mv="urn:schemas-microsoft-com:mac:vml" xmlns:p="http://schemas.openxmlformats.org/presentationml/2006/main" xmlns:c="http://schemas.openxmlformats.org/drawingml/2006/chart" xmlns:dgm="http://schemas.openxmlformats.org/drawingml/2006/diagram" xmlns:o="urn:schemas-microsoft-com:office:office" xmlns:v="urn:schemas-microsoft-com:vml" xmlns:pvml="urn:schemas-microsoft-com:office:powerpoint" xmlns:com="http://schemas.openxmlformats.org/drawingml/2006/compatibility" xmlns:p14="http://schemas.microsoft.com/office/powerpoint/2010/main" xmlns:p15="http://schemas.microsoft.com/office/powerpoint/2012/main" showMasterPhAnim="0" showMasterSp="0">
+<p:notes xmlns:a="http://schemas.openxmlformats.org/drawingml/2006/main" xmlns:r="http://schemas.openxmlformats.org/officeDocument/2006/relationships" xmlns:p="http://schemas.openxmlformats.org/presentationml/2006/main" showMasterSp="0" showMasterPhAnim="0">
   <p:cSld>
     <p:spTree>
       <p:nvGrpSpPr>
-        <p:cNvPr id="127" name="Shape 127"/>
+        <p:cNvPr id="1" name="Shape 127"/>
         <p:cNvGrpSpPr/>
         <p:nvPr/>
       </p:nvGrpSpPr>
@@ -1118,9 +1153,11 @@
       <p:sp>
         <p:nvSpPr>
           <p:cNvPr id="128" name="Google Shape;128;g6f671ebf2f_0_309:notes"/>
-          <p:cNvSpPr/>
+          <p:cNvSpPr>
+            <a:spLocks noGrp="1" noRot="1" noChangeAspect="1"/>
+          </p:cNvSpPr>
           <p:nvPr>
-            <p:ph idx="2" type="sldImg"/>
+            <p:ph type="sldImg" idx="2"/>
           </p:nvPr>
         </p:nvSpPr>
         <p:spPr>
@@ -1129,9 +1166,13 @@
             <a:ext cx="6096000" cy="3429000"/>
           </a:xfrm>
           <a:custGeom>
-            <a:rect b="b" l="l" r="r" t="t"/>
+            <a:avLst/>
+            <a:gdLst/>
+            <a:ahLst/>
+            <a:cxnLst/>
+            <a:rect l="l" t="t" r="r" b="b"/>
             <a:pathLst>
-              <a:path extrusionOk="0" h="120000" w="120000">
+              <a:path w="120000" h="120000" extrusionOk="0">
                 <a:moveTo>
                   <a:pt x="0" y="0"/>
                 </a:moveTo>
@@ -1153,9 +1194,11 @@
       <p:sp>
         <p:nvSpPr>
           <p:cNvPr id="129" name="Google Shape;129;g6f671ebf2f_0_309:notes"/>
-          <p:cNvSpPr txBox="1"/>
+          <p:cNvSpPr txBox="1">
+            <a:spLocks noGrp="1"/>
+          </p:cNvSpPr>
           <p:nvPr>
-            <p:ph idx="1" type="body"/>
+            <p:ph type="body" idx="1"/>
           </p:nvPr>
         </p:nvSpPr>
         <p:spPr>
@@ -1168,12 +1211,12 @@
           </a:prstGeom>
         </p:spPr>
         <p:txBody>
-          <a:bodyPr anchorCtr="0" anchor="t" bIns="91425" lIns="91425" spcFirstLastPara="1" rIns="91425" wrap="square" tIns="91425">
+          <a:bodyPr spcFirstLastPara="1" wrap="square" lIns="91425" tIns="91425" rIns="91425" bIns="91425" anchor="t" anchorCtr="0">
             <a:noAutofit/>
           </a:bodyPr>
           <a:lstStyle/>
           <a:p>
-            <a:pPr indent="0" lvl="0" marL="0" rtl="0" algn="l">
+            <a:pPr marL="0" lvl="0" indent="0" algn="l" rtl="0">
               <a:spcBef>
                 <a:spcPts val="0"/>
               </a:spcBef>
@@ -1182,9 +1225,6 @@
               </a:spcAft>
               <a:buNone/>
             </a:pPr>
-            <a:r>
-              <a:t/>
-            </a:r>
             <a:endParaRPr/>
           </a:p>
         </p:txBody>
@@ -1198,11 +1238,11 @@
 </file>
 
 <file path=ppt/notesSlides/notesSlide6.xml><?xml version="1.0" encoding="utf-8"?>
-<p:notes xmlns:a="http://schemas.openxmlformats.org/drawingml/2006/main" xmlns:r="http://schemas.openxmlformats.org/officeDocument/2006/relationships" xmlns:mc="http://schemas.openxmlformats.org/markup-compatibility/2006" xmlns:mv="urn:schemas-microsoft-com:mac:vml" xmlns:p="http://schemas.openxmlformats.org/presentationml/2006/main" xmlns:c="http://schemas.openxmlformats.org/drawingml/2006/chart" xmlns:dgm="http://schemas.openxmlformats.org/drawingml/2006/diagram" xmlns:o="urn:schemas-microsoft-com:office:office" xmlns:v="urn:schemas-microsoft-com:vml" xmlns:pvml="urn:schemas-microsoft-com:office:powerpoint" xmlns:com="http://schemas.openxmlformats.org/drawingml/2006/compatibility" xmlns:p14="http://schemas.microsoft.com/office/powerpoint/2010/main" xmlns:p15="http://schemas.microsoft.com/office/powerpoint/2012/main" showMasterPhAnim="0" showMasterSp="0">
+<p:notes xmlns:a="http://schemas.openxmlformats.org/drawingml/2006/main" xmlns:r="http://schemas.openxmlformats.org/officeDocument/2006/relationships" xmlns:p="http://schemas.openxmlformats.org/presentationml/2006/main" showMasterSp="0" showMasterPhAnim="0">
   <p:cSld>
     <p:spTree>
       <p:nvGrpSpPr>
-        <p:cNvPr id="162" name="Shape 162"/>
+        <p:cNvPr id="1" name="Shape 162"/>
         <p:cNvGrpSpPr/>
         <p:nvPr/>
       </p:nvGrpSpPr>
@@ -1217,9 +1257,11 @@
       <p:sp>
         <p:nvSpPr>
           <p:cNvPr id="163" name="Google Shape;163;g6f671ebf2f_0_268:notes"/>
-          <p:cNvSpPr/>
+          <p:cNvSpPr>
+            <a:spLocks noGrp="1" noRot="1" noChangeAspect="1"/>
+          </p:cNvSpPr>
           <p:nvPr>
-            <p:ph idx="2" type="sldImg"/>
+            <p:ph type="sldImg" idx="2"/>
           </p:nvPr>
         </p:nvSpPr>
         <p:spPr>
@@ -1228,9 +1270,13 @@
             <a:ext cx="6096000" cy="3429000"/>
           </a:xfrm>
           <a:custGeom>
-            <a:rect b="b" l="l" r="r" t="t"/>
+            <a:avLst/>
+            <a:gdLst/>
+            <a:ahLst/>
+            <a:cxnLst/>
+            <a:rect l="l" t="t" r="r" b="b"/>
             <a:pathLst>
-              <a:path extrusionOk="0" h="120000" w="120000">
+              <a:path w="120000" h="120000" extrusionOk="0">
                 <a:moveTo>
                   <a:pt x="0" y="0"/>
                 </a:moveTo>
@@ -1252,9 +1298,11 @@
       <p:sp>
         <p:nvSpPr>
           <p:cNvPr id="164" name="Google Shape;164;g6f671ebf2f_0_268:notes"/>
-          <p:cNvSpPr txBox="1"/>
+          <p:cNvSpPr txBox="1">
+            <a:spLocks noGrp="1"/>
+          </p:cNvSpPr>
           <p:nvPr>
-            <p:ph idx="1" type="body"/>
+            <p:ph type="body" idx="1"/>
           </p:nvPr>
         </p:nvSpPr>
         <p:spPr>
@@ -1267,12 +1315,12 @@
           </a:prstGeom>
         </p:spPr>
         <p:txBody>
-          <a:bodyPr anchorCtr="0" anchor="t" bIns="91425" lIns="91425" spcFirstLastPara="1" rIns="91425" wrap="square" tIns="91425">
+          <a:bodyPr spcFirstLastPara="1" wrap="square" lIns="91425" tIns="91425" rIns="91425" bIns="91425" anchor="t" anchorCtr="0">
             <a:noAutofit/>
           </a:bodyPr>
           <a:lstStyle/>
           <a:p>
-            <a:pPr indent="0" lvl="0" marL="0" rtl="0" algn="l">
+            <a:pPr marL="0" lvl="0" indent="0" algn="l" rtl="0">
               <a:spcBef>
                 <a:spcPts val="0"/>
               </a:spcBef>
@@ -1281,9 +1329,6 @@
               </a:spcAft>
               <a:buNone/>
             </a:pPr>
-            <a:r>
-              <a:t/>
-            </a:r>
             <a:endParaRPr/>
           </a:p>
         </p:txBody>
@@ -1297,11 +1342,11 @@
 </file>
 
 <file path=ppt/notesSlides/notesSlide7.xml><?xml version="1.0" encoding="utf-8"?>
-<p:notes xmlns:a="http://schemas.openxmlformats.org/drawingml/2006/main" xmlns:r="http://schemas.openxmlformats.org/officeDocument/2006/relationships" xmlns:mc="http://schemas.openxmlformats.org/markup-compatibility/2006" xmlns:mv="urn:schemas-microsoft-com:mac:vml" xmlns:p="http://schemas.openxmlformats.org/presentationml/2006/main" xmlns:c="http://schemas.openxmlformats.org/drawingml/2006/chart" xmlns:dgm="http://schemas.openxmlformats.org/drawingml/2006/diagram" xmlns:o="urn:schemas-microsoft-com:office:office" xmlns:v="urn:schemas-microsoft-com:vml" xmlns:pvml="urn:schemas-microsoft-com:office:powerpoint" xmlns:com="http://schemas.openxmlformats.org/drawingml/2006/compatibility" xmlns:p14="http://schemas.microsoft.com/office/powerpoint/2010/main" xmlns:p15="http://schemas.microsoft.com/office/powerpoint/2012/main" showMasterPhAnim="0" showMasterSp="0">
+<p:notes xmlns:a="http://schemas.openxmlformats.org/drawingml/2006/main" xmlns:r="http://schemas.openxmlformats.org/officeDocument/2006/relationships" xmlns:p="http://schemas.openxmlformats.org/presentationml/2006/main" showMasterSp="0" showMasterPhAnim="0">
   <p:cSld>
     <p:spTree>
       <p:nvGrpSpPr>
-        <p:cNvPr id="173" name="Shape 173"/>
+        <p:cNvPr id="1" name="Shape 173"/>
         <p:cNvGrpSpPr/>
         <p:nvPr/>
       </p:nvGrpSpPr>
@@ -1316,9 +1361,11 @@
       <p:sp>
         <p:nvSpPr>
           <p:cNvPr id="174" name="Google Shape;174;g6f671ebf2f_0_274:notes"/>
-          <p:cNvSpPr/>
+          <p:cNvSpPr>
+            <a:spLocks noGrp="1" noRot="1" noChangeAspect="1"/>
+          </p:cNvSpPr>
           <p:nvPr>
-            <p:ph idx="2" type="sldImg"/>
+            <p:ph type="sldImg" idx="2"/>
           </p:nvPr>
         </p:nvSpPr>
         <p:spPr>
@@ -1327,9 +1374,13 @@
             <a:ext cx="6096000" cy="3429000"/>
           </a:xfrm>
           <a:custGeom>
-            <a:rect b="b" l="l" r="r" t="t"/>
+            <a:avLst/>
+            <a:gdLst/>
+            <a:ahLst/>
+            <a:cxnLst/>
+            <a:rect l="l" t="t" r="r" b="b"/>
             <a:pathLst>
-              <a:path extrusionOk="0" h="120000" w="120000">
+              <a:path w="120000" h="120000" extrusionOk="0">
                 <a:moveTo>
                   <a:pt x="0" y="0"/>
                 </a:moveTo>
@@ -1351,9 +1402,11 @@
       <p:sp>
         <p:nvSpPr>
           <p:cNvPr id="175" name="Google Shape;175;g6f671ebf2f_0_274:notes"/>
-          <p:cNvSpPr txBox="1"/>
+          <p:cNvSpPr txBox="1">
+            <a:spLocks noGrp="1"/>
+          </p:cNvSpPr>
           <p:nvPr>
-            <p:ph idx="1" type="body"/>
+            <p:ph type="body" idx="1"/>
           </p:nvPr>
         </p:nvSpPr>
         <p:spPr>
@@ -1366,12 +1419,12 @@
           </a:prstGeom>
         </p:spPr>
         <p:txBody>
-          <a:bodyPr anchorCtr="0" anchor="t" bIns="91425" lIns="91425" spcFirstLastPara="1" rIns="91425" wrap="square" tIns="91425">
+          <a:bodyPr spcFirstLastPara="1" wrap="square" lIns="91425" tIns="91425" rIns="91425" bIns="91425" anchor="t" anchorCtr="0">
             <a:noAutofit/>
           </a:bodyPr>
           <a:lstStyle/>
           <a:p>
-            <a:pPr indent="0" lvl="0" marL="0" rtl="0" algn="l">
+            <a:pPr marL="0" lvl="0" indent="0" algn="l" rtl="0">
               <a:spcBef>
                 <a:spcPts val="0"/>
               </a:spcBef>
@@ -1380,9 +1433,6 @@
               </a:spcAft>
               <a:buNone/>
             </a:pPr>
-            <a:r>
-              <a:t/>
-            </a:r>
             <a:endParaRPr/>
           </a:p>
         </p:txBody>
@@ -1396,11 +1446,11 @@
 </file>
 
 <file path=ppt/notesSlides/notesSlide8.xml><?xml version="1.0" encoding="utf-8"?>
-<p:notes xmlns:a="http://schemas.openxmlformats.org/drawingml/2006/main" xmlns:r="http://schemas.openxmlformats.org/officeDocument/2006/relationships" xmlns:mc="http://schemas.openxmlformats.org/markup-compatibility/2006" xmlns:mv="urn:schemas-microsoft-com:mac:vml" xmlns:p="http://schemas.openxmlformats.org/presentationml/2006/main" xmlns:c="http://schemas.openxmlformats.org/drawingml/2006/chart" xmlns:dgm="http://schemas.openxmlformats.org/drawingml/2006/diagram" xmlns:o="urn:schemas-microsoft-com:office:office" xmlns:v="urn:schemas-microsoft-com:vml" xmlns:pvml="urn:schemas-microsoft-com:office:powerpoint" xmlns:com="http://schemas.openxmlformats.org/drawingml/2006/compatibility" xmlns:p14="http://schemas.microsoft.com/office/powerpoint/2010/main" xmlns:p15="http://schemas.microsoft.com/office/powerpoint/2012/main" showMasterPhAnim="0" showMasterSp="0">
+<p:notes xmlns:a="http://schemas.openxmlformats.org/drawingml/2006/main" xmlns:r="http://schemas.openxmlformats.org/officeDocument/2006/relationships" xmlns:p="http://schemas.openxmlformats.org/presentationml/2006/main" showMasterSp="0" showMasterPhAnim="0">
   <p:cSld>
     <p:spTree>
       <p:nvGrpSpPr>
-        <p:cNvPr id="180" name="Shape 180"/>
+        <p:cNvPr id="1" name="Shape 180"/>
         <p:cNvGrpSpPr/>
         <p:nvPr/>
       </p:nvGrpSpPr>
@@ -1415,9 +1465,11 @@
       <p:sp>
         <p:nvSpPr>
           <p:cNvPr id="181" name="Google Shape;181;g6f826c3c2f_6_2:notes"/>
-          <p:cNvSpPr/>
+          <p:cNvSpPr>
+            <a:spLocks noGrp="1" noRot="1" noChangeAspect="1"/>
+          </p:cNvSpPr>
           <p:nvPr>
-            <p:ph idx="2" type="sldImg"/>
+            <p:ph type="sldImg" idx="2"/>
           </p:nvPr>
         </p:nvSpPr>
         <p:spPr>
@@ -1426,9 +1478,13 @@
             <a:ext cx="6096000" cy="3429000"/>
           </a:xfrm>
           <a:custGeom>
-            <a:rect b="b" l="l" r="r" t="t"/>
+            <a:avLst/>
+            <a:gdLst/>
+            <a:ahLst/>
+            <a:cxnLst/>
+            <a:rect l="l" t="t" r="r" b="b"/>
             <a:pathLst>
-              <a:path extrusionOk="0" h="120000" w="120000">
+              <a:path w="120000" h="120000" extrusionOk="0">
                 <a:moveTo>
                   <a:pt x="0" y="0"/>
                 </a:moveTo>
@@ -1450,9 +1506,11 @@
       <p:sp>
         <p:nvSpPr>
           <p:cNvPr id="182" name="Google Shape;182;g6f826c3c2f_6_2:notes"/>
-          <p:cNvSpPr txBox="1"/>
+          <p:cNvSpPr txBox="1">
+            <a:spLocks noGrp="1"/>
+          </p:cNvSpPr>
           <p:nvPr>
-            <p:ph idx="1" type="body"/>
+            <p:ph type="body" idx="1"/>
           </p:nvPr>
         </p:nvSpPr>
         <p:spPr>
@@ -1465,12 +1523,12 @@
           </a:prstGeom>
         </p:spPr>
         <p:txBody>
-          <a:bodyPr anchorCtr="0" anchor="t" bIns="91425" lIns="91425" spcFirstLastPara="1" rIns="91425" wrap="square" tIns="91425">
+          <a:bodyPr spcFirstLastPara="1" wrap="square" lIns="91425" tIns="91425" rIns="91425" bIns="91425" anchor="t" anchorCtr="0">
             <a:noAutofit/>
           </a:bodyPr>
           <a:lstStyle/>
           <a:p>
-            <a:pPr indent="0" lvl="0" marL="0" rtl="0" algn="l">
+            <a:pPr marL="0" lvl="0" indent="0" algn="l" rtl="0">
               <a:spcBef>
                 <a:spcPts val="0"/>
               </a:spcBef>
@@ -1479,9 +1537,6 @@
               </a:spcAft>
               <a:buNone/>
             </a:pPr>
-            <a:r>
-              <a:t/>
-            </a:r>
             <a:endParaRPr/>
           </a:p>
         </p:txBody>
@@ -1495,11 +1550,11 @@
 </file>
 
 <file path=ppt/slideLayouts/slideLayout1.xml><?xml version="1.0" encoding="utf-8"?>
-<p:sldLayout xmlns:a="http://schemas.openxmlformats.org/drawingml/2006/main" xmlns:r="http://schemas.openxmlformats.org/officeDocument/2006/relationships" xmlns:mc="http://schemas.openxmlformats.org/markup-compatibility/2006" xmlns:mv="urn:schemas-microsoft-com:mac:vml" xmlns:p="http://schemas.openxmlformats.org/presentationml/2006/main" xmlns:c="http://schemas.openxmlformats.org/drawingml/2006/chart" xmlns:dgm="http://schemas.openxmlformats.org/drawingml/2006/diagram" xmlns:o="urn:schemas-microsoft-com:office:office" xmlns:v="urn:schemas-microsoft-com:vml" xmlns:pvml="urn:schemas-microsoft-com:office:powerpoint" xmlns:com="http://schemas.openxmlformats.org/drawingml/2006/compatibility" xmlns:p14="http://schemas.microsoft.com/office/powerpoint/2010/main" xmlns:p15="http://schemas.microsoft.com/office/powerpoint/2012/main" matchingName="Title slide" type="title">
+<p:sldLayout xmlns:a="http://schemas.openxmlformats.org/drawingml/2006/main" xmlns:r="http://schemas.openxmlformats.org/officeDocument/2006/relationships" xmlns:p="http://schemas.openxmlformats.org/presentationml/2006/main" matchingName="Title slide" type="title">
   <p:cSld name="TITLE">
     <p:spTree>
       <p:nvGrpSpPr>
-        <p:cNvPr id="9" name="Shape 9"/>
+        <p:cNvPr id="1" name="Shape 9"/>
         <p:cNvGrpSpPr/>
         <p:nvPr/>
       </p:nvGrpSpPr>
@@ -1514,7 +1569,9 @@
       <p:sp>
         <p:nvSpPr>
           <p:cNvPr id="10" name="Google Shape;10;p2"/>
-          <p:cNvSpPr txBox="1"/>
+          <p:cNvSpPr txBox="1">
+            <a:spLocks noGrp="1"/>
+          </p:cNvSpPr>
           <p:nvPr>
             <p:ph type="ctrTitle"/>
           </p:nvPr>
@@ -1529,7 +1586,7 @@
           </a:prstGeom>
         </p:spPr>
         <p:txBody>
-          <a:bodyPr anchorCtr="0" anchor="b" bIns="91425" lIns="91425" spcFirstLastPara="1" rIns="91425" wrap="square" tIns="91425">
+          <a:bodyPr spcFirstLastPara="1" wrap="square" lIns="91425" tIns="91425" rIns="91425" bIns="91425" anchor="b" anchorCtr="0">
             <a:noAutofit/>
           </a:bodyPr>
           <a:lstStyle>
@@ -1633,15 +1690,19 @@
               <a:defRPr sz="5200"/>
             </a:lvl9pPr>
           </a:lstStyle>
-          <a:p/>
+          <a:p>
+            <a:endParaRPr/>
+          </a:p>
         </p:txBody>
       </p:sp>
       <p:sp>
         <p:nvSpPr>
           <p:cNvPr id="11" name="Google Shape;11;p2"/>
-          <p:cNvSpPr txBox="1"/>
+          <p:cNvSpPr txBox="1">
+            <a:spLocks noGrp="1"/>
+          </p:cNvSpPr>
           <p:nvPr>
-            <p:ph idx="1" type="subTitle"/>
+            <p:ph type="subTitle" idx="1"/>
           </p:nvPr>
         </p:nvSpPr>
         <p:spPr>
@@ -1654,7 +1715,7 @@
           </a:prstGeom>
         </p:spPr>
         <p:txBody>
-          <a:bodyPr anchorCtr="0" anchor="t" bIns="91425" lIns="91425" spcFirstLastPara="1" rIns="91425" wrap="square" tIns="91425">
+          <a:bodyPr spcFirstLastPara="1" wrap="square" lIns="91425" tIns="91425" rIns="91425" bIns="91425" anchor="t" anchorCtr="0">
             <a:noAutofit/>
           </a:bodyPr>
           <a:lstStyle>
@@ -1785,15 +1846,19 @@
               <a:defRPr sz="2800"/>
             </a:lvl9pPr>
           </a:lstStyle>
-          <a:p/>
+          <a:p>
+            <a:endParaRPr/>
+          </a:p>
         </p:txBody>
       </p:sp>
       <p:sp>
         <p:nvSpPr>
           <p:cNvPr id="12" name="Google Shape;12;p2"/>
-          <p:cNvSpPr txBox="1"/>
+          <p:cNvSpPr txBox="1">
+            <a:spLocks noGrp="1"/>
+          </p:cNvSpPr>
           <p:nvPr>
-            <p:ph idx="12" type="sldNum"/>
+            <p:ph type="sldNum" idx="12"/>
           </p:nvPr>
         </p:nvSpPr>
         <p:spPr>
@@ -1806,7 +1871,7 @@
           </a:prstGeom>
         </p:spPr>
         <p:txBody>
-          <a:bodyPr anchorCtr="0" anchor="ctr" bIns="91425" lIns="91425" spcFirstLastPara="1" rIns="91425" wrap="square" tIns="91425">
+          <a:bodyPr spcFirstLastPara="1" wrap="square" lIns="91425" tIns="91425" rIns="91425" bIns="91425" anchor="ctr" anchorCtr="0">
             <a:noAutofit/>
           </a:bodyPr>
           <a:lstStyle>
@@ -1848,7 +1913,7 @@
             </a:lvl9pPr>
           </a:lstStyle>
           <a:p>
-            <a:pPr indent="0" lvl="0" marL="0" rtl="0" algn="r">
+            <a:pPr marL="0" lvl="0" indent="0" algn="r" rtl="0">
               <a:spcBef>
                 <a:spcPts val="0"/>
               </a:spcBef>
@@ -1874,11 +1939,11 @@
 </file>
 
 <file path=ppt/slideLayouts/slideLayout10.xml><?xml version="1.0" encoding="utf-8"?>
-<p:sldLayout xmlns:a="http://schemas.openxmlformats.org/drawingml/2006/main" xmlns:r="http://schemas.openxmlformats.org/officeDocument/2006/relationships" xmlns:mc="http://schemas.openxmlformats.org/markup-compatibility/2006" xmlns:mv="urn:schemas-microsoft-com:mac:vml" xmlns:p="http://schemas.openxmlformats.org/presentationml/2006/main" xmlns:c="http://schemas.openxmlformats.org/drawingml/2006/chart" xmlns:dgm="http://schemas.openxmlformats.org/drawingml/2006/diagram" xmlns:o="urn:schemas-microsoft-com:office:office" xmlns:v="urn:schemas-microsoft-com:vml" xmlns:pvml="urn:schemas-microsoft-com:office:powerpoint" xmlns:com="http://schemas.openxmlformats.org/drawingml/2006/compatibility" xmlns:p14="http://schemas.microsoft.com/office/powerpoint/2010/main" xmlns:p15="http://schemas.microsoft.com/office/powerpoint/2012/main" matchingName="Big number">
+<p:sldLayout xmlns:a="http://schemas.openxmlformats.org/drawingml/2006/main" xmlns:r="http://schemas.openxmlformats.org/officeDocument/2006/relationships" xmlns:p="http://schemas.openxmlformats.org/presentationml/2006/main" matchingName="Big number">
   <p:cSld name="BIG_NUMBER">
     <p:spTree>
       <p:nvGrpSpPr>
-        <p:cNvPr id="44" name="Shape 44"/>
+        <p:cNvPr id="1" name="Shape 44"/>
         <p:cNvGrpSpPr/>
         <p:nvPr/>
       </p:nvGrpSpPr>
@@ -1893,9 +1958,11 @@
       <p:sp>
         <p:nvSpPr>
           <p:cNvPr id="45" name="Google Shape;45;p11"/>
-          <p:cNvSpPr txBox="1"/>
+          <p:cNvSpPr txBox="1">
+            <a:spLocks noGrp="1"/>
+          </p:cNvSpPr>
           <p:nvPr>
-            <p:ph hasCustomPrompt="1" type="title"/>
+            <p:ph type="title" hasCustomPrompt="1"/>
           </p:nvPr>
         </p:nvSpPr>
         <p:spPr>
@@ -1908,7 +1975,7 @@
           </a:prstGeom>
         </p:spPr>
         <p:txBody>
-          <a:bodyPr anchorCtr="0" anchor="b" bIns="91425" lIns="91425" spcFirstLastPara="1" rIns="91425" wrap="square" tIns="91425">
+          <a:bodyPr spcFirstLastPara="1" wrap="square" lIns="91425" tIns="91425" rIns="91425" bIns="91425" anchor="b" anchorCtr="0">
             <a:noAutofit/>
           </a:bodyPr>
           <a:lstStyle>
@@ -2022,9 +2089,11 @@
       <p:sp>
         <p:nvSpPr>
           <p:cNvPr id="46" name="Google Shape;46;p11"/>
-          <p:cNvSpPr txBox="1"/>
+          <p:cNvSpPr txBox="1">
+            <a:spLocks noGrp="1"/>
+          </p:cNvSpPr>
           <p:nvPr>
-            <p:ph idx="1" type="body"/>
+            <p:ph type="body" idx="1"/>
           </p:nvPr>
         </p:nvSpPr>
         <p:spPr>
@@ -2037,11 +2106,11 @@
           </a:prstGeom>
         </p:spPr>
         <p:txBody>
-          <a:bodyPr anchorCtr="0" anchor="t" bIns="91425" lIns="91425" spcFirstLastPara="1" rIns="91425" wrap="square" tIns="91425">
+          <a:bodyPr spcFirstLastPara="1" wrap="square" lIns="91425" tIns="91425" rIns="91425" bIns="91425" anchor="t" anchorCtr="0">
             <a:noAutofit/>
           </a:bodyPr>
           <a:lstStyle>
-            <a:lvl1pPr indent="-342900" lvl="0" marL="457200" algn="ctr">
+            <a:lvl1pPr marL="457200" lvl="0" indent="-342900" algn="ctr">
               <a:spcBef>
                 <a:spcPts val="0"/>
               </a:spcBef>
@@ -2052,7 +2121,7 @@
               <a:buChar char="●"/>
               <a:defRPr/>
             </a:lvl1pPr>
-            <a:lvl2pPr indent="-317500" lvl="1" marL="914400" algn="ctr">
+            <a:lvl2pPr marL="914400" lvl="1" indent="-317500" algn="ctr">
               <a:spcBef>
                 <a:spcPts val="1600"/>
               </a:spcBef>
@@ -2063,7 +2132,7 @@
               <a:buChar char="○"/>
               <a:defRPr/>
             </a:lvl2pPr>
-            <a:lvl3pPr indent="-317500" lvl="2" marL="1371600" algn="ctr">
+            <a:lvl3pPr marL="1371600" lvl="2" indent="-317500" algn="ctr">
               <a:spcBef>
                 <a:spcPts val="1600"/>
               </a:spcBef>
@@ -2074,7 +2143,7 @@
               <a:buChar char="■"/>
               <a:defRPr/>
             </a:lvl3pPr>
-            <a:lvl4pPr indent="-317500" lvl="3" marL="1828800" algn="ctr">
+            <a:lvl4pPr marL="1828800" lvl="3" indent="-317500" algn="ctr">
               <a:spcBef>
                 <a:spcPts val="1600"/>
               </a:spcBef>
@@ -2085,7 +2154,7 @@
               <a:buChar char="●"/>
               <a:defRPr/>
             </a:lvl4pPr>
-            <a:lvl5pPr indent="-317500" lvl="4" marL="2286000" algn="ctr">
+            <a:lvl5pPr marL="2286000" lvl="4" indent="-317500" algn="ctr">
               <a:spcBef>
                 <a:spcPts val="1600"/>
               </a:spcBef>
@@ -2096,7 +2165,7 @@
               <a:buChar char="○"/>
               <a:defRPr/>
             </a:lvl5pPr>
-            <a:lvl6pPr indent="-317500" lvl="5" marL="2743200" algn="ctr">
+            <a:lvl6pPr marL="2743200" lvl="5" indent="-317500" algn="ctr">
               <a:spcBef>
                 <a:spcPts val="1600"/>
               </a:spcBef>
@@ -2107,7 +2176,7 @@
               <a:buChar char="■"/>
               <a:defRPr/>
             </a:lvl6pPr>
-            <a:lvl7pPr indent="-317500" lvl="6" marL="3200400" algn="ctr">
+            <a:lvl7pPr marL="3200400" lvl="6" indent="-317500" algn="ctr">
               <a:spcBef>
                 <a:spcPts val="1600"/>
               </a:spcBef>
@@ -2118,7 +2187,7 @@
               <a:buChar char="●"/>
               <a:defRPr/>
             </a:lvl7pPr>
-            <a:lvl8pPr indent="-317500" lvl="7" marL="3657600" algn="ctr">
+            <a:lvl8pPr marL="3657600" lvl="7" indent="-317500" algn="ctr">
               <a:spcBef>
                 <a:spcPts val="1600"/>
               </a:spcBef>
@@ -2129,7 +2198,7 @@
               <a:buChar char="○"/>
               <a:defRPr/>
             </a:lvl8pPr>
-            <a:lvl9pPr indent="-317500" lvl="8" marL="4114800" algn="ctr">
+            <a:lvl9pPr marL="4114800" lvl="8" indent="-317500" algn="ctr">
               <a:spcBef>
                 <a:spcPts val="1600"/>
               </a:spcBef>
@@ -2141,15 +2210,19 @@
               <a:defRPr/>
             </a:lvl9pPr>
           </a:lstStyle>
-          <a:p/>
+          <a:p>
+            <a:endParaRPr/>
+          </a:p>
         </p:txBody>
       </p:sp>
       <p:sp>
         <p:nvSpPr>
           <p:cNvPr id="47" name="Google Shape;47;p11"/>
-          <p:cNvSpPr txBox="1"/>
+          <p:cNvSpPr txBox="1">
+            <a:spLocks noGrp="1"/>
+          </p:cNvSpPr>
           <p:nvPr>
-            <p:ph idx="12" type="sldNum"/>
+            <p:ph type="sldNum" idx="12"/>
           </p:nvPr>
         </p:nvSpPr>
         <p:spPr>
@@ -2162,7 +2235,7 @@
           </a:prstGeom>
         </p:spPr>
         <p:txBody>
-          <a:bodyPr anchorCtr="0" anchor="ctr" bIns="91425" lIns="91425" spcFirstLastPara="1" rIns="91425" wrap="square" tIns="91425">
+          <a:bodyPr spcFirstLastPara="1" wrap="square" lIns="91425" tIns="91425" rIns="91425" bIns="91425" anchor="ctr" anchorCtr="0">
             <a:noAutofit/>
           </a:bodyPr>
           <a:lstStyle>
@@ -2204,7 +2277,7 @@
             </a:lvl9pPr>
           </a:lstStyle>
           <a:p>
-            <a:pPr indent="0" lvl="0" marL="0" rtl="0" algn="r">
+            <a:pPr marL="0" lvl="0" indent="0" algn="r" rtl="0">
               <a:spcBef>
                 <a:spcPts val="0"/>
               </a:spcBef>
@@ -2230,11 +2303,11 @@
 </file>
 
 <file path=ppt/slideLayouts/slideLayout11.xml><?xml version="1.0" encoding="utf-8"?>
-<p:sldLayout xmlns:a="http://schemas.openxmlformats.org/drawingml/2006/main" xmlns:r="http://schemas.openxmlformats.org/officeDocument/2006/relationships" xmlns:mc="http://schemas.openxmlformats.org/markup-compatibility/2006" xmlns:mv="urn:schemas-microsoft-com:mac:vml" xmlns:p="http://schemas.openxmlformats.org/presentationml/2006/main" xmlns:c="http://schemas.openxmlformats.org/drawingml/2006/chart" xmlns:dgm="http://schemas.openxmlformats.org/drawingml/2006/diagram" xmlns:o="urn:schemas-microsoft-com:office:office" xmlns:v="urn:schemas-microsoft-com:vml" xmlns:pvml="urn:schemas-microsoft-com:office:powerpoint" xmlns:com="http://schemas.openxmlformats.org/drawingml/2006/compatibility" xmlns:p14="http://schemas.microsoft.com/office/powerpoint/2010/main" xmlns:p15="http://schemas.microsoft.com/office/powerpoint/2012/main" matchingName="Blank" type="blank">
+<p:sldLayout xmlns:a="http://schemas.openxmlformats.org/drawingml/2006/main" xmlns:r="http://schemas.openxmlformats.org/officeDocument/2006/relationships" xmlns:p="http://schemas.openxmlformats.org/presentationml/2006/main" matchingName="Blank" type="blank">
   <p:cSld name="BLANK">
     <p:spTree>
       <p:nvGrpSpPr>
-        <p:cNvPr id="48" name="Shape 48"/>
+        <p:cNvPr id="1" name="Shape 48"/>
         <p:cNvGrpSpPr/>
         <p:nvPr/>
       </p:nvGrpSpPr>
@@ -2249,9 +2322,11 @@
       <p:sp>
         <p:nvSpPr>
           <p:cNvPr id="49" name="Google Shape;49;p12"/>
-          <p:cNvSpPr txBox="1"/>
+          <p:cNvSpPr txBox="1">
+            <a:spLocks noGrp="1"/>
+          </p:cNvSpPr>
           <p:nvPr>
-            <p:ph idx="12" type="sldNum"/>
+            <p:ph type="sldNum" idx="12"/>
           </p:nvPr>
         </p:nvSpPr>
         <p:spPr>
@@ -2264,7 +2339,7 @@
           </a:prstGeom>
         </p:spPr>
         <p:txBody>
-          <a:bodyPr anchorCtr="0" anchor="ctr" bIns="91425" lIns="91425" spcFirstLastPara="1" rIns="91425" wrap="square" tIns="91425">
+          <a:bodyPr spcFirstLastPara="1" wrap="square" lIns="91425" tIns="91425" rIns="91425" bIns="91425" anchor="ctr" anchorCtr="0">
             <a:noAutofit/>
           </a:bodyPr>
           <a:lstStyle>
@@ -2306,7 +2381,7 @@
             </a:lvl9pPr>
           </a:lstStyle>
           <a:p>
-            <a:pPr indent="0" lvl="0" marL="0" rtl="0" algn="r">
+            <a:pPr marL="0" lvl="0" indent="0" algn="r" rtl="0">
               <a:spcBef>
                 <a:spcPts val="0"/>
               </a:spcBef>
@@ -2332,11 +2407,11 @@
 </file>
 
 <file path=ppt/slideLayouts/slideLayout2.xml><?xml version="1.0" encoding="utf-8"?>
-<p:sldLayout xmlns:a="http://schemas.openxmlformats.org/drawingml/2006/main" xmlns:r="http://schemas.openxmlformats.org/officeDocument/2006/relationships" xmlns:mc="http://schemas.openxmlformats.org/markup-compatibility/2006" xmlns:mv="urn:schemas-microsoft-com:mac:vml" xmlns:p="http://schemas.openxmlformats.org/presentationml/2006/main" xmlns:c="http://schemas.openxmlformats.org/drawingml/2006/chart" xmlns:dgm="http://schemas.openxmlformats.org/drawingml/2006/diagram" xmlns:o="urn:schemas-microsoft-com:office:office" xmlns:v="urn:schemas-microsoft-com:vml" xmlns:pvml="urn:schemas-microsoft-com:office:powerpoint" xmlns:com="http://schemas.openxmlformats.org/drawingml/2006/compatibility" xmlns:p14="http://schemas.microsoft.com/office/powerpoint/2010/main" xmlns:p15="http://schemas.microsoft.com/office/powerpoint/2012/main" matchingName="Section header" type="secHead">
+<p:sldLayout xmlns:a="http://schemas.openxmlformats.org/drawingml/2006/main" xmlns:r="http://schemas.openxmlformats.org/officeDocument/2006/relationships" xmlns:p="http://schemas.openxmlformats.org/presentationml/2006/main" matchingName="Section header" type="secHead">
   <p:cSld name="SECTION_HEADER">
     <p:spTree>
       <p:nvGrpSpPr>
-        <p:cNvPr id="13" name="Shape 13"/>
+        <p:cNvPr id="1" name="Shape 13"/>
         <p:cNvGrpSpPr/>
         <p:nvPr/>
       </p:nvGrpSpPr>
@@ -2351,7 +2426,9 @@
       <p:sp>
         <p:nvSpPr>
           <p:cNvPr id="14" name="Google Shape;14;p3"/>
-          <p:cNvSpPr txBox="1"/>
+          <p:cNvSpPr txBox="1">
+            <a:spLocks noGrp="1"/>
+          </p:cNvSpPr>
           <p:nvPr>
             <p:ph type="title"/>
           </p:nvPr>
@@ -2366,7 +2443,7 @@
           </a:prstGeom>
         </p:spPr>
         <p:txBody>
-          <a:bodyPr anchorCtr="0" anchor="ctr" bIns="91425" lIns="91425" spcFirstLastPara="1" rIns="91425" wrap="square" tIns="91425">
+          <a:bodyPr spcFirstLastPara="1" wrap="square" lIns="91425" tIns="91425" rIns="91425" bIns="91425" anchor="ctr" anchorCtr="0">
             <a:noAutofit/>
           </a:bodyPr>
           <a:lstStyle>
@@ -2470,15 +2547,19 @@
               <a:defRPr sz="3600"/>
             </a:lvl9pPr>
           </a:lstStyle>
-          <a:p/>
+          <a:p>
+            <a:endParaRPr/>
+          </a:p>
         </p:txBody>
       </p:sp>
       <p:sp>
         <p:nvSpPr>
           <p:cNvPr id="15" name="Google Shape;15;p3"/>
-          <p:cNvSpPr txBox="1"/>
+          <p:cNvSpPr txBox="1">
+            <a:spLocks noGrp="1"/>
+          </p:cNvSpPr>
           <p:nvPr>
-            <p:ph idx="12" type="sldNum"/>
+            <p:ph type="sldNum" idx="12"/>
           </p:nvPr>
         </p:nvSpPr>
         <p:spPr>
@@ -2491,7 +2572,7 @@
           </a:prstGeom>
         </p:spPr>
         <p:txBody>
-          <a:bodyPr anchorCtr="0" anchor="ctr" bIns="91425" lIns="91425" spcFirstLastPara="1" rIns="91425" wrap="square" tIns="91425">
+          <a:bodyPr spcFirstLastPara="1" wrap="square" lIns="91425" tIns="91425" rIns="91425" bIns="91425" anchor="ctr" anchorCtr="0">
             <a:noAutofit/>
           </a:bodyPr>
           <a:lstStyle>
@@ -2533,7 +2614,7 @@
             </a:lvl9pPr>
           </a:lstStyle>
           <a:p>
-            <a:pPr indent="0" lvl="0" marL="0" rtl="0" algn="r">
+            <a:pPr marL="0" lvl="0" indent="0" algn="r" rtl="0">
               <a:spcBef>
                 <a:spcPts val="0"/>
               </a:spcBef>
@@ -2559,11 +2640,11 @@
 </file>
 
 <file path=ppt/slideLayouts/slideLayout3.xml><?xml version="1.0" encoding="utf-8"?>
-<p:sldLayout xmlns:a="http://schemas.openxmlformats.org/drawingml/2006/main" xmlns:r="http://schemas.openxmlformats.org/officeDocument/2006/relationships" xmlns:mc="http://schemas.openxmlformats.org/markup-compatibility/2006" xmlns:mv="urn:schemas-microsoft-com:mac:vml" xmlns:p="http://schemas.openxmlformats.org/presentationml/2006/main" xmlns:c="http://schemas.openxmlformats.org/drawingml/2006/chart" xmlns:dgm="http://schemas.openxmlformats.org/drawingml/2006/diagram" xmlns:o="urn:schemas-microsoft-com:office:office" xmlns:v="urn:schemas-microsoft-com:vml" xmlns:pvml="urn:schemas-microsoft-com:office:powerpoint" xmlns:com="http://schemas.openxmlformats.org/drawingml/2006/compatibility" xmlns:p14="http://schemas.microsoft.com/office/powerpoint/2010/main" xmlns:p15="http://schemas.microsoft.com/office/powerpoint/2012/main" matchingName="Title and body" type="tx">
+<p:sldLayout xmlns:a="http://schemas.openxmlformats.org/drawingml/2006/main" xmlns:r="http://schemas.openxmlformats.org/officeDocument/2006/relationships" xmlns:p="http://schemas.openxmlformats.org/presentationml/2006/main" matchingName="Title and body" type="tx">
   <p:cSld name="TITLE_AND_BODY">
     <p:spTree>
       <p:nvGrpSpPr>
-        <p:cNvPr id="16" name="Shape 16"/>
+        <p:cNvPr id="1" name="Shape 16"/>
         <p:cNvGrpSpPr/>
         <p:nvPr/>
       </p:nvGrpSpPr>
@@ -2578,7 +2659,9 @@
       <p:sp>
         <p:nvSpPr>
           <p:cNvPr id="17" name="Google Shape;17;p4"/>
-          <p:cNvSpPr txBox="1"/>
+          <p:cNvSpPr txBox="1">
+            <a:spLocks noGrp="1"/>
+          </p:cNvSpPr>
           <p:nvPr>
             <p:ph type="title"/>
           </p:nvPr>
@@ -2593,7 +2676,7 @@
           </a:prstGeom>
         </p:spPr>
         <p:txBody>
-          <a:bodyPr anchorCtr="0" anchor="t" bIns="91425" lIns="91425" spcFirstLastPara="1" rIns="91425" wrap="square" tIns="91425">
+          <a:bodyPr spcFirstLastPara="1" wrap="square" lIns="91425" tIns="91425" rIns="91425" bIns="91425" anchor="t" anchorCtr="0">
             <a:noAutofit/>
           </a:bodyPr>
           <a:lstStyle>
@@ -2697,15 +2780,19 @@
               <a:defRPr/>
             </a:lvl9pPr>
           </a:lstStyle>
-          <a:p/>
+          <a:p>
+            <a:endParaRPr/>
+          </a:p>
         </p:txBody>
       </p:sp>
       <p:sp>
         <p:nvSpPr>
           <p:cNvPr id="18" name="Google Shape;18;p4"/>
-          <p:cNvSpPr txBox="1"/>
+          <p:cNvSpPr txBox="1">
+            <a:spLocks noGrp="1"/>
+          </p:cNvSpPr>
           <p:nvPr>
-            <p:ph idx="1" type="body"/>
+            <p:ph type="body" idx="1"/>
           </p:nvPr>
         </p:nvSpPr>
         <p:spPr>
@@ -2718,11 +2805,11 @@
           </a:prstGeom>
         </p:spPr>
         <p:txBody>
-          <a:bodyPr anchorCtr="0" anchor="t" bIns="91425" lIns="91425" spcFirstLastPara="1" rIns="91425" wrap="square" tIns="91425">
+          <a:bodyPr spcFirstLastPara="1" wrap="square" lIns="91425" tIns="91425" rIns="91425" bIns="91425" anchor="t" anchorCtr="0">
             <a:noAutofit/>
           </a:bodyPr>
           <a:lstStyle>
-            <a:lvl1pPr indent="-342900" lvl="0" marL="457200">
+            <a:lvl1pPr marL="457200" lvl="0" indent="-342900">
               <a:spcBef>
                 <a:spcPts val="0"/>
               </a:spcBef>
@@ -2733,7 +2820,7 @@
               <a:buChar char="●"/>
               <a:defRPr/>
             </a:lvl1pPr>
-            <a:lvl2pPr indent="-317500" lvl="1" marL="914400">
+            <a:lvl2pPr marL="914400" lvl="1" indent="-317500">
               <a:spcBef>
                 <a:spcPts val="1600"/>
               </a:spcBef>
@@ -2744,7 +2831,7 @@
               <a:buChar char="○"/>
               <a:defRPr/>
             </a:lvl2pPr>
-            <a:lvl3pPr indent="-317500" lvl="2" marL="1371600">
+            <a:lvl3pPr marL="1371600" lvl="2" indent="-317500">
               <a:spcBef>
                 <a:spcPts val="1600"/>
               </a:spcBef>
@@ -2755,7 +2842,7 @@
               <a:buChar char="■"/>
               <a:defRPr/>
             </a:lvl3pPr>
-            <a:lvl4pPr indent="-317500" lvl="3" marL="1828800">
+            <a:lvl4pPr marL="1828800" lvl="3" indent="-317500">
               <a:spcBef>
                 <a:spcPts val="1600"/>
               </a:spcBef>
@@ -2766,7 +2853,7 @@
               <a:buChar char="●"/>
               <a:defRPr/>
             </a:lvl4pPr>
-            <a:lvl5pPr indent="-317500" lvl="4" marL="2286000">
+            <a:lvl5pPr marL="2286000" lvl="4" indent="-317500">
               <a:spcBef>
                 <a:spcPts val="1600"/>
               </a:spcBef>
@@ -2777,7 +2864,7 @@
               <a:buChar char="○"/>
               <a:defRPr/>
             </a:lvl5pPr>
-            <a:lvl6pPr indent="-317500" lvl="5" marL="2743200">
+            <a:lvl6pPr marL="2743200" lvl="5" indent="-317500">
               <a:spcBef>
                 <a:spcPts val="1600"/>
               </a:spcBef>
@@ -2788,7 +2875,7 @@
               <a:buChar char="■"/>
               <a:defRPr/>
             </a:lvl6pPr>
-            <a:lvl7pPr indent="-317500" lvl="6" marL="3200400">
+            <a:lvl7pPr marL="3200400" lvl="6" indent="-317500">
               <a:spcBef>
                 <a:spcPts val="1600"/>
               </a:spcBef>
@@ -2799,7 +2886,7 @@
               <a:buChar char="●"/>
               <a:defRPr/>
             </a:lvl7pPr>
-            <a:lvl8pPr indent="-317500" lvl="7" marL="3657600">
+            <a:lvl8pPr marL="3657600" lvl="7" indent="-317500">
               <a:spcBef>
                 <a:spcPts val="1600"/>
               </a:spcBef>
@@ -2810,7 +2897,7 @@
               <a:buChar char="○"/>
               <a:defRPr/>
             </a:lvl8pPr>
-            <a:lvl9pPr indent="-317500" lvl="8" marL="4114800">
+            <a:lvl9pPr marL="4114800" lvl="8" indent="-317500">
               <a:spcBef>
                 <a:spcPts val="1600"/>
               </a:spcBef>
@@ -2822,15 +2909,19 @@
               <a:defRPr/>
             </a:lvl9pPr>
           </a:lstStyle>
-          <a:p/>
+          <a:p>
+            <a:endParaRPr/>
+          </a:p>
         </p:txBody>
       </p:sp>
       <p:sp>
         <p:nvSpPr>
           <p:cNvPr id="19" name="Google Shape;19;p4"/>
-          <p:cNvSpPr txBox="1"/>
+          <p:cNvSpPr txBox="1">
+            <a:spLocks noGrp="1"/>
+          </p:cNvSpPr>
           <p:nvPr>
-            <p:ph idx="12" type="sldNum"/>
+            <p:ph type="sldNum" idx="12"/>
           </p:nvPr>
         </p:nvSpPr>
         <p:spPr>
@@ -2843,7 +2934,7 @@
           </a:prstGeom>
         </p:spPr>
         <p:txBody>
-          <a:bodyPr anchorCtr="0" anchor="ctr" bIns="91425" lIns="91425" spcFirstLastPara="1" rIns="91425" wrap="square" tIns="91425">
+          <a:bodyPr spcFirstLastPara="1" wrap="square" lIns="91425" tIns="91425" rIns="91425" bIns="91425" anchor="ctr" anchorCtr="0">
             <a:noAutofit/>
           </a:bodyPr>
           <a:lstStyle>
@@ -2885,7 +2976,7 @@
             </a:lvl9pPr>
           </a:lstStyle>
           <a:p>
-            <a:pPr indent="0" lvl="0" marL="0" rtl="0" algn="r">
+            <a:pPr marL="0" lvl="0" indent="0" algn="r" rtl="0">
               <a:spcBef>
                 <a:spcPts val="0"/>
               </a:spcBef>
@@ -2911,11 +3002,11 @@
 </file>
 
 <file path=ppt/slideLayouts/slideLayout4.xml><?xml version="1.0" encoding="utf-8"?>
-<p:sldLayout xmlns:a="http://schemas.openxmlformats.org/drawingml/2006/main" xmlns:r="http://schemas.openxmlformats.org/officeDocument/2006/relationships" xmlns:mc="http://schemas.openxmlformats.org/markup-compatibility/2006" xmlns:mv="urn:schemas-microsoft-com:mac:vml" xmlns:p="http://schemas.openxmlformats.org/presentationml/2006/main" xmlns:c="http://schemas.openxmlformats.org/drawingml/2006/chart" xmlns:dgm="http://schemas.openxmlformats.org/drawingml/2006/diagram" xmlns:o="urn:schemas-microsoft-com:office:office" xmlns:v="urn:schemas-microsoft-com:vml" xmlns:pvml="urn:schemas-microsoft-com:office:powerpoint" xmlns:com="http://schemas.openxmlformats.org/drawingml/2006/compatibility" xmlns:p14="http://schemas.microsoft.com/office/powerpoint/2010/main" xmlns:p15="http://schemas.microsoft.com/office/powerpoint/2012/main" matchingName="Title and two columns" type="twoColTx">
+<p:sldLayout xmlns:a="http://schemas.openxmlformats.org/drawingml/2006/main" xmlns:r="http://schemas.openxmlformats.org/officeDocument/2006/relationships" xmlns:p="http://schemas.openxmlformats.org/presentationml/2006/main" matchingName="Title and two columns" type="twoColTx">
   <p:cSld name="TITLE_AND_TWO_COLUMNS">
     <p:spTree>
       <p:nvGrpSpPr>
-        <p:cNvPr id="20" name="Shape 20"/>
+        <p:cNvPr id="1" name="Shape 20"/>
         <p:cNvGrpSpPr/>
         <p:nvPr/>
       </p:nvGrpSpPr>
@@ -2930,7 +3021,9 @@
       <p:sp>
         <p:nvSpPr>
           <p:cNvPr id="21" name="Google Shape;21;p5"/>
-          <p:cNvSpPr txBox="1"/>
+          <p:cNvSpPr txBox="1">
+            <a:spLocks noGrp="1"/>
+          </p:cNvSpPr>
           <p:nvPr>
             <p:ph type="title"/>
           </p:nvPr>
@@ -2945,7 +3038,7 @@
           </a:prstGeom>
         </p:spPr>
         <p:txBody>
-          <a:bodyPr anchorCtr="0" anchor="t" bIns="91425" lIns="91425" spcFirstLastPara="1" rIns="91425" wrap="square" tIns="91425">
+          <a:bodyPr spcFirstLastPara="1" wrap="square" lIns="91425" tIns="91425" rIns="91425" bIns="91425" anchor="t" anchorCtr="0">
             <a:noAutofit/>
           </a:bodyPr>
           <a:lstStyle>
@@ -3049,15 +3142,19 @@
               <a:defRPr/>
             </a:lvl9pPr>
           </a:lstStyle>
-          <a:p/>
+          <a:p>
+            <a:endParaRPr/>
+          </a:p>
         </p:txBody>
       </p:sp>
       <p:sp>
         <p:nvSpPr>
           <p:cNvPr id="22" name="Google Shape;22;p5"/>
-          <p:cNvSpPr txBox="1"/>
+          <p:cNvSpPr txBox="1">
+            <a:spLocks noGrp="1"/>
+          </p:cNvSpPr>
           <p:nvPr>
-            <p:ph idx="1" type="body"/>
+            <p:ph type="body" idx="1"/>
           </p:nvPr>
         </p:nvSpPr>
         <p:spPr>
@@ -3070,11 +3167,11 @@
           </a:prstGeom>
         </p:spPr>
         <p:txBody>
-          <a:bodyPr anchorCtr="0" anchor="t" bIns="91425" lIns="91425" spcFirstLastPara="1" rIns="91425" wrap="square" tIns="91425">
+          <a:bodyPr spcFirstLastPara="1" wrap="square" lIns="91425" tIns="91425" rIns="91425" bIns="91425" anchor="t" anchorCtr="0">
             <a:noAutofit/>
           </a:bodyPr>
           <a:lstStyle>
-            <a:lvl1pPr indent="-317500" lvl="0" marL="457200">
+            <a:lvl1pPr marL="457200" lvl="0" indent="-317500">
               <a:spcBef>
                 <a:spcPts val="0"/>
               </a:spcBef>
@@ -3085,7 +3182,7 @@
               <a:buChar char="●"/>
               <a:defRPr sz="1400"/>
             </a:lvl1pPr>
-            <a:lvl2pPr indent="-304800" lvl="1" marL="914400">
+            <a:lvl2pPr marL="914400" lvl="1" indent="-304800">
               <a:spcBef>
                 <a:spcPts val="1600"/>
               </a:spcBef>
@@ -3096,7 +3193,7 @@
               <a:buChar char="○"/>
               <a:defRPr sz="1200"/>
             </a:lvl2pPr>
-            <a:lvl3pPr indent="-304800" lvl="2" marL="1371600">
+            <a:lvl3pPr marL="1371600" lvl="2" indent="-304800">
               <a:spcBef>
                 <a:spcPts val="1600"/>
               </a:spcBef>
@@ -3107,7 +3204,7 @@
               <a:buChar char="■"/>
               <a:defRPr sz="1200"/>
             </a:lvl3pPr>
-            <a:lvl4pPr indent="-304800" lvl="3" marL="1828800">
+            <a:lvl4pPr marL="1828800" lvl="3" indent="-304800">
               <a:spcBef>
                 <a:spcPts val="1600"/>
               </a:spcBef>
@@ -3118,7 +3215,7 @@
               <a:buChar char="●"/>
               <a:defRPr sz="1200"/>
             </a:lvl4pPr>
-            <a:lvl5pPr indent="-304800" lvl="4" marL="2286000">
+            <a:lvl5pPr marL="2286000" lvl="4" indent="-304800">
               <a:spcBef>
                 <a:spcPts val="1600"/>
               </a:spcBef>
@@ -3129,7 +3226,7 @@
               <a:buChar char="○"/>
               <a:defRPr sz="1200"/>
             </a:lvl5pPr>
-            <a:lvl6pPr indent="-304800" lvl="5" marL="2743200">
+            <a:lvl6pPr marL="2743200" lvl="5" indent="-304800">
               <a:spcBef>
                 <a:spcPts val="1600"/>
               </a:spcBef>
@@ -3140,7 +3237,7 @@
               <a:buChar char="■"/>
               <a:defRPr sz="1200"/>
             </a:lvl6pPr>
-            <a:lvl7pPr indent="-304800" lvl="6" marL="3200400">
+            <a:lvl7pPr marL="3200400" lvl="6" indent="-304800">
               <a:spcBef>
                 <a:spcPts val="1600"/>
               </a:spcBef>
@@ -3151,7 +3248,7 @@
               <a:buChar char="●"/>
               <a:defRPr sz="1200"/>
             </a:lvl7pPr>
-            <a:lvl8pPr indent="-304800" lvl="7" marL="3657600">
+            <a:lvl8pPr marL="3657600" lvl="7" indent="-304800">
               <a:spcBef>
                 <a:spcPts val="1600"/>
               </a:spcBef>
@@ -3162,7 +3259,7 @@
               <a:buChar char="○"/>
               <a:defRPr sz="1200"/>
             </a:lvl8pPr>
-            <a:lvl9pPr indent="-304800" lvl="8" marL="4114800">
+            <a:lvl9pPr marL="4114800" lvl="8" indent="-304800">
               <a:spcBef>
                 <a:spcPts val="1600"/>
               </a:spcBef>
@@ -3174,15 +3271,19 @@
               <a:defRPr sz="1200"/>
             </a:lvl9pPr>
           </a:lstStyle>
-          <a:p/>
+          <a:p>
+            <a:endParaRPr/>
+          </a:p>
         </p:txBody>
       </p:sp>
       <p:sp>
         <p:nvSpPr>
           <p:cNvPr id="23" name="Google Shape;23;p5"/>
-          <p:cNvSpPr txBox="1"/>
+          <p:cNvSpPr txBox="1">
+            <a:spLocks noGrp="1"/>
+          </p:cNvSpPr>
           <p:nvPr>
-            <p:ph idx="2" type="body"/>
+            <p:ph type="body" idx="2"/>
           </p:nvPr>
         </p:nvSpPr>
         <p:spPr>
@@ -3195,11 +3296,11 @@
           </a:prstGeom>
         </p:spPr>
         <p:txBody>
-          <a:bodyPr anchorCtr="0" anchor="t" bIns="91425" lIns="91425" spcFirstLastPara="1" rIns="91425" wrap="square" tIns="91425">
+          <a:bodyPr spcFirstLastPara="1" wrap="square" lIns="91425" tIns="91425" rIns="91425" bIns="91425" anchor="t" anchorCtr="0">
             <a:noAutofit/>
           </a:bodyPr>
           <a:lstStyle>
-            <a:lvl1pPr indent="-317500" lvl="0" marL="457200">
+            <a:lvl1pPr marL="457200" lvl="0" indent="-317500">
               <a:spcBef>
                 <a:spcPts val="0"/>
               </a:spcBef>
@@ -3210,7 +3311,7 @@
               <a:buChar char="●"/>
               <a:defRPr sz="1400"/>
             </a:lvl1pPr>
-            <a:lvl2pPr indent="-304800" lvl="1" marL="914400">
+            <a:lvl2pPr marL="914400" lvl="1" indent="-304800">
               <a:spcBef>
                 <a:spcPts val="1600"/>
               </a:spcBef>
@@ -3221,7 +3322,7 @@
               <a:buChar char="○"/>
               <a:defRPr sz="1200"/>
             </a:lvl2pPr>
-            <a:lvl3pPr indent="-304800" lvl="2" marL="1371600">
+            <a:lvl3pPr marL="1371600" lvl="2" indent="-304800">
               <a:spcBef>
                 <a:spcPts val="1600"/>
               </a:spcBef>
@@ -3232,7 +3333,7 @@
               <a:buChar char="■"/>
               <a:defRPr sz="1200"/>
             </a:lvl3pPr>
-            <a:lvl4pPr indent="-304800" lvl="3" marL="1828800">
+            <a:lvl4pPr marL="1828800" lvl="3" indent="-304800">
               <a:spcBef>
                 <a:spcPts val="1600"/>
               </a:spcBef>
@@ -3243,7 +3344,7 @@
               <a:buChar char="●"/>
               <a:defRPr sz="1200"/>
             </a:lvl4pPr>
-            <a:lvl5pPr indent="-304800" lvl="4" marL="2286000">
+            <a:lvl5pPr marL="2286000" lvl="4" indent="-304800">
               <a:spcBef>
                 <a:spcPts val="1600"/>
               </a:spcBef>
@@ -3254,7 +3355,7 @@
               <a:buChar char="○"/>
               <a:defRPr sz="1200"/>
             </a:lvl5pPr>
-            <a:lvl6pPr indent="-304800" lvl="5" marL="2743200">
+            <a:lvl6pPr marL="2743200" lvl="5" indent="-304800">
               <a:spcBef>
                 <a:spcPts val="1600"/>
               </a:spcBef>
@@ -3265,7 +3366,7 @@
               <a:buChar char="■"/>
               <a:defRPr sz="1200"/>
             </a:lvl6pPr>
-            <a:lvl7pPr indent="-304800" lvl="6" marL="3200400">
+            <a:lvl7pPr marL="3200400" lvl="6" indent="-304800">
               <a:spcBef>
                 <a:spcPts val="1600"/>
               </a:spcBef>
@@ -3276,7 +3377,7 @@
               <a:buChar char="●"/>
               <a:defRPr sz="1200"/>
             </a:lvl7pPr>
-            <a:lvl8pPr indent="-304800" lvl="7" marL="3657600">
+            <a:lvl8pPr marL="3657600" lvl="7" indent="-304800">
               <a:spcBef>
                 <a:spcPts val="1600"/>
               </a:spcBef>
@@ -3287,7 +3388,7 @@
               <a:buChar char="○"/>
               <a:defRPr sz="1200"/>
             </a:lvl8pPr>
-            <a:lvl9pPr indent="-304800" lvl="8" marL="4114800">
+            <a:lvl9pPr marL="4114800" lvl="8" indent="-304800">
               <a:spcBef>
                 <a:spcPts val="1600"/>
               </a:spcBef>
@@ -3299,15 +3400,19 @@
               <a:defRPr sz="1200"/>
             </a:lvl9pPr>
           </a:lstStyle>
-          <a:p/>
+          <a:p>
+            <a:endParaRPr/>
+          </a:p>
         </p:txBody>
       </p:sp>
       <p:sp>
         <p:nvSpPr>
           <p:cNvPr id="24" name="Google Shape;24;p5"/>
-          <p:cNvSpPr txBox="1"/>
+          <p:cNvSpPr txBox="1">
+            <a:spLocks noGrp="1"/>
+          </p:cNvSpPr>
           <p:nvPr>
-            <p:ph idx="12" type="sldNum"/>
+            <p:ph type="sldNum" idx="12"/>
           </p:nvPr>
         </p:nvSpPr>
         <p:spPr>
@@ -3320,7 +3425,7 @@
           </a:prstGeom>
         </p:spPr>
         <p:txBody>
-          <a:bodyPr anchorCtr="0" anchor="ctr" bIns="91425" lIns="91425" spcFirstLastPara="1" rIns="91425" wrap="square" tIns="91425">
+          <a:bodyPr spcFirstLastPara="1" wrap="square" lIns="91425" tIns="91425" rIns="91425" bIns="91425" anchor="ctr" anchorCtr="0">
             <a:noAutofit/>
           </a:bodyPr>
           <a:lstStyle>
@@ -3362,7 +3467,7 @@
             </a:lvl9pPr>
           </a:lstStyle>
           <a:p>
-            <a:pPr indent="0" lvl="0" marL="0" rtl="0" algn="r">
+            <a:pPr marL="0" lvl="0" indent="0" algn="r" rtl="0">
               <a:spcBef>
                 <a:spcPts val="0"/>
               </a:spcBef>
@@ -3388,11 +3493,11 @@
 </file>
 
 <file path=ppt/slideLayouts/slideLayout5.xml><?xml version="1.0" encoding="utf-8"?>
-<p:sldLayout xmlns:a="http://schemas.openxmlformats.org/drawingml/2006/main" xmlns:r="http://schemas.openxmlformats.org/officeDocument/2006/relationships" xmlns:mc="http://schemas.openxmlformats.org/markup-compatibility/2006" xmlns:mv="urn:schemas-microsoft-com:mac:vml" xmlns:p="http://schemas.openxmlformats.org/presentationml/2006/main" xmlns:c="http://schemas.openxmlformats.org/drawingml/2006/chart" xmlns:dgm="http://schemas.openxmlformats.org/drawingml/2006/diagram" xmlns:o="urn:schemas-microsoft-com:office:office" xmlns:v="urn:schemas-microsoft-com:vml" xmlns:pvml="urn:schemas-microsoft-com:office:powerpoint" xmlns:com="http://schemas.openxmlformats.org/drawingml/2006/compatibility" xmlns:p14="http://schemas.microsoft.com/office/powerpoint/2010/main" xmlns:p15="http://schemas.microsoft.com/office/powerpoint/2012/main" matchingName="Title only" type="titleOnly">
+<p:sldLayout xmlns:a="http://schemas.openxmlformats.org/drawingml/2006/main" xmlns:r="http://schemas.openxmlformats.org/officeDocument/2006/relationships" xmlns:p="http://schemas.openxmlformats.org/presentationml/2006/main" matchingName="Title only" type="titleOnly">
   <p:cSld name="TITLE_ONLY">
     <p:spTree>
       <p:nvGrpSpPr>
-        <p:cNvPr id="25" name="Shape 25"/>
+        <p:cNvPr id="1" name="Shape 25"/>
         <p:cNvGrpSpPr/>
         <p:nvPr/>
       </p:nvGrpSpPr>
@@ -3407,7 +3512,9 @@
       <p:sp>
         <p:nvSpPr>
           <p:cNvPr id="26" name="Google Shape;26;p6"/>
-          <p:cNvSpPr txBox="1"/>
+          <p:cNvSpPr txBox="1">
+            <a:spLocks noGrp="1"/>
+          </p:cNvSpPr>
           <p:nvPr>
             <p:ph type="title"/>
           </p:nvPr>
@@ -3422,7 +3529,7 @@
           </a:prstGeom>
         </p:spPr>
         <p:txBody>
-          <a:bodyPr anchorCtr="0" anchor="t" bIns="91425" lIns="91425" spcFirstLastPara="1" rIns="91425" wrap="square" tIns="91425">
+          <a:bodyPr spcFirstLastPara="1" wrap="square" lIns="91425" tIns="91425" rIns="91425" bIns="91425" anchor="t" anchorCtr="0">
             <a:noAutofit/>
           </a:bodyPr>
           <a:lstStyle>
@@ -3526,15 +3633,19 @@
               <a:defRPr/>
             </a:lvl9pPr>
           </a:lstStyle>
-          <a:p/>
+          <a:p>
+            <a:endParaRPr/>
+          </a:p>
         </p:txBody>
       </p:sp>
       <p:sp>
         <p:nvSpPr>
           <p:cNvPr id="27" name="Google Shape;27;p6"/>
-          <p:cNvSpPr txBox="1"/>
+          <p:cNvSpPr txBox="1">
+            <a:spLocks noGrp="1"/>
+          </p:cNvSpPr>
           <p:nvPr>
-            <p:ph idx="12" type="sldNum"/>
+            <p:ph type="sldNum" idx="12"/>
           </p:nvPr>
         </p:nvSpPr>
         <p:spPr>
@@ -3547,7 +3658,7 @@
           </a:prstGeom>
         </p:spPr>
         <p:txBody>
-          <a:bodyPr anchorCtr="0" anchor="ctr" bIns="91425" lIns="91425" spcFirstLastPara="1" rIns="91425" wrap="square" tIns="91425">
+          <a:bodyPr spcFirstLastPara="1" wrap="square" lIns="91425" tIns="91425" rIns="91425" bIns="91425" anchor="ctr" anchorCtr="0">
             <a:noAutofit/>
           </a:bodyPr>
           <a:lstStyle>
@@ -3589,7 +3700,7 @@
             </a:lvl9pPr>
           </a:lstStyle>
           <a:p>
-            <a:pPr indent="0" lvl="0" marL="0" rtl="0" algn="r">
+            <a:pPr marL="0" lvl="0" indent="0" algn="r" rtl="0">
               <a:spcBef>
                 <a:spcPts val="0"/>
               </a:spcBef>
@@ -3615,11 +3726,11 @@
 </file>
 
 <file path=ppt/slideLayouts/slideLayout6.xml><?xml version="1.0" encoding="utf-8"?>
-<p:sldLayout xmlns:a="http://schemas.openxmlformats.org/drawingml/2006/main" xmlns:r="http://schemas.openxmlformats.org/officeDocument/2006/relationships" xmlns:mc="http://schemas.openxmlformats.org/markup-compatibility/2006" xmlns:mv="urn:schemas-microsoft-com:mac:vml" xmlns:p="http://schemas.openxmlformats.org/presentationml/2006/main" xmlns:c="http://schemas.openxmlformats.org/drawingml/2006/chart" xmlns:dgm="http://schemas.openxmlformats.org/drawingml/2006/diagram" xmlns:o="urn:schemas-microsoft-com:office:office" xmlns:v="urn:schemas-microsoft-com:vml" xmlns:pvml="urn:schemas-microsoft-com:office:powerpoint" xmlns:com="http://schemas.openxmlformats.org/drawingml/2006/compatibility" xmlns:p14="http://schemas.microsoft.com/office/powerpoint/2010/main" xmlns:p15="http://schemas.microsoft.com/office/powerpoint/2012/main" matchingName="One column text">
+<p:sldLayout xmlns:a="http://schemas.openxmlformats.org/drawingml/2006/main" xmlns:r="http://schemas.openxmlformats.org/officeDocument/2006/relationships" xmlns:p="http://schemas.openxmlformats.org/presentationml/2006/main" matchingName="One column text">
   <p:cSld name="ONE_COLUMN_TEXT">
     <p:spTree>
       <p:nvGrpSpPr>
-        <p:cNvPr id="28" name="Shape 28"/>
+        <p:cNvPr id="1" name="Shape 28"/>
         <p:cNvGrpSpPr/>
         <p:nvPr/>
       </p:nvGrpSpPr>
@@ -3634,7 +3745,9 @@
       <p:sp>
         <p:nvSpPr>
           <p:cNvPr id="29" name="Google Shape;29;p7"/>
-          <p:cNvSpPr txBox="1"/>
+          <p:cNvSpPr txBox="1">
+            <a:spLocks noGrp="1"/>
+          </p:cNvSpPr>
           <p:nvPr>
             <p:ph type="title"/>
           </p:nvPr>
@@ -3649,7 +3762,7 @@
           </a:prstGeom>
         </p:spPr>
         <p:txBody>
-          <a:bodyPr anchorCtr="0" anchor="b" bIns="91425" lIns="91425" spcFirstLastPara="1" rIns="91425" wrap="square" tIns="91425">
+          <a:bodyPr spcFirstLastPara="1" wrap="square" lIns="91425" tIns="91425" rIns="91425" bIns="91425" anchor="b" anchorCtr="0">
             <a:noAutofit/>
           </a:bodyPr>
           <a:lstStyle>
@@ -3753,15 +3866,19 @@
               <a:defRPr sz="2400"/>
             </a:lvl9pPr>
           </a:lstStyle>
-          <a:p/>
+          <a:p>
+            <a:endParaRPr/>
+          </a:p>
         </p:txBody>
       </p:sp>
       <p:sp>
         <p:nvSpPr>
           <p:cNvPr id="30" name="Google Shape;30;p7"/>
-          <p:cNvSpPr txBox="1"/>
+          <p:cNvSpPr txBox="1">
+            <a:spLocks noGrp="1"/>
+          </p:cNvSpPr>
           <p:nvPr>
-            <p:ph idx="1" type="body"/>
+            <p:ph type="body" idx="1"/>
           </p:nvPr>
         </p:nvSpPr>
         <p:spPr>
@@ -3774,11 +3891,11 @@
           </a:prstGeom>
         </p:spPr>
         <p:txBody>
-          <a:bodyPr anchorCtr="0" anchor="t" bIns="91425" lIns="91425" spcFirstLastPara="1" rIns="91425" wrap="square" tIns="91425">
+          <a:bodyPr spcFirstLastPara="1" wrap="square" lIns="91425" tIns="91425" rIns="91425" bIns="91425" anchor="t" anchorCtr="0">
             <a:noAutofit/>
           </a:bodyPr>
           <a:lstStyle>
-            <a:lvl1pPr indent="-304800" lvl="0" marL="457200">
+            <a:lvl1pPr marL="457200" lvl="0" indent="-304800">
               <a:spcBef>
                 <a:spcPts val="0"/>
               </a:spcBef>
@@ -3789,7 +3906,7 @@
               <a:buChar char="●"/>
               <a:defRPr sz="1200"/>
             </a:lvl1pPr>
-            <a:lvl2pPr indent="-304800" lvl="1" marL="914400">
+            <a:lvl2pPr marL="914400" lvl="1" indent="-304800">
               <a:spcBef>
                 <a:spcPts val="1600"/>
               </a:spcBef>
@@ -3800,7 +3917,7 @@
               <a:buChar char="○"/>
               <a:defRPr sz="1200"/>
             </a:lvl2pPr>
-            <a:lvl3pPr indent="-304800" lvl="2" marL="1371600">
+            <a:lvl3pPr marL="1371600" lvl="2" indent="-304800">
               <a:spcBef>
                 <a:spcPts val="1600"/>
               </a:spcBef>
@@ -3811,7 +3928,7 @@
               <a:buChar char="■"/>
               <a:defRPr sz="1200"/>
             </a:lvl3pPr>
-            <a:lvl4pPr indent="-304800" lvl="3" marL="1828800">
+            <a:lvl4pPr marL="1828800" lvl="3" indent="-304800">
               <a:spcBef>
                 <a:spcPts val="1600"/>
               </a:spcBef>
@@ -3822,7 +3939,7 @@
               <a:buChar char="●"/>
               <a:defRPr sz="1200"/>
             </a:lvl4pPr>
-            <a:lvl5pPr indent="-304800" lvl="4" marL="2286000">
+            <a:lvl5pPr marL="2286000" lvl="4" indent="-304800">
               <a:spcBef>
                 <a:spcPts val="1600"/>
               </a:spcBef>
@@ -3833,7 +3950,7 @@
               <a:buChar char="○"/>
               <a:defRPr sz="1200"/>
             </a:lvl5pPr>
-            <a:lvl6pPr indent="-304800" lvl="5" marL="2743200">
+            <a:lvl6pPr marL="2743200" lvl="5" indent="-304800">
               <a:spcBef>
                 <a:spcPts val="1600"/>
               </a:spcBef>
@@ -3844,7 +3961,7 @@
               <a:buChar char="■"/>
               <a:defRPr sz="1200"/>
             </a:lvl6pPr>
-            <a:lvl7pPr indent="-304800" lvl="6" marL="3200400">
+            <a:lvl7pPr marL="3200400" lvl="6" indent="-304800">
               <a:spcBef>
                 <a:spcPts val="1600"/>
               </a:spcBef>
@@ -3855,7 +3972,7 @@
               <a:buChar char="●"/>
               <a:defRPr sz="1200"/>
             </a:lvl7pPr>
-            <a:lvl8pPr indent="-304800" lvl="7" marL="3657600">
+            <a:lvl8pPr marL="3657600" lvl="7" indent="-304800">
               <a:spcBef>
                 <a:spcPts val="1600"/>
               </a:spcBef>
@@ -3866,7 +3983,7 @@
               <a:buChar char="○"/>
               <a:defRPr sz="1200"/>
             </a:lvl8pPr>
-            <a:lvl9pPr indent="-304800" lvl="8" marL="4114800">
+            <a:lvl9pPr marL="4114800" lvl="8" indent="-304800">
               <a:spcBef>
                 <a:spcPts val="1600"/>
               </a:spcBef>
@@ -3878,15 +3995,19 @@
               <a:defRPr sz="1200"/>
             </a:lvl9pPr>
           </a:lstStyle>
-          <a:p/>
+          <a:p>
+            <a:endParaRPr/>
+          </a:p>
         </p:txBody>
       </p:sp>
       <p:sp>
         <p:nvSpPr>
           <p:cNvPr id="31" name="Google Shape;31;p7"/>
-          <p:cNvSpPr txBox="1"/>
+          <p:cNvSpPr txBox="1">
+            <a:spLocks noGrp="1"/>
+          </p:cNvSpPr>
           <p:nvPr>
-            <p:ph idx="12" type="sldNum"/>
+            <p:ph type="sldNum" idx="12"/>
           </p:nvPr>
         </p:nvSpPr>
         <p:spPr>
@@ -3899,7 +4020,7 @@
           </a:prstGeom>
         </p:spPr>
         <p:txBody>
-          <a:bodyPr anchorCtr="0" anchor="ctr" bIns="91425" lIns="91425" spcFirstLastPara="1" rIns="91425" wrap="square" tIns="91425">
+          <a:bodyPr spcFirstLastPara="1" wrap="square" lIns="91425" tIns="91425" rIns="91425" bIns="91425" anchor="ctr" anchorCtr="0">
             <a:noAutofit/>
           </a:bodyPr>
           <a:lstStyle>
@@ -3941,7 +4062,7 @@
             </a:lvl9pPr>
           </a:lstStyle>
           <a:p>
-            <a:pPr indent="0" lvl="0" marL="0" rtl="0" algn="r">
+            <a:pPr marL="0" lvl="0" indent="0" algn="r" rtl="0">
               <a:spcBef>
                 <a:spcPts val="0"/>
               </a:spcBef>
@@ -3967,11 +4088,11 @@
 </file>
 
 <file path=ppt/slideLayouts/slideLayout7.xml><?xml version="1.0" encoding="utf-8"?>
-<p:sldLayout xmlns:a="http://schemas.openxmlformats.org/drawingml/2006/main" xmlns:r="http://schemas.openxmlformats.org/officeDocument/2006/relationships" xmlns:mc="http://schemas.openxmlformats.org/markup-compatibility/2006" xmlns:mv="urn:schemas-microsoft-com:mac:vml" xmlns:p="http://schemas.openxmlformats.org/presentationml/2006/main" xmlns:c="http://schemas.openxmlformats.org/drawingml/2006/chart" xmlns:dgm="http://schemas.openxmlformats.org/drawingml/2006/diagram" xmlns:o="urn:schemas-microsoft-com:office:office" xmlns:v="urn:schemas-microsoft-com:vml" xmlns:pvml="urn:schemas-microsoft-com:office:powerpoint" xmlns:com="http://schemas.openxmlformats.org/drawingml/2006/compatibility" xmlns:p14="http://schemas.microsoft.com/office/powerpoint/2010/main" xmlns:p15="http://schemas.microsoft.com/office/powerpoint/2012/main" matchingName="Main point">
+<p:sldLayout xmlns:a="http://schemas.openxmlformats.org/drawingml/2006/main" xmlns:r="http://schemas.openxmlformats.org/officeDocument/2006/relationships" xmlns:p="http://schemas.openxmlformats.org/presentationml/2006/main" matchingName="Main point">
   <p:cSld name="MAIN_POINT">
     <p:spTree>
       <p:nvGrpSpPr>
-        <p:cNvPr id="32" name="Shape 32"/>
+        <p:cNvPr id="1" name="Shape 32"/>
         <p:cNvGrpSpPr/>
         <p:nvPr/>
       </p:nvGrpSpPr>
@@ -3986,7 +4107,9 @@
       <p:sp>
         <p:nvSpPr>
           <p:cNvPr id="33" name="Google Shape;33;p8"/>
-          <p:cNvSpPr txBox="1"/>
+          <p:cNvSpPr txBox="1">
+            <a:spLocks noGrp="1"/>
+          </p:cNvSpPr>
           <p:nvPr>
             <p:ph type="title"/>
           </p:nvPr>
@@ -4001,7 +4124,7 @@
           </a:prstGeom>
         </p:spPr>
         <p:txBody>
-          <a:bodyPr anchorCtr="0" anchor="ctr" bIns="91425" lIns="91425" spcFirstLastPara="1" rIns="91425" wrap="square" tIns="91425">
+          <a:bodyPr spcFirstLastPara="1" wrap="square" lIns="91425" tIns="91425" rIns="91425" bIns="91425" anchor="ctr" anchorCtr="0">
             <a:noAutofit/>
           </a:bodyPr>
           <a:lstStyle>
@@ -4105,15 +4228,19 @@
               <a:defRPr sz="4800"/>
             </a:lvl9pPr>
           </a:lstStyle>
-          <a:p/>
+          <a:p>
+            <a:endParaRPr/>
+          </a:p>
         </p:txBody>
       </p:sp>
       <p:sp>
         <p:nvSpPr>
           <p:cNvPr id="34" name="Google Shape;34;p8"/>
-          <p:cNvSpPr txBox="1"/>
+          <p:cNvSpPr txBox="1">
+            <a:spLocks noGrp="1"/>
+          </p:cNvSpPr>
           <p:nvPr>
-            <p:ph idx="12" type="sldNum"/>
+            <p:ph type="sldNum" idx="12"/>
           </p:nvPr>
         </p:nvSpPr>
         <p:spPr>
@@ -4126,7 +4253,7 @@
           </a:prstGeom>
         </p:spPr>
         <p:txBody>
-          <a:bodyPr anchorCtr="0" anchor="ctr" bIns="91425" lIns="91425" spcFirstLastPara="1" rIns="91425" wrap="square" tIns="91425">
+          <a:bodyPr spcFirstLastPara="1" wrap="square" lIns="91425" tIns="91425" rIns="91425" bIns="91425" anchor="ctr" anchorCtr="0">
             <a:noAutofit/>
           </a:bodyPr>
           <a:lstStyle>
@@ -4168,7 +4295,7 @@
             </a:lvl9pPr>
           </a:lstStyle>
           <a:p>
-            <a:pPr indent="0" lvl="0" marL="0" rtl="0" algn="r">
+            <a:pPr marL="0" lvl="0" indent="0" algn="r" rtl="0">
               <a:spcBef>
                 <a:spcPts val="0"/>
               </a:spcBef>
@@ -4194,11 +4321,11 @@
 </file>
 
 <file path=ppt/slideLayouts/slideLayout8.xml><?xml version="1.0" encoding="utf-8"?>
-<p:sldLayout xmlns:a="http://schemas.openxmlformats.org/drawingml/2006/main" xmlns:r="http://schemas.openxmlformats.org/officeDocument/2006/relationships" xmlns:mc="http://schemas.openxmlformats.org/markup-compatibility/2006" xmlns:mv="urn:schemas-microsoft-com:mac:vml" xmlns:p="http://schemas.openxmlformats.org/presentationml/2006/main" xmlns:c="http://schemas.openxmlformats.org/drawingml/2006/chart" xmlns:dgm="http://schemas.openxmlformats.org/drawingml/2006/diagram" xmlns:o="urn:schemas-microsoft-com:office:office" xmlns:v="urn:schemas-microsoft-com:vml" xmlns:pvml="urn:schemas-microsoft-com:office:powerpoint" xmlns:com="http://schemas.openxmlformats.org/drawingml/2006/compatibility" xmlns:p14="http://schemas.microsoft.com/office/powerpoint/2010/main" xmlns:p15="http://schemas.microsoft.com/office/powerpoint/2012/main" matchingName="Section title and description">
+<p:sldLayout xmlns:a="http://schemas.openxmlformats.org/drawingml/2006/main" xmlns:r="http://schemas.openxmlformats.org/officeDocument/2006/relationships" xmlns:p="http://schemas.openxmlformats.org/presentationml/2006/main" matchingName="Section title and description">
   <p:cSld name="SECTION_TITLE_AND_DESCRIPTION">
     <p:spTree>
       <p:nvGrpSpPr>
-        <p:cNvPr id="35" name="Shape 35"/>
+        <p:cNvPr id="1" name="Shape 35"/>
         <p:cNvGrpSpPr/>
         <p:nvPr/>
       </p:nvGrpSpPr>
@@ -4232,12 +4359,12 @@
           </a:ln>
         </p:spPr>
         <p:txBody>
-          <a:bodyPr anchorCtr="0" anchor="ctr" bIns="91425" lIns="91425" spcFirstLastPara="1" rIns="91425" wrap="square" tIns="91425">
+          <a:bodyPr spcFirstLastPara="1" wrap="square" lIns="91425" tIns="91425" rIns="91425" bIns="91425" anchor="ctr" anchorCtr="0">
             <a:noAutofit/>
           </a:bodyPr>
           <a:lstStyle/>
           <a:p>
-            <a:pPr indent="0" lvl="0" marL="0" rtl="0" algn="l">
+            <a:pPr marL="0" lvl="0" indent="0" algn="l" rtl="0">
               <a:spcBef>
                 <a:spcPts val="0"/>
               </a:spcBef>
@@ -4246,9 +4373,6 @@
               </a:spcAft>
               <a:buNone/>
             </a:pPr>
-            <a:r>
-              <a:t/>
-            </a:r>
             <a:endParaRPr/>
           </a:p>
         </p:txBody>
@@ -4256,7 +4380,9 @@
       <p:sp>
         <p:nvSpPr>
           <p:cNvPr id="37" name="Google Shape;37;p9"/>
-          <p:cNvSpPr txBox="1"/>
+          <p:cNvSpPr txBox="1">
+            <a:spLocks noGrp="1"/>
+          </p:cNvSpPr>
           <p:nvPr>
             <p:ph type="title"/>
           </p:nvPr>
@@ -4271,7 +4397,7 @@
           </a:prstGeom>
         </p:spPr>
         <p:txBody>
-          <a:bodyPr anchorCtr="0" anchor="b" bIns="91425" lIns="91425" spcFirstLastPara="1" rIns="91425" wrap="square" tIns="91425">
+          <a:bodyPr spcFirstLastPara="1" wrap="square" lIns="91425" tIns="91425" rIns="91425" bIns="91425" anchor="b" anchorCtr="0">
             <a:noAutofit/>
           </a:bodyPr>
           <a:lstStyle>
@@ -4375,15 +4501,19 @@
               <a:defRPr sz="4200"/>
             </a:lvl9pPr>
           </a:lstStyle>
-          <a:p/>
+          <a:p>
+            <a:endParaRPr/>
+          </a:p>
         </p:txBody>
       </p:sp>
       <p:sp>
         <p:nvSpPr>
           <p:cNvPr id="38" name="Google Shape;38;p9"/>
-          <p:cNvSpPr txBox="1"/>
+          <p:cNvSpPr txBox="1">
+            <a:spLocks noGrp="1"/>
+          </p:cNvSpPr>
           <p:nvPr>
-            <p:ph idx="1" type="subTitle"/>
+            <p:ph type="subTitle" idx="1"/>
           </p:nvPr>
         </p:nvSpPr>
         <p:spPr>
@@ -4396,7 +4526,7 @@
           </a:prstGeom>
         </p:spPr>
         <p:txBody>
-          <a:bodyPr anchorCtr="0" anchor="t" bIns="91425" lIns="91425" spcFirstLastPara="1" rIns="91425" wrap="square" tIns="91425">
+          <a:bodyPr spcFirstLastPara="1" wrap="square" lIns="91425" tIns="91425" rIns="91425" bIns="91425" anchor="t" anchorCtr="0">
             <a:noAutofit/>
           </a:bodyPr>
           <a:lstStyle>
@@ -4527,15 +4657,19 @@
               <a:defRPr sz="2100"/>
             </a:lvl9pPr>
           </a:lstStyle>
-          <a:p/>
+          <a:p>
+            <a:endParaRPr/>
+          </a:p>
         </p:txBody>
       </p:sp>
       <p:sp>
         <p:nvSpPr>
           <p:cNvPr id="39" name="Google Shape;39;p9"/>
-          <p:cNvSpPr txBox="1"/>
+          <p:cNvSpPr txBox="1">
+            <a:spLocks noGrp="1"/>
+          </p:cNvSpPr>
           <p:nvPr>
-            <p:ph idx="2" type="body"/>
+            <p:ph type="body" idx="2"/>
           </p:nvPr>
         </p:nvSpPr>
         <p:spPr>
@@ -4548,11 +4682,11 @@
           </a:prstGeom>
         </p:spPr>
         <p:txBody>
-          <a:bodyPr anchorCtr="0" anchor="ctr" bIns="91425" lIns="91425" spcFirstLastPara="1" rIns="91425" wrap="square" tIns="91425">
+          <a:bodyPr spcFirstLastPara="1" wrap="square" lIns="91425" tIns="91425" rIns="91425" bIns="91425" anchor="ctr" anchorCtr="0">
             <a:noAutofit/>
           </a:bodyPr>
           <a:lstStyle>
-            <a:lvl1pPr indent="-342900" lvl="0" marL="457200">
+            <a:lvl1pPr marL="457200" lvl="0" indent="-342900">
               <a:spcBef>
                 <a:spcPts val="0"/>
               </a:spcBef>
@@ -4570,7 +4704,7 @@
                 </a:solidFill>
               </a:defRPr>
             </a:lvl1pPr>
-            <a:lvl2pPr indent="-317500" lvl="1" marL="914400">
+            <a:lvl2pPr marL="914400" lvl="1" indent="-317500">
               <a:spcBef>
                 <a:spcPts val="1600"/>
               </a:spcBef>
@@ -4588,7 +4722,7 @@
                 </a:solidFill>
               </a:defRPr>
             </a:lvl2pPr>
-            <a:lvl3pPr indent="-317500" lvl="2" marL="1371600">
+            <a:lvl3pPr marL="1371600" lvl="2" indent="-317500">
               <a:spcBef>
                 <a:spcPts val="1600"/>
               </a:spcBef>
@@ -4606,7 +4740,7 @@
                 </a:solidFill>
               </a:defRPr>
             </a:lvl3pPr>
-            <a:lvl4pPr indent="-317500" lvl="3" marL="1828800">
+            <a:lvl4pPr marL="1828800" lvl="3" indent="-317500">
               <a:spcBef>
                 <a:spcPts val="1600"/>
               </a:spcBef>
@@ -4624,7 +4758,7 @@
                 </a:solidFill>
               </a:defRPr>
             </a:lvl4pPr>
-            <a:lvl5pPr indent="-317500" lvl="4" marL="2286000">
+            <a:lvl5pPr marL="2286000" lvl="4" indent="-317500">
               <a:spcBef>
                 <a:spcPts val="1600"/>
               </a:spcBef>
@@ -4642,7 +4776,7 @@
                 </a:solidFill>
               </a:defRPr>
             </a:lvl5pPr>
-            <a:lvl6pPr indent="-317500" lvl="5" marL="2743200">
+            <a:lvl6pPr marL="2743200" lvl="5" indent="-317500">
               <a:spcBef>
                 <a:spcPts val="1600"/>
               </a:spcBef>
@@ -4660,7 +4794,7 @@
                 </a:solidFill>
               </a:defRPr>
             </a:lvl6pPr>
-            <a:lvl7pPr indent="-317500" lvl="6" marL="3200400">
+            <a:lvl7pPr marL="3200400" lvl="6" indent="-317500">
               <a:spcBef>
                 <a:spcPts val="1600"/>
               </a:spcBef>
@@ -4678,7 +4812,7 @@
                 </a:solidFill>
               </a:defRPr>
             </a:lvl7pPr>
-            <a:lvl8pPr indent="-317500" lvl="7" marL="3657600">
+            <a:lvl8pPr marL="3657600" lvl="7" indent="-317500">
               <a:spcBef>
                 <a:spcPts val="1600"/>
               </a:spcBef>
@@ -4696,7 +4830,7 @@
                 </a:solidFill>
               </a:defRPr>
             </a:lvl8pPr>
-            <a:lvl9pPr indent="-317500" lvl="8" marL="4114800">
+            <a:lvl9pPr marL="4114800" lvl="8" indent="-317500">
               <a:spcBef>
                 <a:spcPts val="1600"/>
               </a:spcBef>
@@ -4715,15 +4849,19 @@
               </a:defRPr>
             </a:lvl9pPr>
           </a:lstStyle>
-          <a:p/>
+          <a:p>
+            <a:endParaRPr/>
+          </a:p>
         </p:txBody>
       </p:sp>
       <p:sp>
         <p:nvSpPr>
           <p:cNvPr id="40" name="Google Shape;40;p9"/>
-          <p:cNvSpPr txBox="1"/>
+          <p:cNvSpPr txBox="1">
+            <a:spLocks noGrp="1"/>
+          </p:cNvSpPr>
           <p:nvPr>
-            <p:ph idx="12" type="sldNum"/>
+            <p:ph type="sldNum" idx="12"/>
           </p:nvPr>
         </p:nvSpPr>
         <p:spPr>
@@ -4736,7 +4874,7 @@
           </a:prstGeom>
         </p:spPr>
         <p:txBody>
-          <a:bodyPr anchorCtr="0" anchor="ctr" bIns="91425" lIns="91425" spcFirstLastPara="1" rIns="91425" wrap="square" tIns="91425">
+          <a:bodyPr spcFirstLastPara="1" wrap="square" lIns="91425" tIns="91425" rIns="91425" bIns="91425" anchor="ctr" anchorCtr="0">
             <a:noAutofit/>
           </a:bodyPr>
           <a:lstStyle>
@@ -4778,7 +4916,7 @@
             </a:lvl9pPr>
           </a:lstStyle>
           <a:p>
-            <a:pPr indent="0" lvl="0" marL="0" rtl="0" algn="r">
+            <a:pPr marL="0" lvl="0" indent="0" algn="r" rtl="0">
               <a:spcBef>
                 <a:spcPts val="0"/>
               </a:spcBef>
@@ -4804,11 +4942,11 @@
 </file>
 
 <file path=ppt/slideLayouts/slideLayout9.xml><?xml version="1.0" encoding="utf-8"?>
-<p:sldLayout xmlns:a="http://schemas.openxmlformats.org/drawingml/2006/main" xmlns:r="http://schemas.openxmlformats.org/officeDocument/2006/relationships" xmlns:mc="http://schemas.openxmlformats.org/markup-compatibility/2006" xmlns:mv="urn:schemas-microsoft-com:mac:vml" xmlns:p="http://schemas.openxmlformats.org/presentationml/2006/main" xmlns:c="http://schemas.openxmlformats.org/drawingml/2006/chart" xmlns:dgm="http://schemas.openxmlformats.org/drawingml/2006/diagram" xmlns:o="urn:schemas-microsoft-com:office:office" xmlns:v="urn:schemas-microsoft-com:vml" xmlns:pvml="urn:schemas-microsoft-com:office:powerpoint" xmlns:com="http://schemas.openxmlformats.org/drawingml/2006/compatibility" xmlns:p14="http://schemas.microsoft.com/office/powerpoint/2010/main" xmlns:p15="http://schemas.microsoft.com/office/powerpoint/2012/main" matchingName="Caption">
+<p:sldLayout xmlns:a="http://schemas.openxmlformats.org/drawingml/2006/main" xmlns:r="http://schemas.openxmlformats.org/officeDocument/2006/relationships" xmlns:p="http://schemas.openxmlformats.org/presentationml/2006/main" matchingName="Caption">
   <p:cSld name="CAPTION_ONLY">
     <p:spTree>
       <p:nvGrpSpPr>
-        <p:cNvPr id="41" name="Shape 41"/>
+        <p:cNvPr id="1" name="Shape 41"/>
         <p:cNvGrpSpPr/>
         <p:nvPr/>
       </p:nvGrpSpPr>
@@ -4823,9 +4961,11 @@
       <p:sp>
         <p:nvSpPr>
           <p:cNvPr id="42" name="Google Shape;42;p10"/>
-          <p:cNvSpPr txBox="1"/>
+          <p:cNvSpPr txBox="1">
+            <a:spLocks noGrp="1"/>
+          </p:cNvSpPr>
           <p:nvPr>
-            <p:ph idx="1" type="body"/>
+            <p:ph type="body" idx="1"/>
           </p:nvPr>
         </p:nvSpPr>
         <p:spPr>
@@ -4838,11 +4978,11 @@
           </a:prstGeom>
         </p:spPr>
         <p:txBody>
-          <a:bodyPr anchorCtr="0" anchor="ctr" bIns="91425" lIns="91425" spcFirstLastPara="1" rIns="91425" wrap="square" tIns="91425">
+          <a:bodyPr spcFirstLastPara="1" wrap="square" lIns="91425" tIns="91425" rIns="91425" bIns="91425" anchor="ctr" anchorCtr="0">
             <a:noAutofit/>
           </a:bodyPr>
           <a:lstStyle>
-            <a:lvl1pPr indent="-228600" lvl="0" marL="457200">
+            <a:lvl1pPr marL="457200" lvl="0" indent="-228600">
               <a:lnSpc>
                 <a:spcPct val="100000"/>
               </a:lnSpc>
@@ -4857,15 +4997,19 @@
               <a:defRPr/>
             </a:lvl1pPr>
           </a:lstStyle>
-          <a:p/>
+          <a:p>
+            <a:endParaRPr/>
+          </a:p>
         </p:txBody>
       </p:sp>
       <p:sp>
         <p:nvSpPr>
           <p:cNvPr id="43" name="Google Shape;43;p10"/>
-          <p:cNvSpPr txBox="1"/>
+          <p:cNvSpPr txBox="1">
+            <a:spLocks noGrp="1"/>
+          </p:cNvSpPr>
           <p:nvPr>
-            <p:ph idx="12" type="sldNum"/>
+            <p:ph type="sldNum" idx="12"/>
           </p:nvPr>
         </p:nvSpPr>
         <p:spPr>
@@ -4878,7 +5022,7 @@
           </a:prstGeom>
         </p:spPr>
         <p:txBody>
-          <a:bodyPr anchorCtr="0" anchor="ctr" bIns="91425" lIns="91425" spcFirstLastPara="1" rIns="91425" wrap="square" tIns="91425">
+          <a:bodyPr spcFirstLastPara="1" wrap="square" lIns="91425" tIns="91425" rIns="91425" bIns="91425" anchor="ctr" anchorCtr="0">
             <a:noAutofit/>
           </a:bodyPr>
           <a:lstStyle>
@@ -4920,7 +5064,7 @@
             </a:lvl9pPr>
           </a:lstStyle>
           <a:p>
-            <a:pPr indent="0" lvl="0" marL="0" rtl="0" algn="r">
+            <a:pPr marL="0" lvl="0" indent="0" algn="r" rtl="0">
               <a:spcBef>
                 <a:spcPts val="0"/>
               </a:spcBef>
@@ -4946,18 +5090,19 @@
 </file>
 
 <file path=ppt/slideMasters/slideMaster1.xml><?xml version="1.0" encoding="utf-8"?>
-<p:sldMaster xmlns:a="http://schemas.openxmlformats.org/drawingml/2006/main" xmlns:r="http://schemas.openxmlformats.org/officeDocument/2006/relationships" xmlns:mc="http://schemas.openxmlformats.org/markup-compatibility/2006" xmlns:mv="urn:schemas-microsoft-com:mac:vml" xmlns:p="http://schemas.openxmlformats.org/presentationml/2006/main" xmlns:c="http://schemas.openxmlformats.org/drawingml/2006/chart" xmlns:dgm="http://schemas.openxmlformats.org/drawingml/2006/diagram" xmlns:o="urn:schemas-microsoft-com:office:office" xmlns:v="urn:schemas-microsoft-com:vml" xmlns:pvml="urn:schemas-microsoft-com:office:powerpoint" xmlns:com="http://schemas.openxmlformats.org/drawingml/2006/compatibility" xmlns:p14="http://schemas.microsoft.com/office/powerpoint/2010/main" xmlns:p15="http://schemas.microsoft.com/office/powerpoint/2012/main">
+<p:sldMaster xmlns:a="http://schemas.openxmlformats.org/drawingml/2006/main" xmlns:r="http://schemas.openxmlformats.org/officeDocument/2006/relationships" xmlns:p="http://schemas.openxmlformats.org/presentationml/2006/main">
   <p:cSld name="simple-dark-2">
     <p:bg>
       <p:bgPr>
         <a:solidFill>
           <a:schemeClr val="lt1"/>
         </a:solidFill>
+        <a:effectLst/>
       </p:bgPr>
     </p:bg>
     <p:spTree>
       <p:nvGrpSpPr>
-        <p:cNvPr id="5" name="Shape 5"/>
+        <p:cNvPr id="1" name="Shape 5"/>
         <p:cNvGrpSpPr/>
         <p:nvPr/>
       </p:nvGrpSpPr>
@@ -4972,7 +5117,9 @@
       <p:sp>
         <p:nvSpPr>
           <p:cNvPr id="6" name="Google Shape;6;p1"/>
-          <p:cNvSpPr txBox="1"/>
+          <p:cNvSpPr txBox="1">
+            <a:spLocks noGrp="1"/>
+          </p:cNvSpPr>
           <p:nvPr>
             <p:ph type="title"/>
           </p:nvPr>
@@ -4991,7 +5138,7 @@
           </a:ln>
         </p:spPr>
         <p:txBody>
-          <a:bodyPr anchorCtr="0" anchor="t" bIns="91425" lIns="91425" spcFirstLastPara="1" rIns="91425" wrap="square" tIns="91425">
+          <a:bodyPr spcFirstLastPara="1" wrap="square" lIns="91425" tIns="91425" rIns="91425" bIns="91425" anchor="t" anchorCtr="0">
             <a:noAutofit/>
           </a:bodyPr>
           <a:lstStyle>
@@ -5158,15 +5305,19 @@
               </a:defRPr>
             </a:lvl9pPr>
           </a:lstStyle>
-          <a:p/>
+          <a:p>
+            <a:endParaRPr/>
+          </a:p>
         </p:txBody>
       </p:sp>
       <p:sp>
         <p:nvSpPr>
           <p:cNvPr id="7" name="Google Shape;7;p1"/>
-          <p:cNvSpPr txBox="1"/>
+          <p:cNvSpPr txBox="1">
+            <a:spLocks noGrp="1"/>
+          </p:cNvSpPr>
           <p:nvPr>
-            <p:ph idx="1" type="body"/>
+            <p:ph type="body" idx="1"/>
           </p:nvPr>
         </p:nvSpPr>
         <p:spPr>
@@ -5183,11 +5334,11 @@
           </a:ln>
         </p:spPr>
         <p:txBody>
-          <a:bodyPr anchorCtr="0" anchor="t" bIns="91425" lIns="91425" spcFirstLastPara="1" rIns="91425" wrap="square" tIns="91425">
+          <a:bodyPr spcFirstLastPara="1" wrap="square" lIns="91425" tIns="91425" rIns="91425" bIns="91425" anchor="t" anchorCtr="0">
             <a:noAutofit/>
           </a:bodyPr>
           <a:lstStyle>
-            <a:lvl1pPr indent="-342900" lvl="0" marL="457200">
+            <a:lvl1pPr marL="457200" lvl="0" indent="-342900">
               <a:lnSpc>
                 <a:spcPct val="115000"/>
               </a:lnSpc>
@@ -5208,7 +5359,7 @@
                 </a:solidFill>
               </a:defRPr>
             </a:lvl1pPr>
-            <a:lvl2pPr indent="-317500" lvl="1" marL="914400">
+            <a:lvl2pPr marL="914400" lvl="1" indent="-317500">
               <a:lnSpc>
                 <a:spcPct val="115000"/>
               </a:lnSpc>
@@ -5229,7 +5380,7 @@
                 </a:solidFill>
               </a:defRPr>
             </a:lvl2pPr>
-            <a:lvl3pPr indent="-317500" lvl="2" marL="1371600">
+            <a:lvl3pPr marL="1371600" lvl="2" indent="-317500">
               <a:lnSpc>
                 <a:spcPct val="115000"/>
               </a:lnSpc>
@@ -5250,7 +5401,7 @@
                 </a:solidFill>
               </a:defRPr>
             </a:lvl3pPr>
-            <a:lvl4pPr indent="-317500" lvl="3" marL="1828800">
+            <a:lvl4pPr marL="1828800" lvl="3" indent="-317500">
               <a:lnSpc>
                 <a:spcPct val="115000"/>
               </a:lnSpc>
@@ -5271,7 +5422,7 @@
                 </a:solidFill>
               </a:defRPr>
             </a:lvl4pPr>
-            <a:lvl5pPr indent="-317500" lvl="4" marL="2286000">
+            <a:lvl5pPr marL="2286000" lvl="4" indent="-317500">
               <a:lnSpc>
                 <a:spcPct val="115000"/>
               </a:lnSpc>
@@ -5292,7 +5443,7 @@
                 </a:solidFill>
               </a:defRPr>
             </a:lvl5pPr>
-            <a:lvl6pPr indent="-317500" lvl="5" marL="2743200">
+            <a:lvl6pPr marL="2743200" lvl="5" indent="-317500">
               <a:lnSpc>
                 <a:spcPct val="115000"/>
               </a:lnSpc>
@@ -5313,7 +5464,7 @@
                 </a:solidFill>
               </a:defRPr>
             </a:lvl6pPr>
-            <a:lvl7pPr indent="-317500" lvl="6" marL="3200400">
+            <a:lvl7pPr marL="3200400" lvl="6" indent="-317500">
               <a:lnSpc>
                 <a:spcPct val="115000"/>
               </a:lnSpc>
@@ -5334,7 +5485,7 @@
                 </a:solidFill>
               </a:defRPr>
             </a:lvl7pPr>
-            <a:lvl8pPr indent="-317500" lvl="7" marL="3657600">
+            <a:lvl8pPr marL="3657600" lvl="7" indent="-317500">
               <a:lnSpc>
                 <a:spcPct val="115000"/>
               </a:lnSpc>
@@ -5355,7 +5506,7 @@
                 </a:solidFill>
               </a:defRPr>
             </a:lvl8pPr>
-            <a:lvl9pPr indent="-317500" lvl="8" marL="4114800">
+            <a:lvl9pPr marL="4114800" lvl="8" indent="-317500">
               <a:lnSpc>
                 <a:spcPct val="115000"/>
               </a:lnSpc>
@@ -5377,15 +5528,19 @@
               </a:defRPr>
             </a:lvl9pPr>
           </a:lstStyle>
-          <a:p/>
+          <a:p>
+            <a:endParaRPr/>
+          </a:p>
         </p:txBody>
       </p:sp>
       <p:sp>
         <p:nvSpPr>
           <p:cNvPr id="8" name="Google Shape;8;p1"/>
-          <p:cNvSpPr txBox="1"/>
+          <p:cNvSpPr txBox="1">
+            <a:spLocks noGrp="1"/>
+          </p:cNvSpPr>
           <p:nvPr>
-            <p:ph idx="12" type="sldNum"/>
+            <p:ph type="sldNum" idx="12"/>
           </p:nvPr>
         </p:nvSpPr>
         <p:spPr>
@@ -5402,7 +5557,7 @@
           </a:ln>
         </p:spPr>
         <p:txBody>
-          <a:bodyPr anchorCtr="0" anchor="ctr" bIns="91425" lIns="91425" spcFirstLastPara="1" rIns="91425" wrap="square" tIns="91425">
+          <a:bodyPr spcFirstLastPara="1" wrap="square" lIns="91425" tIns="91425" rIns="91425" bIns="91425" anchor="ctr" anchorCtr="0">
             <a:noAutofit/>
           </a:bodyPr>
           <a:lstStyle>
@@ -5480,7 +5635,7 @@
             </a:lvl9pPr>
           </a:lstStyle>
           <a:p>
-            <a:pPr indent="0" lvl="0" marL="0" rtl="0" algn="r">
+            <a:pPr marL="0" lvl="0" indent="0" algn="r" rtl="0">
               <a:spcBef>
                 <a:spcPts val="0"/>
               </a:spcBef>
@@ -5499,7 +5654,7 @@
       </p:sp>
     </p:spTree>
   </p:cSld>
-  <p:clrMap accent1="accent1" accent2="accent2" accent3="accent3" accent4="accent4" accent5="accent5" accent6="accent6" bg1="lt1" bg2="dk2" tx1="dk1" tx2="lt2" folHlink="folHlink" hlink="hlink"/>
+  <p:clrMap bg1="lt1" tx1="dk1" bg2="dk2" tx2="lt2" accent1="accent1" accent2="accent2" accent3="accent3" accent4="accent4" accent5="accent5" accent6="accent6" hlink="hlink" folHlink="folHlink"/>
   <p:sldLayoutIdLst>
     <p:sldLayoutId id="2147483648" r:id="rId1"/>
     <p:sldLayoutId id="2147483649" r:id="rId2"/>
@@ -5513,10 +5668,10 @@
     <p:sldLayoutId id="2147483657" r:id="rId10"/>
     <p:sldLayoutId id="2147483658" r:id="rId11"/>
   </p:sldLayoutIdLst>
-  <p:hf dt="0" ftr="0" hdr="0" sldNum="0"/>
+  <p:hf sldNum="0" hdr="0" ftr="0" dt="0"/>
   <p:txStyles>
     <p:titleStyle>
-      <a:defPPr lvl="0" marR="0" rtl="0" algn="l">
+      <a:defPPr marR="0" lvl="0" algn="l" rtl="0">
         <a:lnSpc>
           <a:spcPct val="100000"/>
         </a:lnSpc>
@@ -5527,7 +5682,7 @@
           <a:spcPts val="0"/>
         </a:spcAft>
       </a:defPPr>
-      <a:lvl1pPr lvl="0" marR="0" rtl="0" algn="l">
+      <a:lvl1pPr marR="0" lvl="0" algn="l" rtl="0">
         <a:lnSpc>
           <a:spcPct val="100000"/>
         </a:lnSpc>
@@ -5541,7 +5696,7 @@
           <a:srgbClr val="000000"/>
         </a:buClr>
         <a:buFont typeface="Arial"/>
-        <a:defRPr b="0" i="0" sz="1400" u="none" cap="none" strike="noStrike">
+        <a:defRPr sz="1400" b="0" i="0" u="none" strike="noStrike" cap="none">
           <a:solidFill>
             <a:srgbClr val="000000"/>
           </a:solidFill>
@@ -5551,7 +5706,7 @@
           <a:sym typeface="Arial"/>
         </a:defRPr>
       </a:lvl1pPr>
-      <a:lvl2pPr lvl="1" marR="0" rtl="0" algn="l">
+      <a:lvl2pPr marR="0" lvl="1" algn="l" rtl="0">
         <a:lnSpc>
           <a:spcPct val="100000"/>
         </a:lnSpc>
@@ -5565,7 +5720,7 @@
           <a:srgbClr val="000000"/>
         </a:buClr>
         <a:buFont typeface="Arial"/>
-        <a:defRPr b="0" i="0" sz="1400" u="none" cap="none" strike="noStrike">
+        <a:defRPr sz="1400" b="0" i="0" u="none" strike="noStrike" cap="none">
           <a:solidFill>
             <a:srgbClr val="000000"/>
           </a:solidFill>
@@ -5575,7 +5730,7 @@
           <a:sym typeface="Arial"/>
         </a:defRPr>
       </a:lvl2pPr>
-      <a:lvl3pPr lvl="2" marR="0" rtl="0" algn="l">
+      <a:lvl3pPr marR="0" lvl="2" algn="l" rtl="0">
         <a:lnSpc>
           <a:spcPct val="100000"/>
         </a:lnSpc>
@@ -5589,7 +5744,7 @@
           <a:srgbClr val="000000"/>
         </a:buClr>
         <a:buFont typeface="Arial"/>
-        <a:defRPr b="0" i="0" sz="1400" u="none" cap="none" strike="noStrike">
+        <a:defRPr sz="1400" b="0" i="0" u="none" strike="noStrike" cap="none">
           <a:solidFill>
             <a:srgbClr val="000000"/>
           </a:solidFill>
@@ -5599,7 +5754,7 @@
           <a:sym typeface="Arial"/>
         </a:defRPr>
       </a:lvl3pPr>
-      <a:lvl4pPr lvl="3" marR="0" rtl="0" algn="l">
+      <a:lvl4pPr marR="0" lvl="3" algn="l" rtl="0">
         <a:lnSpc>
           <a:spcPct val="100000"/>
         </a:lnSpc>
@@ -5613,7 +5768,7 @@
           <a:srgbClr val="000000"/>
         </a:buClr>
         <a:buFont typeface="Arial"/>
-        <a:defRPr b="0" i="0" sz="1400" u="none" cap="none" strike="noStrike">
+        <a:defRPr sz="1400" b="0" i="0" u="none" strike="noStrike" cap="none">
           <a:solidFill>
             <a:srgbClr val="000000"/>
           </a:solidFill>
@@ -5623,7 +5778,7 @@
           <a:sym typeface="Arial"/>
         </a:defRPr>
       </a:lvl4pPr>
-      <a:lvl5pPr lvl="4" marR="0" rtl="0" algn="l">
+      <a:lvl5pPr marR="0" lvl="4" algn="l" rtl="0">
         <a:lnSpc>
           <a:spcPct val="100000"/>
         </a:lnSpc>
@@ -5637,7 +5792,7 @@
           <a:srgbClr val="000000"/>
         </a:buClr>
         <a:buFont typeface="Arial"/>
-        <a:defRPr b="0" i="0" sz="1400" u="none" cap="none" strike="noStrike">
+        <a:defRPr sz="1400" b="0" i="0" u="none" strike="noStrike" cap="none">
           <a:solidFill>
             <a:srgbClr val="000000"/>
           </a:solidFill>
@@ -5647,7 +5802,7 @@
           <a:sym typeface="Arial"/>
         </a:defRPr>
       </a:lvl5pPr>
-      <a:lvl6pPr lvl="5" marR="0" rtl="0" algn="l">
+      <a:lvl6pPr marR="0" lvl="5" algn="l" rtl="0">
         <a:lnSpc>
           <a:spcPct val="100000"/>
         </a:lnSpc>
@@ -5661,7 +5816,7 @@
           <a:srgbClr val="000000"/>
         </a:buClr>
         <a:buFont typeface="Arial"/>
-        <a:defRPr b="0" i="0" sz="1400" u="none" cap="none" strike="noStrike">
+        <a:defRPr sz="1400" b="0" i="0" u="none" strike="noStrike" cap="none">
           <a:solidFill>
             <a:srgbClr val="000000"/>
           </a:solidFill>
@@ -5671,7 +5826,7 @@
           <a:sym typeface="Arial"/>
         </a:defRPr>
       </a:lvl6pPr>
-      <a:lvl7pPr lvl="6" marR="0" rtl="0" algn="l">
+      <a:lvl7pPr marR="0" lvl="6" algn="l" rtl="0">
         <a:lnSpc>
           <a:spcPct val="100000"/>
         </a:lnSpc>
@@ -5685,7 +5840,7 @@
           <a:srgbClr val="000000"/>
         </a:buClr>
         <a:buFont typeface="Arial"/>
-        <a:defRPr b="0" i="0" sz="1400" u="none" cap="none" strike="noStrike">
+        <a:defRPr sz="1400" b="0" i="0" u="none" strike="noStrike" cap="none">
           <a:solidFill>
             <a:srgbClr val="000000"/>
           </a:solidFill>
@@ -5695,7 +5850,7 @@
           <a:sym typeface="Arial"/>
         </a:defRPr>
       </a:lvl7pPr>
-      <a:lvl8pPr lvl="7" marR="0" rtl="0" algn="l">
+      <a:lvl8pPr marR="0" lvl="7" algn="l" rtl="0">
         <a:lnSpc>
           <a:spcPct val="100000"/>
         </a:lnSpc>
@@ -5709,7 +5864,7 @@
           <a:srgbClr val="000000"/>
         </a:buClr>
         <a:buFont typeface="Arial"/>
-        <a:defRPr b="0" i="0" sz="1400" u="none" cap="none" strike="noStrike">
+        <a:defRPr sz="1400" b="0" i="0" u="none" strike="noStrike" cap="none">
           <a:solidFill>
             <a:srgbClr val="000000"/>
           </a:solidFill>
@@ -5719,7 +5874,7 @@
           <a:sym typeface="Arial"/>
         </a:defRPr>
       </a:lvl8pPr>
-      <a:lvl9pPr lvl="8" marR="0" rtl="0" algn="l">
+      <a:lvl9pPr marR="0" lvl="8" algn="l" rtl="0">
         <a:lnSpc>
           <a:spcPct val="100000"/>
         </a:lnSpc>
@@ -5733,7 +5888,7 @@
           <a:srgbClr val="000000"/>
         </a:buClr>
         <a:buFont typeface="Arial"/>
-        <a:defRPr b="0" i="0" sz="1400" u="none" cap="none" strike="noStrike">
+        <a:defRPr sz="1400" b="0" i="0" u="none" strike="noStrike" cap="none">
           <a:solidFill>
             <a:srgbClr val="000000"/>
           </a:solidFill>
@@ -5745,7 +5900,7 @@
       </a:lvl9pPr>
     </p:titleStyle>
     <p:bodyStyle>
-      <a:defPPr lvl="0" marR="0" rtl="0" algn="l">
+      <a:defPPr marR="0" lvl="0" algn="l" rtl="0">
         <a:lnSpc>
           <a:spcPct val="100000"/>
         </a:lnSpc>
@@ -5756,7 +5911,7 @@
           <a:spcPts val="0"/>
         </a:spcAft>
       </a:defPPr>
-      <a:lvl1pPr lvl="0" marR="0" rtl="0" algn="l">
+      <a:lvl1pPr marR="0" lvl="0" algn="l" rtl="0">
         <a:lnSpc>
           <a:spcPct val="100000"/>
         </a:lnSpc>
@@ -5770,7 +5925,7 @@
           <a:srgbClr val="000000"/>
         </a:buClr>
         <a:buFont typeface="Arial"/>
-        <a:defRPr b="0" i="0" sz="1400" u="none" cap="none" strike="noStrike">
+        <a:defRPr sz="1400" b="0" i="0" u="none" strike="noStrike" cap="none">
           <a:solidFill>
             <a:srgbClr val="000000"/>
           </a:solidFill>
@@ -5780,7 +5935,7 @@
           <a:sym typeface="Arial"/>
         </a:defRPr>
       </a:lvl1pPr>
-      <a:lvl2pPr lvl="1" marR="0" rtl="0" algn="l">
+      <a:lvl2pPr marR="0" lvl="1" algn="l" rtl="0">
         <a:lnSpc>
           <a:spcPct val="100000"/>
         </a:lnSpc>
@@ -5794,7 +5949,7 @@
           <a:srgbClr val="000000"/>
         </a:buClr>
         <a:buFont typeface="Arial"/>
-        <a:defRPr b="0" i="0" sz="1400" u="none" cap="none" strike="noStrike">
+        <a:defRPr sz="1400" b="0" i="0" u="none" strike="noStrike" cap="none">
           <a:solidFill>
             <a:srgbClr val="000000"/>
           </a:solidFill>
@@ -5804,7 +5959,7 @@
           <a:sym typeface="Arial"/>
         </a:defRPr>
       </a:lvl2pPr>
-      <a:lvl3pPr lvl="2" marR="0" rtl="0" algn="l">
+      <a:lvl3pPr marR="0" lvl="2" algn="l" rtl="0">
         <a:lnSpc>
           <a:spcPct val="100000"/>
         </a:lnSpc>
@@ -5818,7 +5973,7 @@
           <a:srgbClr val="000000"/>
         </a:buClr>
         <a:buFont typeface="Arial"/>
-        <a:defRPr b="0" i="0" sz="1400" u="none" cap="none" strike="noStrike">
+        <a:defRPr sz="1400" b="0" i="0" u="none" strike="noStrike" cap="none">
           <a:solidFill>
             <a:srgbClr val="000000"/>
           </a:solidFill>
@@ -5828,7 +5983,7 @@
           <a:sym typeface="Arial"/>
         </a:defRPr>
       </a:lvl3pPr>
-      <a:lvl4pPr lvl="3" marR="0" rtl="0" algn="l">
+      <a:lvl4pPr marR="0" lvl="3" algn="l" rtl="0">
         <a:lnSpc>
           <a:spcPct val="100000"/>
         </a:lnSpc>
@@ -5842,7 +5997,7 @@
           <a:srgbClr val="000000"/>
         </a:buClr>
         <a:buFont typeface="Arial"/>
-        <a:defRPr b="0" i="0" sz="1400" u="none" cap="none" strike="noStrike">
+        <a:defRPr sz="1400" b="0" i="0" u="none" strike="noStrike" cap="none">
           <a:solidFill>
             <a:srgbClr val="000000"/>
           </a:solidFill>
@@ -5852,7 +6007,7 @@
           <a:sym typeface="Arial"/>
         </a:defRPr>
       </a:lvl4pPr>
-      <a:lvl5pPr lvl="4" marR="0" rtl="0" algn="l">
+      <a:lvl5pPr marR="0" lvl="4" algn="l" rtl="0">
         <a:lnSpc>
           <a:spcPct val="100000"/>
         </a:lnSpc>
@@ -5866,7 +6021,7 @@
           <a:srgbClr val="000000"/>
         </a:buClr>
         <a:buFont typeface="Arial"/>
-        <a:defRPr b="0" i="0" sz="1400" u="none" cap="none" strike="noStrike">
+        <a:defRPr sz="1400" b="0" i="0" u="none" strike="noStrike" cap="none">
           <a:solidFill>
             <a:srgbClr val="000000"/>
           </a:solidFill>
@@ -5876,7 +6031,7 @@
           <a:sym typeface="Arial"/>
         </a:defRPr>
       </a:lvl5pPr>
-      <a:lvl6pPr lvl="5" marR="0" rtl="0" algn="l">
+      <a:lvl6pPr marR="0" lvl="5" algn="l" rtl="0">
         <a:lnSpc>
           <a:spcPct val="100000"/>
         </a:lnSpc>
@@ -5890,7 +6045,7 @@
           <a:srgbClr val="000000"/>
         </a:buClr>
         <a:buFont typeface="Arial"/>
-        <a:defRPr b="0" i="0" sz="1400" u="none" cap="none" strike="noStrike">
+        <a:defRPr sz="1400" b="0" i="0" u="none" strike="noStrike" cap="none">
           <a:solidFill>
             <a:srgbClr val="000000"/>
           </a:solidFill>
@@ -5900,7 +6055,7 @@
           <a:sym typeface="Arial"/>
         </a:defRPr>
       </a:lvl6pPr>
-      <a:lvl7pPr lvl="6" marR="0" rtl="0" algn="l">
+      <a:lvl7pPr marR="0" lvl="6" algn="l" rtl="0">
         <a:lnSpc>
           <a:spcPct val="100000"/>
         </a:lnSpc>
@@ -5914,7 +6069,7 @@
           <a:srgbClr val="000000"/>
         </a:buClr>
         <a:buFont typeface="Arial"/>
-        <a:defRPr b="0" i="0" sz="1400" u="none" cap="none" strike="noStrike">
+        <a:defRPr sz="1400" b="0" i="0" u="none" strike="noStrike" cap="none">
           <a:solidFill>
             <a:srgbClr val="000000"/>
           </a:solidFill>
@@ -5924,7 +6079,7 @@
           <a:sym typeface="Arial"/>
         </a:defRPr>
       </a:lvl7pPr>
-      <a:lvl8pPr lvl="7" marR="0" rtl="0" algn="l">
+      <a:lvl8pPr marR="0" lvl="7" algn="l" rtl="0">
         <a:lnSpc>
           <a:spcPct val="100000"/>
         </a:lnSpc>
@@ -5938,7 +6093,7 @@
           <a:srgbClr val="000000"/>
         </a:buClr>
         <a:buFont typeface="Arial"/>
-        <a:defRPr b="0" i="0" sz="1400" u="none" cap="none" strike="noStrike">
+        <a:defRPr sz="1400" b="0" i="0" u="none" strike="noStrike" cap="none">
           <a:solidFill>
             <a:srgbClr val="000000"/>
           </a:solidFill>
@@ -5948,7 +6103,7 @@
           <a:sym typeface="Arial"/>
         </a:defRPr>
       </a:lvl8pPr>
-      <a:lvl9pPr lvl="8" marR="0" rtl="0" algn="l">
+      <a:lvl9pPr marR="0" lvl="8" algn="l" rtl="0">
         <a:lnSpc>
           <a:spcPct val="100000"/>
         </a:lnSpc>
@@ -5962,7 +6117,7 @@
           <a:srgbClr val="000000"/>
         </a:buClr>
         <a:buFont typeface="Arial"/>
-        <a:defRPr b="0" i="0" sz="1400" u="none" cap="none" strike="noStrike">
+        <a:defRPr sz="1400" b="0" i="0" u="none" strike="noStrike" cap="none">
           <a:solidFill>
             <a:srgbClr val="000000"/>
           </a:solidFill>
@@ -5974,7 +6129,7 @@
       </a:lvl9pPr>
     </p:bodyStyle>
     <p:otherStyle>
-      <a:defPPr lvl="0" marR="0" rtl="0" algn="l">
+      <a:defPPr marR="0" lvl="0" algn="l" rtl="0">
         <a:lnSpc>
           <a:spcPct val="100000"/>
         </a:lnSpc>
@@ -5985,7 +6140,7 @@
           <a:spcPts val="0"/>
         </a:spcAft>
       </a:defPPr>
-      <a:lvl1pPr lvl="0" marR="0" rtl="0" algn="l">
+      <a:lvl1pPr marR="0" lvl="0" algn="l" rtl="0">
         <a:lnSpc>
           <a:spcPct val="100000"/>
         </a:lnSpc>
@@ -5999,7 +6154,7 @@
           <a:srgbClr val="000000"/>
         </a:buClr>
         <a:buFont typeface="Arial"/>
-        <a:defRPr b="0" i="0" sz="1400" u="none" cap="none" strike="noStrike">
+        <a:defRPr sz="1400" b="0" i="0" u="none" strike="noStrike" cap="none">
           <a:solidFill>
             <a:srgbClr val="000000"/>
           </a:solidFill>
@@ -6009,7 +6164,7 @@
           <a:sym typeface="Arial"/>
         </a:defRPr>
       </a:lvl1pPr>
-      <a:lvl2pPr lvl="1" marR="0" rtl="0" algn="l">
+      <a:lvl2pPr marR="0" lvl="1" algn="l" rtl="0">
         <a:lnSpc>
           <a:spcPct val="100000"/>
         </a:lnSpc>
@@ -6023,7 +6178,7 @@
           <a:srgbClr val="000000"/>
         </a:buClr>
         <a:buFont typeface="Arial"/>
-        <a:defRPr b="0" i="0" sz="1400" u="none" cap="none" strike="noStrike">
+        <a:defRPr sz="1400" b="0" i="0" u="none" strike="noStrike" cap="none">
           <a:solidFill>
             <a:srgbClr val="000000"/>
           </a:solidFill>
@@ -6033,7 +6188,7 @@
           <a:sym typeface="Arial"/>
         </a:defRPr>
       </a:lvl2pPr>
-      <a:lvl3pPr lvl="2" marR="0" rtl="0" algn="l">
+      <a:lvl3pPr marR="0" lvl="2" algn="l" rtl="0">
         <a:lnSpc>
           <a:spcPct val="100000"/>
         </a:lnSpc>
@@ -6047,7 +6202,7 @@
           <a:srgbClr val="000000"/>
         </a:buClr>
         <a:buFont typeface="Arial"/>
-        <a:defRPr b="0" i="0" sz="1400" u="none" cap="none" strike="noStrike">
+        <a:defRPr sz="1400" b="0" i="0" u="none" strike="noStrike" cap="none">
           <a:solidFill>
             <a:srgbClr val="000000"/>
           </a:solidFill>
@@ -6057,7 +6212,7 @@
           <a:sym typeface="Arial"/>
         </a:defRPr>
       </a:lvl3pPr>
-      <a:lvl4pPr lvl="3" marR="0" rtl="0" algn="l">
+      <a:lvl4pPr marR="0" lvl="3" algn="l" rtl="0">
         <a:lnSpc>
           <a:spcPct val="100000"/>
         </a:lnSpc>
@@ -6071,7 +6226,7 @@
           <a:srgbClr val="000000"/>
         </a:buClr>
         <a:buFont typeface="Arial"/>
-        <a:defRPr b="0" i="0" sz="1400" u="none" cap="none" strike="noStrike">
+        <a:defRPr sz="1400" b="0" i="0" u="none" strike="noStrike" cap="none">
           <a:solidFill>
             <a:srgbClr val="000000"/>
           </a:solidFill>
@@ -6081,7 +6236,7 @@
           <a:sym typeface="Arial"/>
         </a:defRPr>
       </a:lvl4pPr>
-      <a:lvl5pPr lvl="4" marR="0" rtl="0" algn="l">
+      <a:lvl5pPr marR="0" lvl="4" algn="l" rtl="0">
         <a:lnSpc>
           <a:spcPct val="100000"/>
         </a:lnSpc>
@@ -6095,7 +6250,7 @@
           <a:srgbClr val="000000"/>
         </a:buClr>
         <a:buFont typeface="Arial"/>
-        <a:defRPr b="0" i="0" sz="1400" u="none" cap="none" strike="noStrike">
+        <a:defRPr sz="1400" b="0" i="0" u="none" strike="noStrike" cap="none">
           <a:solidFill>
             <a:srgbClr val="000000"/>
           </a:solidFill>
@@ -6105,7 +6260,7 @@
           <a:sym typeface="Arial"/>
         </a:defRPr>
       </a:lvl5pPr>
-      <a:lvl6pPr lvl="5" marR="0" rtl="0" algn="l">
+      <a:lvl6pPr marR="0" lvl="5" algn="l" rtl="0">
         <a:lnSpc>
           <a:spcPct val="100000"/>
         </a:lnSpc>
@@ -6119,7 +6274,7 @@
           <a:srgbClr val="000000"/>
         </a:buClr>
         <a:buFont typeface="Arial"/>
-        <a:defRPr b="0" i="0" sz="1400" u="none" cap="none" strike="noStrike">
+        <a:defRPr sz="1400" b="0" i="0" u="none" strike="noStrike" cap="none">
           <a:solidFill>
             <a:srgbClr val="000000"/>
           </a:solidFill>
@@ -6129,7 +6284,7 @@
           <a:sym typeface="Arial"/>
         </a:defRPr>
       </a:lvl6pPr>
-      <a:lvl7pPr lvl="6" marR="0" rtl="0" algn="l">
+      <a:lvl7pPr marR="0" lvl="6" algn="l" rtl="0">
         <a:lnSpc>
           <a:spcPct val="100000"/>
         </a:lnSpc>
@@ -6143,7 +6298,7 @@
           <a:srgbClr val="000000"/>
         </a:buClr>
         <a:buFont typeface="Arial"/>
-        <a:defRPr b="0" i="0" sz="1400" u="none" cap="none" strike="noStrike">
+        <a:defRPr sz="1400" b="0" i="0" u="none" strike="noStrike" cap="none">
           <a:solidFill>
             <a:srgbClr val="000000"/>
           </a:solidFill>
@@ -6153,7 +6308,7 @@
           <a:sym typeface="Arial"/>
         </a:defRPr>
       </a:lvl7pPr>
-      <a:lvl8pPr lvl="7" marR="0" rtl="0" algn="l">
+      <a:lvl8pPr marR="0" lvl="7" algn="l" rtl="0">
         <a:lnSpc>
           <a:spcPct val="100000"/>
         </a:lnSpc>
@@ -6167,7 +6322,7 @@
           <a:srgbClr val="000000"/>
         </a:buClr>
         <a:buFont typeface="Arial"/>
-        <a:defRPr b="0" i="0" sz="1400" u="none" cap="none" strike="noStrike">
+        <a:defRPr sz="1400" b="0" i="0" u="none" strike="noStrike" cap="none">
           <a:solidFill>
             <a:srgbClr val="000000"/>
           </a:solidFill>
@@ -6177,7 +6332,7 @@
           <a:sym typeface="Arial"/>
         </a:defRPr>
       </a:lvl8pPr>
-      <a:lvl9pPr lvl="8" marR="0" rtl="0" algn="l">
+      <a:lvl9pPr marR="0" lvl="8" algn="l" rtl="0">
         <a:lnSpc>
           <a:spcPct val="100000"/>
         </a:lnSpc>
@@ -6191,7 +6346,7 @@
           <a:srgbClr val="000000"/>
         </a:buClr>
         <a:buFont typeface="Arial"/>
-        <a:defRPr b="0" i="0" sz="1400" u="none" cap="none" strike="noStrike">
+        <a:defRPr sz="1400" b="0" i="0" u="none" strike="noStrike" cap="none">
           <a:solidFill>
             <a:srgbClr val="000000"/>
           </a:solidFill>
@@ -6207,7 +6362,7 @@
 </file>
 
 <file path=ppt/slides/slide1.xml><?xml version="1.0" encoding="utf-8"?>
-<p:sld xmlns:a="http://schemas.openxmlformats.org/drawingml/2006/main" xmlns:r="http://schemas.openxmlformats.org/officeDocument/2006/relationships" xmlns:mc="http://schemas.openxmlformats.org/markup-compatibility/2006" xmlns:mv="urn:schemas-microsoft-com:mac:vml" xmlns:p="http://schemas.openxmlformats.org/presentationml/2006/main" xmlns:c="http://schemas.openxmlformats.org/drawingml/2006/chart" xmlns:dgm="http://schemas.openxmlformats.org/drawingml/2006/diagram" xmlns:o="urn:schemas-microsoft-com:office:office" xmlns:v="urn:schemas-microsoft-com:vml" xmlns:pvml="urn:schemas-microsoft-com:office:powerpoint" xmlns:com="http://schemas.openxmlformats.org/drawingml/2006/compatibility" xmlns:p14="http://schemas.microsoft.com/office/powerpoint/2010/main" xmlns:p15="http://schemas.microsoft.com/office/powerpoint/2012/main">
+<p:sld xmlns:a="http://schemas.openxmlformats.org/drawingml/2006/main" xmlns:r="http://schemas.openxmlformats.org/officeDocument/2006/relationships" xmlns:p="http://schemas.openxmlformats.org/presentationml/2006/main">
   <p:cSld>
     <p:bg>
       <p:bgPr>
@@ -6216,11 +6371,12 @@
             <a:alpha val="70950"/>
           </a:srgbClr>
         </a:solidFill>
+        <a:effectLst/>
       </p:bgPr>
     </p:bg>
     <p:spTree>
       <p:nvGrpSpPr>
-        <p:cNvPr id="53" name="Shape 53"/>
+        <p:cNvPr id="1" name="Shape 53"/>
         <p:cNvGrpSpPr/>
         <p:nvPr/>
       </p:nvGrpSpPr>
@@ -6235,7 +6391,9 @@
       <p:sp>
         <p:nvSpPr>
           <p:cNvPr id="54" name="Google Shape;54;p13"/>
-          <p:cNvSpPr txBox="1"/>
+          <p:cNvSpPr txBox="1">
+            <a:spLocks noGrp="1"/>
+          </p:cNvSpPr>
           <p:nvPr>
             <p:ph type="ctrTitle"/>
           </p:nvPr>
@@ -6250,12 +6408,12 @@
           </a:prstGeom>
         </p:spPr>
         <p:txBody>
-          <a:bodyPr anchorCtr="0" anchor="b" bIns="91425" lIns="91425" spcFirstLastPara="1" rIns="91425" wrap="square" tIns="91425">
+          <a:bodyPr spcFirstLastPara="1" wrap="square" lIns="91425" tIns="91425" rIns="91425" bIns="91425" anchor="b" anchorCtr="0">
             <a:noAutofit/>
           </a:bodyPr>
           <a:lstStyle/>
           <a:p>
-            <a:pPr indent="0" lvl="0" marL="0" rtl="0" algn="ctr">
+            <a:pPr marL="0" lvl="0" indent="0" algn="ctr" rtl="0">
               <a:spcBef>
                 <a:spcPts val="0"/>
               </a:spcBef>
@@ -6265,7 +6423,7 @@
               <a:buNone/>
             </a:pPr>
             <a:r>
-              <a:rPr b="1" lang="en" sz="4800">
+              <a:rPr lang="en" sz="4800" b="1">
                 <a:solidFill>
                   <a:srgbClr val="434343"/>
                 </a:solidFill>
@@ -6276,7 +6434,7 @@
               </a:rPr>
               <a:t>RedditRank Proposal</a:t>
             </a:r>
-            <a:endParaRPr b="1" sz="4800">
+            <a:endParaRPr sz="4800" b="1">
               <a:solidFill>
                 <a:srgbClr val="434343"/>
               </a:solidFill>
@@ -6291,9 +6449,11 @@
       <p:sp>
         <p:nvSpPr>
           <p:cNvPr id="55" name="Google Shape;55;p13"/>
-          <p:cNvSpPr txBox="1"/>
+          <p:cNvSpPr txBox="1">
+            <a:spLocks noGrp="1"/>
+          </p:cNvSpPr>
           <p:nvPr>
-            <p:ph idx="1" type="subTitle"/>
+            <p:ph type="subTitle" idx="1"/>
           </p:nvPr>
         </p:nvSpPr>
         <p:spPr>
@@ -6306,12 +6466,12 @@
           </a:prstGeom>
         </p:spPr>
         <p:txBody>
-          <a:bodyPr anchorCtr="0" anchor="t" bIns="91425" lIns="91425" spcFirstLastPara="1" rIns="91425" wrap="square" tIns="91425">
+          <a:bodyPr spcFirstLastPara="1" wrap="square" lIns="91425" tIns="91425" rIns="91425" bIns="91425" anchor="t" anchorCtr="0">
             <a:noAutofit/>
           </a:bodyPr>
           <a:lstStyle/>
           <a:p>
-            <a:pPr indent="0" lvl="0" marL="0" rtl="0" algn="ctr">
+            <a:pPr marL="0" lvl="0" indent="0" algn="ctr" rtl="0">
               <a:spcBef>
                 <a:spcPts val="0"/>
               </a:spcBef>
@@ -6348,7 +6508,7 @@
           <a:blip r:embed="rId3">
             <a:alphaModFix/>
           </a:blip>
-          <a:srcRect b="45533" l="31728" r="33079" t="0"/>
+          <a:srcRect l="31728" r="33079" b="45533"/>
           <a:stretch/>
         </p:blipFill>
         <p:spPr>
@@ -6368,9 +6528,11 @@
       <p:sp>
         <p:nvSpPr>
           <p:cNvPr id="57" name="Google Shape;57;p13"/>
-          <p:cNvSpPr txBox="1"/>
+          <p:cNvSpPr txBox="1">
+            <a:spLocks noGrp="1"/>
+          </p:cNvSpPr>
           <p:nvPr>
-            <p:ph idx="1" type="subTitle"/>
+            <p:ph type="subTitle" idx="1"/>
           </p:nvPr>
         </p:nvSpPr>
         <p:spPr>
@@ -6383,12 +6545,12 @@
           </a:prstGeom>
         </p:spPr>
         <p:txBody>
-          <a:bodyPr anchorCtr="0" anchor="t" bIns="91425" lIns="91425" spcFirstLastPara="1" rIns="91425" wrap="square" tIns="91425">
+          <a:bodyPr spcFirstLastPara="1" wrap="square" lIns="91425" tIns="91425" rIns="91425" bIns="91425" anchor="t" anchorCtr="0">
             <a:noAutofit/>
           </a:bodyPr>
           <a:lstStyle/>
           <a:p>
-            <a:pPr indent="0" lvl="0" marL="0" rtl="0" algn="l">
+            <a:pPr marL="0" lvl="0" indent="0" algn="l" rtl="0">
               <a:spcBef>
                 <a:spcPts val="0"/>
               </a:spcBef>
@@ -6420,7 +6582,7 @@
             </a:endParaRPr>
           </a:p>
           <a:p>
-            <a:pPr indent="0" lvl="0" marL="0" rtl="0" algn="l">
+            <a:pPr marL="0" lvl="0" indent="0" algn="l" rtl="0">
               <a:spcBef>
                 <a:spcPts val="0"/>
               </a:spcBef>
@@ -6452,7 +6614,7 @@
             </a:endParaRPr>
           </a:p>
           <a:p>
-            <a:pPr indent="0" lvl="0" marL="0" rtl="0" algn="l">
+            <a:pPr marL="0" lvl="0" indent="0" algn="l" rtl="0">
               <a:spcBef>
                 <a:spcPts val="0"/>
               </a:spcBef>
@@ -6461,9 +6623,6 @@
               </a:spcAft>
               <a:buNone/>
             </a:pPr>
-            <a:r>
-              <a:t/>
-            </a:r>
             <a:endParaRPr>
               <a:latin typeface="Lora"/>
               <a:ea typeface="Lora"/>
@@ -6482,7 +6641,7 @@
 </file>
 
 <file path=ppt/slides/slide2.xml><?xml version="1.0" encoding="utf-8"?>
-<p:sld xmlns:a="http://schemas.openxmlformats.org/drawingml/2006/main" xmlns:r="http://schemas.openxmlformats.org/officeDocument/2006/relationships" xmlns:mc="http://schemas.openxmlformats.org/markup-compatibility/2006" xmlns:mv="urn:schemas-microsoft-com:mac:vml" xmlns:p="http://schemas.openxmlformats.org/presentationml/2006/main" xmlns:c="http://schemas.openxmlformats.org/drawingml/2006/chart" xmlns:dgm="http://schemas.openxmlformats.org/drawingml/2006/diagram" xmlns:o="urn:schemas-microsoft-com:office:office" xmlns:v="urn:schemas-microsoft-com:vml" xmlns:pvml="urn:schemas-microsoft-com:office:powerpoint" xmlns:com="http://schemas.openxmlformats.org/drawingml/2006/compatibility" xmlns:p14="http://schemas.microsoft.com/office/powerpoint/2010/main" xmlns:p15="http://schemas.microsoft.com/office/powerpoint/2012/main">
+<p:sld xmlns:a="http://schemas.openxmlformats.org/drawingml/2006/main" xmlns:r="http://schemas.openxmlformats.org/officeDocument/2006/relationships" xmlns:p="http://schemas.openxmlformats.org/presentationml/2006/main">
   <p:cSld>
     <p:bg>
       <p:bgPr>
@@ -6491,11 +6650,12 @@
             <a:alpha val="70950"/>
           </a:srgbClr>
         </a:solidFill>
+        <a:effectLst/>
       </p:bgPr>
     </p:bg>
     <p:spTree>
       <p:nvGrpSpPr>
-        <p:cNvPr id="61" name="Shape 61"/>
+        <p:cNvPr id="1" name="Shape 61"/>
         <p:cNvGrpSpPr/>
         <p:nvPr/>
       </p:nvGrpSpPr>
@@ -6590,27 +6750,27 @@
             </a:xfrm>
             <a:prstGeom prst="roundRect">
               <a:avLst>
-                <a:gd fmla="val 16667" name="adj"/>
+                <a:gd name="adj" fmla="val 16667"/>
               </a:avLst>
             </a:prstGeom>
             <a:noFill/>
-            <a:ln cap="flat" cmpd="sng" w="19050">
+            <a:ln w="19050" cap="flat" cmpd="sng">
               <a:solidFill>
                 <a:srgbClr val="FF0000"/>
               </a:solidFill>
               <a:prstDash val="solid"/>
               <a:round/>
-              <a:headEnd len="sm" w="sm" type="none"/>
-              <a:tailEnd len="sm" w="sm" type="none"/>
+              <a:headEnd type="none" w="sm" len="sm"/>
+              <a:tailEnd type="none" w="sm" len="sm"/>
             </a:ln>
           </p:spPr>
           <p:txBody>
-            <a:bodyPr anchorCtr="0" anchor="ctr" bIns="91425" lIns="91425" spcFirstLastPara="1" rIns="91425" wrap="square" tIns="91425">
+            <a:bodyPr spcFirstLastPara="1" wrap="square" lIns="91425" tIns="91425" rIns="91425" bIns="91425" anchor="ctr" anchorCtr="0">
               <a:noAutofit/>
             </a:bodyPr>
             <a:lstStyle/>
             <a:p>
-              <a:pPr indent="0" lvl="0" marL="0" rtl="0" algn="l">
+              <a:pPr marL="0" lvl="0" indent="0" algn="l" rtl="0">
                 <a:spcBef>
                   <a:spcPts val="0"/>
                 </a:spcBef>
@@ -6619,9 +6779,6 @@
                 </a:spcAft>
                 <a:buNone/>
               </a:pPr>
-              <a:r>
-                <a:t/>
-              </a:r>
               <a:endParaRPr/>
             </a:p>
           </p:txBody>
@@ -6647,12 +6804,12 @@
           </a:ln>
         </p:spPr>
         <p:txBody>
-          <a:bodyPr anchorCtr="0" anchor="t" bIns="91425" lIns="91425" spcFirstLastPara="1" rIns="91425" wrap="square" tIns="91425">
+          <a:bodyPr spcFirstLastPara="1" wrap="square" lIns="91425" tIns="91425" rIns="91425" bIns="91425" anchor="t" anchorCtr="0">
             <a:noAutofit/>
           </a:bodyPr>
           <a:lstStyle/>
           <a:p>
-            <a:pPr indent="0" lvl="0" marL="0" rtl="0" algn="l">
+            <a:pPr marL="0" lvl="0" indent="0" algn="l" rtl="0">
               <a:spcBef>
                 <a:spcPts val="0"/>
               </a:spcBef>
@@ -6661,9 +6818,6 @@
               </a:spcAft>
               <a:buNone/>
             </a:pPr>
-            <a:r>
-              <a:t/>
-            </a:r>
             <a:endParaRPr/>
           </a:p>
         </p:txBody>
@@ -6717,7 +6871,7 @@
             <a:noFill/>
           </a:ln>
           <a:effectLst>
-            <a:outerShdw blurRad="100013" rotWithShape="0" algn="bl" dir="7200000" dist="47625">
+            <a:outerShdw blurRad="100013" dist="47625" dir="7200000" algn="bl" rotWithShape="0">
               <a:srgbClr val="000000">
                 <a:alpha val="71000"/>
               </a:srgbClr>
@@ -6725,12 +6879,12 @@
           </a:effectLst>
         </p:spPr>
         <p:txBody>
-          <a:bodyPr anchorCtr="0" anchor="ctr" bIns="91425" lIns="91425" spcFirstLastPara="1" rIns="91425" wrap="square" tIns="91425">
+          <a:bodyPr spcFirstLastPara="1" wrap="square" lIns="91425" tIns="91425" rIns="91425" bIns="91425" anchor="ctr" anchorCtr="0">
             <a:noAutofit/>
           </a:bodyPr>
           <a:lstStyle/>
           <a:p>
-            <a:pPr indent="0" lvl="0" marL="0" rtl="0" algn="ctr">
+            <a:pPr marL="0" lvl="0" indent="0" algn="ctr" rtl="0">
               <a:spcBef>
                 <a:spcPts val="0"/>
               </a:spcBef>
@@ -6778,7 +6932,7 @@
             <a:noFill/>
           </a:ln>
           <a:effectLst>
-            <a:outerShdw blurRad="100013" rotWithShape="0" algn="bl" dir="7200000" dist="47625">
+            <a:outerShdw blurRad="100013" dist="47625" dir="7200000" algn="bl" rotWithShape="0">
               <a:srgbClr val="000000">
                 <a:alpha val="71000"/>
               </a:srgbClr>
@@ -6786,12 +6940,12 @@
           </a:effectLst>
         </p:spPr>
         <p:txBody>
-          <a:bodyPr anchorCtr="0" anchor="ctr" bIns="91425" lIns="91425" spcFirstLastPara="1" rIns="91425" wrap="square" tIns="91425">
+          <a:bodyPr spcFirstLastPara="1" wrap="square" lIns="91425" tIns="91425" rIns="91425" bIns="91425" anchor="ctr" anchorCtr="0">
             <a:noAutofit/>
           </a:bodyPr>
           <a:lstStyle/>
           <a:p>
-            <a:pPr indent="0" lvl="0" marL="0" rtl="0" algn="ctr">
+            <a:pPr marL="0" lvl="0" indent="0" algn="ctr" rtl="0">
               <a:spcBef>
                 <a:spcPts val="0"/>
               </a:spcBef>
@@ -6839,7 +6993,7 @@
             <a:noFill/>
           </a:ln>
           <a:effectLst>
-            <a:outerShdw blurRad="100013" rotWithShape="0" algn="bl" dir="7200000" dist="47625">
+            <a:outerShdw blurRad="100013" dist="47625" dir="7200000" algn="bl" rotWithShape="0">
               <a:srgbClr val="000000">
                 <a:alpha val="71000"/>
               </a:srgbClr>
@@ -6847,12 +7001,12 @@
           </a:effectLst>
         </p:spPr>
         <p:txBody>
-          <a:bodyPr anchorCtr="0" anchor="ctr" bIns="91425" lIns="91425" spcFirstLastPara="1" rIns="91425" wrap="square" tIns="91425">
+          <a:bodyPr spcFirstLastPara="1" wrap="square" lIns="91425" tIns="91425" rIns="91425" bIns="91425" anchor="ctr" anchorCtr="0">
             <a:noAutofit/>
           </a:bodyPr>
           <a:lstStyle/>
           <a:p>
-            <a:pPr indent="0" lvl="0" marL="0" rtl="0" algn="ctr">
+            <a:pPr marL="0" lvl="0" indent="0" algn="ctr" rtl="0">
               <a:spcBef>
                 <a:spcPts val="0"/>
               </a:spcBef>
@@ -6897,14 +7051,14 @@
             <a:avLst/>
           </a:prstGeom>
           <a:noFill/>
-          <a:ln cap="flat" cmpd="sng" w="19050">
+          <a:ln w="19050" cap="flat" cmpd="sng">
             <a:solidFill>
               <a:schemeClr val="dk2"/>
             </a:solidFill>
             <a:prstDash val="solid"/>
             <a:round/>
-            <a:headEnd len="med" w="med" type="none"/>
-            <a:tailEnd len="med" w="med" type="triangle"/>
+            <a:headEnd type="none" w="med" len="med"/>
+            <a:tailEnd type="triangle" w="med" len="med"/>
           </a:ln>
         </p:spPr>
       </p:cxnSp>
@@ -6926,14 +7080,14 @@
             <a:avLst/>
           </a:prstGeom>
           <a:noFill/>
-          <a:ln cap="flat" cmpd="sng" w="19050">
+          <a:ln w="19050" cap="flat" cmpd="sng">
             <a:solidFill>
               <a:schemeClr val="dk2"/>
             </a:solidFill>
             <a:prstDash val="solid"/>
             <a:round/>
-            <a:headEnd len="med" w="med" type="none"/>
-            <a:tailEnd len="med" w="med" type="triangle"/>
+            <a:headEnd type="none" w="med" len="med"/>
+            <a:tailEnd type="triangle" w="med" len="med"/>
           </a:ln>
         </p:spPr>
       </p:cxnSp>
@@ -6955,14 +7109,14 @@
             <a:avLst/>
           </a:prstGeom>
           <a:noFill/>
-          <a:ln cap="flat" cmpd="sng" w="9525">
+          <a:ln w="9525" cap="flat" cmpd="sng">
             <a:solidFill>
               <a:schemeClr val="dk2"/>
             </a:solidFill>
             <a:prstDash val="solid"/>
             <a:round/>
-            <a:headEnd len="med" w="med" type="none"/>
-            <a:tailEnd len="med" w="med" type="triangle"/>
+            <a:headEnd type="none" w="med" len="med"/>
+            <a:tailEnd type="triangle" w="med" len="med"/>
           </a:ln>
         </p:spPr>
       </p:cxnSp>
@@ -6984,14 +7138,14 @@
             <a:avLst/>
           </a:prstGeom>
           <a:noFill/>
-          <a:ln cap="flat" cmpd="sng" w="9525">
+          <a:ln w="9525" cap="flat" cmpd="sng">
             <a:solidFill>
               <a:schemeClr val="dk2"/>
             </a:solidFill>
             <a:prstDash val="solid"/>
             <a:round/>
-            <a:headEnd len="med" w="med" type="none"/>
-            <a:tailEnd len="med" w="med" type="triangle"/>
+            <a:headEnd type="none" w="med" len="med"/>
+            <a:tailEnd type="triangle" w="med" len="med"/>
           </a:ln>
         </p:spPr>
       </p:cxnSp>
@@ -7010,14 +7164,14 @@
             <a:avLst/>
           </a:prstGeom>
           <a:noFill/>
-          <a:ln cap="flat" cmpd="sng" w="28575">
+          <a:ln w="28575" cap="flat" cmpd="sng">
             <a:solidFill>
               <a:schemeClr val="dk2"/>
             </a:solidFill>
             <a:prstDash val="solid"/>
             <a:round/>
-            <a:headEnd len="med" w="med" type="none"/>
-            <a:tailEnd len="med" w="med" type="triangle"/>
+            <a:headEnd type="none" w="med" len="med"/>
+            <a:tailEnd type="triangle" w="med" len="med"/>
           </a:ln>
         </p:spPr>
       </p:cxnSp>
@@ -7040,23 +7194,23 @@
               <a:alpha val="42460"/>
             </a:srgbClr>
           </a:solidFill>
-          <a:ln cap="flat" cmpd="sng" w="28575">
+          <a:ln w="28575" cap="flat" cmpd="sng">
             <a:solidFill>
               <a:srgbClr val="000000"/>
             </a:solidFill>
             <a:prstDash val="solid"/>
             <a:round/>
-            <a:headEnd len="sm" w="sm" type="none"/>
-            <a:tailEnd len="sm" w="sm" type="none"/>
+            <a:headEnd type="none" w="sm" len="sm"/>
+            <a:tailEnd type="none" w="sm" len="sm"/>
           </a:ln>
         </p:spPr>
         <p:txBody>
-          <a:bodyPr anchorCtr="0" anchor="t" bIns="91425" lIns="91425" spcFirstLastPara="1" rIns="91425" wrap="square" tIns="91425">
+          <a:bodyPr spcFirstLastPara="1" wrap="square" lIns="91425" tIns="91425" rIns="91425" bIns="91425" anchor="t" anchorCtr="0">
             <a:noAutofit/>
           </a:bodyPr>
           <a:lstStyle/>
           <a:p>
-            <a:pPr indent="0" lvl="0" marL="0" rtl="0" algn="l">
+            <a:pPr marL="0" lvl="0" indent="0" algn="l" rtl="0">
               <a:spcBef>
                 <a:spcPts val="0"/>
               </a:spcBef>
@@ -7065,9 +7219,6 @@
               </a:spcAft>
               <a:buNone/>
             </a:pPr>
-            <a:r>
-              <a:t/>
-            </a:r>
             <a:endParaRPr/>
           </a:p>
         </p:txBody>
@@ -7092,12 +7243,12 @@
           </a:ln>
         </p:spPr>
         <p:txBody>
-          <a:bodyPr anchorCtr="0" anchor="t" bIns="91425" lIns="91425" spcFirstLastPara="1" rIns="91425" wrap="square" tIns="91425">
+          <a:bodyPr spcFirstLastPara="1" wrap="square" lIns="91425" tIns="91425" rIns="91425" bIns="91425" anchor="t" anchorCtr="0">
             <a:noAutofit/>
           </a:bodyPr>
           <a:lstStyle/>
           <a:p>
-            <a:pPr indent="0" lvl="0" marL="0" rtl="0" algn="l">
+            <a:pPr marL="0" lvl="0" indent="0" algn="l" rtl="0">
               <a:spcBef>
                 <a:spcPts val="0"/>
               </a:spcBef>
@@ -7107,7 +7258,7 @@
               <a:buNone/>
             </a:pPr>
             <a:r>
-              <a:rPr b="1" lang="en" sz="4800">
+              <a:rPr lang="en" sz="4800" b="1">
                 <a:solidFill>
                   <a:srgbClr val="FFFFFF"/>
                 </a:solidFill>
@@ -7118,7 +7269,7 @@
               </a:rPr>
               <a:t>RedditRank</a:t>
             </a:r>
-            <a:endParaRPr b="1" sz="4800">
+            <a:endParaRPr sz="4800" b="1">
               <a:solidFill>
                 <a:srgbClr val="FFFFFF"/>
               </a:solidFill>
@@ -7139,7 +7290,7 @@
 </file>
 
 <file path=ppt/slides/slide3.xml><?xml version="1.0" encoding="utf-8"?>
-<p:sld xmlns:a="http://schemas.openxmlformats.org/drawingml/2006/main" xmlns:r="http://schemas.openxmlformats.org/officeDocument/2006/relationships" xmlns:mc="http://schemas.openxmlformats.org/markup-compatibility/2006" xmlns:mv="urn:schemas-microsoft-com:mac:vml" xmlns:p="http://schemas.openxmlformats.org/presentationml/2006/main" xmlns:c="http://schemas.openxmlformats.org/drawingml/2006/chart" xmlns:dgm="http://schemas.openxmlformats.org/drawingml/2006/diagram" xmlns:o="urn:schemas-microsoft-com:office:office" xmlns:v="urn:schemas-microsoft-com:vml" xmlns:pvml="urn:schemas-microsoft-com:office:powerpoint" xmlns:com="http://schemas.openxmlformats.org/drawingml/2006/compatibility" xmlns:p14="http://schemas.microsoft.com/office/powerpoint/2010/main" xmlns:p15="http://schemas.microsoft.com/office/powerpoint/2012/main">
+<p:sld xmlns:a="http://schemas.openxmlformats.org/drawingml/2006/main" xmlns:r="http://schemas.openxmlformats.org/officeDocument/2006/relationships" xmlns:p="http://schemas.openxmlformats.org/presentationml/2006/main">
   <p:cSld>
     <p:bg>
       <p:bgPr>
@@ -7148,11 +7299,12 @@
             <a:alpha val="70950"/>
           </a:srgbClr>
         </a:solidFill>
+        <a:effectLst/>
       </p:bgPr>
     </p:bg>
     <p:spTree>
       <p:nvGrpSpPr>
-        <p:cNvPr id="81" name="Shape 81"/>
+        <p:cNvPr id="1" name="Shape 81"/>
         <p:cNvGrpSpPr/>
         <p:nvPr/>
       </p:nvGrpSpPr>
@@ -7167,7 +7319,9 @@
       <p:sp>
         <p:nvSpPr>
           <p:cNvPr id="82" name="Google Shape;82;p15"/>
-          <p:cNvSpPr txBox="1"/>
+          <p:cNvSpPr txBox="1">
+            <a:spLocks noGrp="1"/>
+          </p:cNvSpPr>
           <p:nvPr>
             <p:ph type="title"/>
           </p:nvPr>
@@ -7182,12 +7336,12 @@
           </a:prstGeom>
         </p:spPr>
         <p:txBody>
-          <a:bodyPr anchorCtr="0" anchor="t" bIns="91425" lIns="91425" spcFirstLastPara="1" rIns="91425" wrap="square" tIns="91425">
+          <a:bodyPr spcFirstLastPara="1" wrap="square" lIns="91425" tIns="91425" rIns="91425" bIns="91425" anchor="t" anchorCtr="0">
             <a:noAutofit/>
           </a:bodyPr>
           <a:lstStyle/>
           <a:p>
-            <a:pPr indent="0" lvl="0" marL="0" rtl="0" algn="l">
+            <a:pPr marL="0" lvl="0" indent="0" algn="l" rtl="0">
               <a:spcBef>
                 <a:spcPts val="0"/>
               </a:spcBef>
@@ -7197,7 +7351,7 @@
               <a:buNone/>
             </a:pPr>
             <a:r>
-              <a:rPr b="1" lang="en">
+              <a:rPr lang="en" b="1">
                 <a:solidFill>
                   <a:srgbClr val="434343"/>
                 </a:solidFill>
@@ -7223,9 +7377,11 @@
       <p:sp>
         <p:nvSpPr>
           <p:cNvPr id="83" name="Google Shape;83;p15"/>
-          <p:cNvSpPr txBox="1"/>
+          <p:cNvSpPr txBox="1">
+            <a:spLocks noGrp="1"/>
+          </p:cNvSpPr>
           <p:nvPr>
-            <p:ph idx="1" type="body"/>
+            <p:ph type="body" idx="1"/>
           </p:nvPr>
         </p:nvSpPr>
         <p:spPr>
@@ -7238,12 +7394,12 @@
           </a:prstGeom>
         </p:spPr>
         <p:txBody>
-          <a:bodyPr anchorCtr="0" anchor="t" bIns="91425" lIns="91425" spcFirstLastPara="1" rIns="91425" wrap="square" tIns="91425">
+          <a:bodyPr spcFirstLastPara="1" wrap="square" lIns="91425" tIns="91425" rIns="91425" bIns="91425" anchor="t" anchorCtr="0">
             <a:noAutofit/>
           </a:bodyPr>
           <a:lstStyle/>
           <a:p>
-            <a:pPr indent="0" lvl="0" marL="0" rtl="0" algn="l">
+            <a:pPr marL="0" lvl="0" indent="0" algn="l" rtl="0">
               <a:lnSpc>
                 <a:spcPct val="112000"/>
               </a:lnSpc>
@@ -7256,7 +7412,7 @@
               <a:buNone/>
             </a:pPr>
             <a:r>
-              <a:rPr b="1" lang="en" sz="2000">
+              <a:rPr lang="en" sz="2000" b="1">
                 <a:solidFill>
                   <a:srgbClr val="434343"/>
                 </a:solidFill>
@@ -7265,19 +7421,7 @@
                 <a:cs typeface="Lora"/>
                 <a:sym typeface="Lora"/>
               </a:rPr>
-              <a:t>u</a:t>
-            </a:r>
-            <a:r>
-              <a:rPr b="1" lang="en" sz="2000">
-                <a:solidFill>
-                  <a:srgbClr val="434343"/>
-                </a:solidFill>
-                <a:latin typeface="Lora"/>
-                <a:ea typeface="Lora"/>
-                <a:cs typeface="Lora"/>
-                <a:sym typeface="Lora"/>
-              </a:rPr>
-              <a:t>ser:</a:t>
+              <a:t>user:</a:t>
             </a:r>
             <a:r>
               <a:rPr lang="en" sz="2000">
@@ -7302,7 +7446,7 @@
             </a:endParaRPr>
           </a:p>
           <a:p>
-            <a:pPr indent="0" lvl="0" marL="0" rtl="0" algn="l">
+            <a:pPr marL="0" lvl="0" indent="0" algn="l" rtl="0">
               <a:lnSpc>
                 <a:spcPct val="112000"/>
               </a:lnSpc>
@@ -7315,7 +7459,7 @@
               <a:buNone/>
             </a:pPr>
             <a:r>
-              <a:rPr b="1" lang="en" sz="2000">
+              <a:rPr lang="en" sz="2000" b="1">
                 <a:solidFill>
                   <a:srgbClr val="434343"/>
                 </a:solidFill>
@@ -7324,19 +7468,7 @@
                 <a:cs typeface="Lora"/>
                 <a:sym typeface="Lora"/>
               </a:rPr>
-              <a:t>t</a:t>
-            </a:r>
-            <a:r>
-              <a:rPr b="1" lang="en" sz="2000">
-                <a:solidFill>
-                  <a:srgbClr val="434343"/>
-                </a:solidFill>
-                <a:latin typeface="Lora"/>
-                <a:ea typeface="Lora"/>
-                <a:cs typeface="Lora"/>
-                <a:sym typeface="Lora"/>
-              </a:rPr>
-              <a:t>itle:</a:t>
+              <a:t>title:</a:t>
             </a:r>
             <a:r>
               <a:rPr lang="en" sz="2000">
@@ -7361,7 +7493,7 @@
             </a:endParaRPr>
           </a:p>
           <a:p>
-            <a:pPr indent="0" lvl="0" marL="0" rtl="0" algn="l">
+            <a:pPr marL="0" lvl="0" indent="0" algn="l" rtl="0">
               <a:lnSpc>
                 <a:spcPct val="112000"/>
               </a:lnSpc>
@@ -7374,7 +7506,7 @@
               <a:buNone/>
             </a:pPr>
             <a:r>
-              <a:rPr b="1" lang="en" sz="2000">
+              <a:rPr lang="en" sz="2000" b="1">
                 <a:solidFill>
                   <a:srgbClr val="434343"/>
                 </a:solidFill>
@@ -7383,19 +7515,7 @@
                 <a:cs typeface="Lora"/>
                 <a:sym typeface="Lora"/>
               </a:rPr>
-              <a:t>c</a:t>
-            </a:r>
-            <a:r>
-              <a:rPr b="1" lang="en" sz="2000">
-                <a:solidFill>
-                  <a:srgbClr val="434343"/>
-                </a:solidFill>
-                <a:latin typeface="Lora"/>
-                <a:ea typeface="Lora"/>
-                <a:cs typeface="Lora"/>
-                <a:sym typeface="Lora"/>
-              </a:rPr>
-              <a:t>omments: </a:t>
+              <a:t>comments: </a:t>
             </a:r>
             <a:r>
               <a:rPr lang="en" sz="2000">
@@ -7409,7 +7529,7 @@
               </a:rPr>
               <a:t>607</a:t>
             </a:r>
-            <a:endParaRPr b="1" sz="2000">
+            <a:endParaRPr sz="2000" b="1">
               <a:solidFill>
                 <a:srgbClr val="434343"/>
               </a:solidFill>
@@ -7420,7 +7540,7 @@
             </a:endParaRPr>
           </a:p>
           <a:p>
-            <a:pPr indent="0" lvl="0" marL="0" rtl="0" algn="l">
+            <a:pPr marL="0" lvl="0" indent="0" algn="l" rtl="0">
               <a:lnSpc>
                 <a:spcPct val="112000"/>
               </a:lnSpc>
@@ -7433,7 +7553,7 @@
               <a:buNone/>
             </a:pPr>
             <a:r>
-              <a:rPr b="1" lang="en" sz="2000">
+              <a:rPr lang="en" sz="2000" b="1">
                 <a:solidFill>
                   <a:srgbClr val="434343"/>
                 </a:solidFill>
@@ -7442,19 +7562,7 @@
                 <a:cs typeface="Lora"/>
                 <a:sym typeface="Lora"/>
               </a:rPr>
-              <a:t>s</a:t>
-            </a:r>
-            <a:r>
-              <a:rPr b="1" lang="en" sz="2000">
-                <a:solidFill>
-                  <a:srgbClr val="434343"/>
-                </a:solidFill>
-                <a:latin typeface="Lora"/>
-                <a:ea typeface="Lora"/>
-                <a:cs typeface="Lora"/>
-                <a:sym typeface="Lora"/>
-              </a:rPr>
-              <a:t>core: </a:t>
+              <a:t>score: </a:t>
             </a:r>
             <a:r>
               <a:rPr lang="en" sz="2000">
@@ -7479,7 +7587,7 @@
             </a:endParaRPr>
           </a:p>
           <a:p>
-            <a:pPr indent="0" lvl="0" marL="0" rtl="0" algn="l">
+            <a:pPr marL="0" lvl="0" indent="0" algn="l" rtl="0">
               <a:lnSpc>
                 <a:spcPct val="112000"/>
               </a:lnSpc>
@@ -7492,7 +7600,7 @@
               <a:buNone/>
             </a:pPr>
             <a:r>
-              <a:rPr b="1" lang="en" sz="2000">
+              <a:rPr lang="en" sz="2000" b="1">
                 <a:solidFill>
                   <a:srgbClr val="434343"/>
                 </a:solidFill>
@@ -7501,19 +7609,7 @@
                 <a:cs typeface="Lora"/>
                 <a:sym typeface="Lora"/>
               </a:rPr>
-              <a:t>a</a:t>
-            </a:r>
-            <a:r>
-              <a:rPr b="1" lang="en" sz="2000">
-                <a:solidFill>
-                  <a:srgbClr val="434343"/>
-                </a:solidFill>
-                <a:latin typeface="Lora"/>
-                <a:ea typeface="Lora"/>
-                <a:cs typeface="Lora"/>
-                <a:sym typeface="Lora"/>
-              </a:rPr>
-              <a:t>ge:</a:t>
+              <a:t>age:</a:t>
             </a:r>
             <a:r>
               <a:rPr lang="en" sz="2000">
@@ -7538,7 +7634,7 @@
             </a:endParaRPr>
           </a:p>
           <a:p>
-            <a:pPr indent="0" lvl="0" marL="0" rtl="0" algn="l">
+            <a:pPr marL="0" lvl="0" indent="0" algn="l" rtl="0">
               <a:lnSpc>
                 <a:spcPct val="114000"/>
               </a:lnSpc>
@@ -7573,7 +7669,7 @@
             </a:endParaRPr>
           </a:p>
           <a:p>
-            <a:pPr indent="0" lvl="0" marL="0" rtl="0" algn="l">
+            <a:pPr marL="0" lvl="0" indent="0" algn="l" rtl="0">
               <a:lnSpc>
                 <a:spcPct val="114000"/>
               </a:lnSpc>
@@ -7585,9 +7681,6 @@
               </a:spcAft>
               <a:buNone/>
             </a:pPr>
-            <a:r>
-              <a:t/>
-            </a:r>
             <a:endParaRPr sz="4800">
               <a:solidFill>
                 <a:srgbClr val="434343"/>
@@ -7599,7 +7692,7 @@
             </a:endParaRPr>
           </a:p>
           <a:p>
-            <a:pPr indent="0" lvl="0" marL="0" rtl="0" algn="l">
+            <a:pPr marL="0" lvl="0" indent="0" algn="l" rtl="0">
               <a:lnSpc>
                 <a:spcPct val="114000"/>
               </a:lnSpc>
@@ -7611,9 +7704,6 @@
               </a:spcAft>
               <a:buNone/>
             </a:pPr>
-            <a:r>
-              <a:t/>
-            </a:r>
             <a:endParaRPr sz="4800">
               <a:solidFill>
                 <a:srgbClr val="434343"/>
@@ -7625,7 +7715,7 @@
             </a:endParaRPr>
           </a:p>
           <a:p>
-            <a:pPr indent="0" lvl="0" marL="0" rtl="0" algn="l">
+            <a:pPr marL="0" lvl="0" indent="0" algn="l" rtl="0">
               <a:lnSpc>
                 <a:spcPct val="114000"/>
               </a:lnSpc>
@@ -7637,9 +7727,6 @@
               </a:spcAft>
               <a:buNone/>
             </a:pPr>
-            <a:r>
-              <a:t/>
-            </a:r>
             <a:endParaRPr sz="5000">
               <a:solidFill>
                 <a:srgbClr val="434343"/>
@@ -7651,7 +7738,7 @@
             </a:endParaRPr>
           </a:p>
           <a:p>
-            <a:pPr indent="0" lvl="0" marL="0" rtl="0" algn="l">
+            <a:pPr marL="0" lvl="0" indent="0" algn="l" rtl="0">
               <a:lnSpc>
                 <a:spcPct val="114000"/>
               </a:lnSpc>
@@ -7663,9 +7750,6 @@
               </a:spcAft>
               <a:buNone/>
             </a:pPr>
-            <a:r>
-              <a:t/>
-            </a:r>
             <a:endParaRPr sz="2000">
               <a:solidFill>
                 <a:srgbClr val="434343"/>
@@ -7761,27 +7845,27 @@
             </a:xfrm>
             <a:prstGeom prst="roundRect">
               <a:avLst>
-                <a:gd fmla="val 16667" name="adj"/>
+                <a:gd name="adj" fmla="val 16667"/>
               </a:avLst>
             </a:prstGeom>
             <a:noFill/>
-            <a:ln cap="flat" cmpd="sng" w="19050">
+            <a:ln w="19050" cap="flat" cmpd="sng">
               <a:solidFill>
                 <a:srgbClr val="FF0000"/>
               </a:solidFill>
               <a:prstDash val="solid"/>
               <a:round/>
-              <a:headEnd len="sm" w="sm" type="none"/>
-              <a:tailEnd len="sm" w="sm" type="none"/>
+              <a:headEnd type="none" w="sm" len="sm"/>
+              <a:tailEnd type="none" w="sm" len="sm"/>
             </a:ln>
           </p:spPr>
           <p:txBody>
-            <a:bodyPr anchorCtr="0" anchor="ctr" bIns="91425" lIns="91425" spcFirstLastPara="1" rIns="91425" wrap="square" tIns="91425">
+            <a:bodyPr spcFirstLastPara="1" wrap="square" lIns="91425" tIns="91425" rIns="91425" bIns="91425" anchor="ctr" anchorCtr="0">
               <a:noAutofit/>
             </a:bodyPr>
             <a:lstStyle/>
             <a:p>
-              <a:pPr indent="0" lvl="0" marL="0" rtl="0" algn="l">
+              <a:pPr marL="0" lvl="0" indent="0" algn="l" rtl="0">
                 <a:spcBef>
                   <a:spcPts val="0"/>
                 </a:spcBef>
@@ -7790,9 +7874,6 @@
                 </a:spcAft>
                 <a:buNone/>
               </a:pPr>
-              <a:r>
-                <a:t/>
-              </a:r>
               <a:endParaRPr/>
             </a:p>
           </p:txBody>
@@ -7808,7 +7889,7 @@
           <a:blip r:embed="rId5">
             <a:alphaModFix/>
           </a:blip>
-          <a:srcRect b="0" l="39798" r="38935" t="0"/>
+          <a:srcRect l="39798" r="38935"/>
           <a:stretch/>
         </p:blipFill>
         <p:spPr>
@@ -7840,23 +7921,23 @@
             <a:avLst/>
           </a:prstGeom>
           <a:noFill/>
-          <a:ln cap="flat" cmpd="sng" w="28575">
+          <a:ln w="28575" cap="flat" cmpd="sng">
             <a:solidFill>
               <a:srgbClr val="CC0000"/>
             </a:solidFill>
             <a:prstDash val="solid"/>
             <a:round/>
-            <a:headEnd len="sm" w="sm" type="none"/>
-            <a:tailEnd len="sm" w="sm" type="none"/>
+            <a:headEnd type="none" w="sm" len="sm"/>
+            <a:tailEnd type="none" w="sm" len="sm"/>
           </a:ln>
         </p:spPr>
         <p:txBody>
-          <a:bodyPr anchorCtr="0" anchor="ctr" bIns="91425" lIns="91425" spcFirstLastPara="1" rIns="91425" wrap="square" tIns="91425">
+          <a:bodyPr spcFirstLastPara="1" wrap="square" lIns="91425" tIns="91425" rIns="91425" bIns="91425" anchor="ctr" anchorCtr="0">
             <a:noAutofit/>
           </a:bodyPr>
           <a:lstStyle/>
           <a:p>
-            <a:pPr indent="0" lvl="0" marL="0" rtl="0" algn="l">
+            <a:pPr marL="0" lvl="0" indent="0" algn="l" rtl="0">
               <a:spcBef>
                 <a:spcPts val="0"/>
               </a:spcBef>
@@ -7865,9 +7946,6 @@
               </a:spcAft>
               <a:buNone/>
             </a:pPr>
-            <a:r>
-              <a:t/>
-            </a:r>
             <a:endParaRPr/>
           </a:p>
         </p:txBody>
@@ -7894,12 +7972,12 @@
           </a:ln>
         </p:spPr>
         <p:txBody>
-          <a:bodyPr anchorCtr="0" anchor="ctr" bIns="91425" lIns="91425" spcFirstLastPara="1" rIns="91425" wrap="square" tIns="91425">
+          <a:bodyPr spcFirstLastPara="1" wrap="square" lIns="91425" tIns="91425" rIns="91425" bIns="91425" anchor="ctr" anchorCtr="0">
             <a:noAutofit/>
           </a:bodyPr>
           <a:lstStyle/>
           <a:p>
-            <a:pPr indent="0" lvl="0" marL="0" rtl="0" algn="ctr">
+            <a:pPr marL="0" lvl="0" indent="0" algn="ctr" rtl="0">
               <a:spcBef>
                 <a:spcPts val="0"/>
               </a:spcBef>
@@ -7944,14 +8022,14 @@
             <a:avLst/>
           </a:prstGeom>
           <a:noFill/>
-          <a:ln cap="flat" cmpd="sng" w="9525">
+          <a:ln w="9525" cap="flat" cmpd="sng">
             <a:solidFill>
               <a:schemeClr val="dk2"/>
             </a:solidFill>
             <a:prstDash val="solid"/>
             <a:round/>
-            <a:headEnd len="med" w="med" type="none"/>
-            <a:tailEnd len="med" w="med" type="triangle"/>
+            <a:headEnd type="none" w="med" len="med"/>
+            <a:tailEnd type="triangle" w="med" len="med"/>
           </a:ln>
         </p:spPr>
       </p:cxnSp>
@@ -7970,23 +8048,23 @@
             <a:avLst/>
           </a:prstGeom>
           <a:noFill/>
-          <a:ln cap="flat" cmpd="sng" w="28575">
+          <a:ln w="28575" cap="flat" cmpd="sng">
             <a:solidFill>
               <a:srgbClr val="93C47D"/>
             </a:solidFill>
             <a:prstDash val="solid"/>
             <a:round/>
-            <a:headEnd len="sm" w="sm" type="none"/>
-            <a:tailEnd len="sm" w="sm" type="none"/>
+            <a:headEnd type="none" w="sm" len="sm"/>
+            <a:tailEnd type="none" w="sm" len="sm"/>
           </a:ln>
         </p:spPr>
         <p:txBody>
-          <a:bodyPr anchorCtr="0" anchor="ctr" bIns="91425" lIns="91425" spcFirstLastPara="1" rIns="91425" wrap="square" tIns="91425">
+          <a:bodyPr spcFirstLastPara="1" wrap="square" lIns="91425" tIns="91425" rIns="91425" bIns="91425" anchor="ctr" anchorCtr="0">
             <a:noAutofit/>
           </a:bodyPr>
           <a:lstStyle/>
           <a:p>
-            <a:pPr indent="0" lvl="0" marL="0" rtl="0" algn="l">
+            <a:pPr marL="0" lvl="0" indent="0" algn="l" rtl="0">
               <a:spcBef>
                 <a:spcPts val="0"/>
               </a:spcBef>
@@ -7995,9 +8073,6 @@
               </a:spcAft>
               <a:buNone/>
             </a:pPr>
-            <a:r>
-              <a:t/>
-            </a:r>
             <a:endParaRPr/>
           </a:p>
         </p:txBody>
@@ -8021,23 +8096,23 @@
               <a:alpha val="64250"/>
             </a:srgbClr>
           </a:solidFill>
-          <a:ln cap="flat" cmpd="sng" w="9525">
+          <a:ln w="9525" cap="flat" cmpd="sng">
             <a:solidFill>
               <a:srgbClr val="D9EAD3"/>
             </a:solidFill>
             <a:prstDash val="solid"/>
             <a:round/>
-            <a:headEnd len="sm" w="sm" type="none"/>
-            <a:tailEnd len="sm" w="sm" type="none"/>
+            <a:headEnd type="none" w="sm" len="sm"/>
+            <a:tailEnd type="none" w="sm" len="sm"/>
           </a:ln>
         </p:spPr>
         <p:txBody>
-          <a:bodyPr anchorCtr="0" anchor="ctr" bIns="91425" lIns="91425" spcFirstLastPara="1" rIns="91425" wrap="square" tIns="91425">
+          <a:bodyPr spcFirstLastPara="1" wrap="square" lIns="91425" tIns="91425" rIns="91425" bIns="91425" anchor="ctr" anchorCtr="0">
             <a:noAutofit/>
           </a:bodyPr>
           <a:lstStyle/>
           <a:p>
-            <a:pPr indent="0" lvl="0" marL="0" rtl="0" algn="ctr">
+            <a:pPr marL="0" lvl="0" indent="0" algn="ctr" rtl="0">
               <a:spcBef>
                 <a:spcPts val="0"/>
               </a:spcBef>
@@ -8074,7 +8149,7 @@
           <p:nvPr/>
         </p:nvCxnSpPr>
         <p:spPr>
-          <a:xfrm flipH="1" rot="10800000">
+          <a:xfrm rot="10800000" flipH="1">
             <a:off x="2322975" y="3789725"/>
             <a:ext cx="1681800" cy="8400"/>
           </a:xfrm>
@@ -8082,14 +8157,14 @@
             <a:avLst/>
           </a:prstGeom>
           <a:noFill/>
-          <a:ln cap="flat" cmpd="sng" w="9525">
+          <a:ln w="9525" cap="flat" cmpd="sng">
             <a:solidFill>
               <a:schemeClr val="dk2"/>
             </a:solidFill>
             <a:prstDash val="solid"/>
             <a:round/>
-            <a:headEnd len="med" w="med" type="none"/>
-            <a:tailEnd len="med" w="med" type="triangle"/>
+            <a:headEnd type="none" w="med" len="med"/>
+            <a:tailEnd type="triangle" w="med" len="med"/>
           </a:ln>
         </p:spPr>
       </p:cxnSp>
@@ -8129,32 +8204,32 @@
   <p:timing>
     <p:tnLst>
       <p:par>
-        <p:cTn dur="indefinite" nodeType="tmRoot" restart="never">
+        <p:cTn id="1" dur="indefinite" restart="never" nodeType="tmRoot">
           <p:childTnLst>
             <p:seq concurrent="1" nextAc="seek">
-              <p:cTn dur="indefinite" id="2" nodeType="mainSeq">
+              <p:cTn id="2" dur="indefinite" nodeType="mainSeq">
                 <p:childTnLst>
                   <p:par>
-                    <p:cTn fill="hold">
+                    <p:cTn id="3" fill="hold">
                       <p:stCondLst>
                         <p:cond delay="indefinite"/>
                       </p:stCondLst>
                       <p:childTnLst>
                         <p:par>
-                          <p:cTn fill="hold">
+                          <p:cTn id="4" fill="hold">
                             <p:stCondLst>
                               <p:cond delay="0"/>
                             </p:stCondLst>
                             <p:childTnLst>
                               <p:par>
-                                <p:cTn fill="hold" nodeType="clickEffect" presetClass="entr" presetID="10" presetSubtype="0">
+                                <p:cTn id="5" presetID="10" presetClass="entr" presetSubtype="0" fill="hold" nodeType="clickEffect">
                                   <p:stCondLst>
                                     <p:cond delay="0"/>
                                   </p:stCondLst>
                                   <p:childTnLst>
                                     <p:set>
                                       <p:cBhvr>
-                                        <p:cTn dur="1" fill="hold">
+                                        <p:cTn id="6" dur="1" fill="hold">
                                           <p:stCondLst>
                                             <p:cond delay="0"/>
                                           </p:stCondLst>
@@ -8170,9 +8245,9 @@
                                         <p:strVal val="visible"/>
                                       </p:to>
                                     </p:set>
-                                    <p:animEffect filter="fade" transition="in">
+                                    <p:animEffect transition="in" filter="fade">
                                       <p:cBhvr>
-                                        <p:cTn dur="500"/>
+                                        <p:cTn id="7" dur="500"/>
                                         <p:tgtEl>
                                           <p:spTgt spid="95"/>
                                         </p:tgtEl>
@@ -8188,26 +8263,26 @@
                     </p:cTn>
                   </p:par>
                   <p:par>
-                    <p:cTn fill="hold">
+                    <p:cTn id="8" fill="hold">
                       <p:stCondLst>
                         <p:cond delay="indefinite"/>
                       </p:stCondLst>
                       <p:childTnLst>
                         <p:par>
-                          <p:cTn fill="hold">
+                          <p:cTn id="9" fill="hold">
                             <p:stCondLst>
                               <p:cond delay="0"/>
                             </p:stCondLst>
                             <p:childTnLst>
                               <p:par>
-                                <p:cTn fill="hold" nodeType="clickEffect" presetClass="exit" presetID="10" presetSubtype="0">
+                                <p:cTn id="10" presetID="10" presetClass="exit" presetSubtype="0" fill="hold" nodeType="clickEffect">
                                   <p:stCondLst>
                                     <p:cond delay="0"/>
                                   </p:stCondLst>
                                   <p:childTnLst>
-                                    <p:animEffect filter="fade" transition="out">
+                                    <p:animEffect transition="out" filter="fade">
                                       <p:cBhvr>
-                                        <p:cTn dur="500"/>
+                                        <p:cTn id="11" dur="500"/>
                                         <p:tgtEl>
                                           <p:spTgt spid="95"/>
                                         </p:tgtEl>
@@ -8215,7 +8290,7 @@
                                     </p:animEffect>
                                     <p:set>
                                       <p:cBhvr>
-                                        <p:cTn dur="1" fill="hold">
+                                        <p:cTn id="12" dur="1" fill="hold">
                                           <p:stCondLst>
                                             <p:cond delay="500"/>
                                           </p:stCondLst>
@@ -8241,26 +8316,26 @@
                     </p:cTn>
                   </p:par>
                   <p:par>
-                    <p:cTn fill="hold">
+                    <p:cTn id="13" fill="hold">
                       <p:stCondLst>
                         <p:cond delay="indefinite"/>
                       </p:stCondLst>
                       <p:childTnLst>
                         <p:par>
-                          <p:cTn fill="hold">
+                          <p:cTn id="14" fill="hold">
                             <p:stCondLst>
                               <p:cond delay="0"/>
                             </p:stCondLst>
                             <p:childTnLst>
                               <p:par>
-                                <p:cTn fill="hold" nodeType="clickEffect" presetClass="entr" presetID="10" presetSubtype="0">
+                                <p:cTn id="15" presetID="10" presetClass="entr" presetSubtype="0" fill="hold" nodeType="clickEffect">
                                   <p:stCondLst>
                                     <p:cond delay="0"/>
                                   </p:stCondLst>
                                   <p:childTnLst>
                                     <p:set>
                                       <p:cBhvr>
-                                        <p:cTn dur="1" fill="hold">
+                                        <p:cTn id="16" dur="1" fill="hold">
                                           <p:stCondLst>
                                             <p:cond delay="0"/>
                                           </p:stCondLst>
@@ -8276,9 +8351,9 @@
                                         <p:strVal val="visible"/>
                                       </p:to>
                                     </p:set>
-                                    <p:animEffect filter="fade" transition="in">
+                                    <p:animEffect transition="in" filter="fade">
                                       <p:cBhvr>
-                                        <p:cTn dur="400"/>
+                                        <p:cTn id="17" dur="400"/>
                                         <p:tgtEl>
                                           <p:spTgt spid="90"/>
                                         </p:tgtEl>
@@ -8288,14 +8363,14 @@
                                 </p:cTn>
                               </p:par>
                               <p:par>
-                                <p:cTn fill="hold" nodeType="withEffect" presetClass="entr" presetID="10" presetSubtype="0">
+                                <p:cTn id="18" presetID="10" presetClass="entr" presetSubtype="0" fill="hold" nodeType="withEffect">
                                   <p:stCondLst>
                                     <p:cond delay="0"/>
                                   </p:stCondLst>
                                   <p:childTnLst>
                                     <p:set>
                                       <p:cBhvr>
-                                        <p:cTn dur="1" fill="hold">
+                                        <p:cTn id="19" dur="1" fill="hold">
                                           <p:stCondLst>
                                             <p:cond delay="0"/>
                                           </p:stCondLst>
@@ -8311,9 +8386,9 @@
                                         <p:strVal val="visible"/>
                                       </p:to>
                                     </p:set>
-                                    <p:animEffect filter="fade" transition="in">
+                                    <p:animEffect transition="in" filter="fade">
                                       <p:cBhvr>
-                                        <p:cTn dur="400"/>
+                                        <p:cTn id="20" dur="400"/>
                                         <p:tgtEl>
                                           <p:spTgt spid="91"/>
                                         </p:tgtEl>
@@ -8323,14 +8398,14 @@
                                 </p:cTn>
                               </p:par>
                               <p:par>
-                                <p:cTn fill="hold" nodeType="withEffect" presetClass="entr" presetID="10" presetSubtype="0">
+                                <p:cTn id="21" presetID="10" presetClass="entr" presetSubtype="0" fill="hold" nodeType="withEffect">
                                   <p:stCondLst>
                                     <p:cond delay="0"/>
                                   </p:stCondLst>
                                   <p:childTnLst>
                                     <p:set>
                                       <p:cBhvr>
-                                        <p:cTn dur="1" fill="hold">
+                                        <p:cTn id="22" dur="1" fill="hold">
                                           <p:stCondLst>
                                             <p:cond delay="0"/>
                                           </p:stCondLst>
@@ -8346,9 +8421,9 @@
                                         <p:strVal val="visible"/>
                                       </p:to>
                                     </p:set>
-                                    <p:animEffect filter="fade" transition="in">
+                                    <p:animEffect transition="in" filter="fade">
                                       <p:cBhvr>
-                                        <p:cTn dur="400"/>
+                                        <p:cTn id="23" dur="400"/>
                                         <p:tgtEl>
                                           <p:spTgt spid="89"/>
                                         </p:tgtEl>
@@ -8364,26 +8439,26 @@
                     </p:cTn>
                   </p:par>
                   <p:par>
-                    <p:cTn fill="hold">
+                    <p:cTn id="24" fill="hold">
                       <p:stCondLst>
                         <p:cond delay="indefinite"/>
                       </p:stCondLst>
                       <p:childTnLst>
                         <p:par>
-                          <p:cTn fill="hold">
+                          <p:cTn id="25" fill="hold">
                             <p:stCondLst>
                               <p:cond delay="0"/>
                             </p:stCondLst>
                             <p:childTnLst>
                               <p:par>
-                                <p:cTn fill="hold" nodeType="clickEffect" presetClass="entr" presetID="10" presetSubtype="0">
+                                <p:cTn id="26" presetID="10" presetClass="entr" presetSubtype="0" fill="hold" nodeType="clickEffect">
                                   <p:stCondLst>
                                     <p:cond delay="0"/>
                                   </p:stCondLst>
                                   <p:childTnLst>
                                     <p:set>
                                       <p:cBhvr>
-                                        <p:cTn dur="1" fill="hold">
+                                        <p:cTn id="27" dur="1" fill="hold">
                                           <p:stCondLst>
                                             <p:cond delay="0"/>
                                           </p:stCondLst>
@@ -8399,9 +8474,9 @@
                                         <p:strVal val="visible"/>
                                       </p:to>
                                     </p:set>
-                                    <p:animEffect filter="fade" transition="in">
+                                    <p:animEffect transition="in" filter="fade">
                                       <p:cBhvr>
-                                        <p:cTn dur="500"/>
+                                        <p:cTn id="28" dur="500"/>
                                         <p:tgtEl>
                                           <p:spTgt spid="92"/>
                                         </p:tgtEl>
@@ -8411,14 +8486,14 @@
                                 </p:cTn>
                               </p:par>
                               <p:par>
-                                <p:cTn fill="hold" nodeType="withEffect" presetClass="entr" presetID="10" presetSubtype="0">
+                                <p:cTn id="29" presetID="10" presetClass="entr" presetSubtype="0" fill="hold" nodeType="withEffect">
                                   <p:stCondLst>
                                     <p:cond delay="0"/>
                                   </p:stCondLst>
                                   <p:childTnLst>
                                     <p:set>
                                       <p:cBhvr>
-                                        <p:cTn dur="1" fill="hold">
+                                        <p:cTn id="30" dur="1" fill="hold">
                                           <p:stCondLst>
                                             <p:cond delay="0"/>
                                           </p:stCondLst>
@@ -8434,9 +8509,9 @@
                                         <p:strVal val="visible"/>
                                       </p:to>
                                     </p:set>
-                                    <p:animEffect filter="fade" transition="in">
+                                    <p:animEffect transition="in" filter="fade">
                                       <p:cBhvr>
-                                        <p:cTn dur="500"/>
+                                        <p:cTn id="31" dur="500"/>
                                         <p:tgtEl>
                                           <p:spTgt spid="94"/>
                                         </p:tgtEl>
@@ -8446,14 +8521,14 @@
                                 </p:cTn>
                               </p:par>
                               <p:par>
-                                <p:cTn fill="hold" nodeType="withEffect" presetClass="entr" presetID="10" presetSubtype="0">
+                                <p:cTn id="32" presetID="10" presetClass="entr" presetSubtype="0" fill="hold" nodeType="withEffect">
                                   <p:stCondLst>
                                     <p:cond delay="0"/>
                                   </p:stCondLst>
                                   <p:childTnLst>
                                     <p:set>
                                       <p:cBhvr>
-                                        <p:cTn dur="1" fill="hold">
+                                        <p:cTn id="33" dur="1" fill="hold">
                                           <p:stCondLst>
                                             <p:cond delay="0"/>
                                           </p:stCondLst>
@@ -8469,9 +8544,9 @@
                                         <p:strVal val="visible"/>
                                       </p:to>
                                     </p:set>
-                                    <p:animEffect filter="fade" transition="in">
+                                    <p:animEffect transition="in" filter="fade">
                                       <p:cBhvr>
-                                        <p:cTn dur="500"/>
+                                        <p:cTn id="34" dur="500"/>
                                         <p:tgtEl>
                                           <p:spTgt spid="93"/>
                                         </p:tgtEl>
@@ -8489,14 +8564,14 @@
                 </p:childTnLst>
               </p:cTn>
               <p:prevCondLst>
-                <p:cond evt="onPrev">
+                <p:cond evt="onPrev" delay="0">
                   <p:tgtEl>
                     <p:sldTgt/>
                   </p:tgtEl>
                 </p:cond>
               </p:prevCondLst>
               <p:nextCondLst>
-                <p:cond evt="onNext">
+                <p:cond evt="onNext" delay="0">
                   <p:tgtEl>
                     <p:sldTgt/>
                   </p:tgtEl>
@@ -8512,7 +8587,7 @@
 </file>
 
 <file path=ppt/slides/slide4.xml><?xml version="1.0" encoding="utf-8"?>
-<p:sld xmlns:a="http://schemas.openxmlformats.org/drawingml/2006/main" xmlns:r="http://schemas.openxmlformats.org/officeDocument/2006/relationships" xmlns:mc="http://schemas.openxmlformats.org/markup-compatibility/2006" xmlns:mv="urn:schemas-microsoft-com:mac:vml" xmlns:p="http://schemas.openxmlformats.org/presentationml/2006/main" xmlns:c="http://schemas.openxmlformats.org/drawingml/2006/chart" xmlns:dgm="http://schemas.openxmlformats.org/drawingml/2006/diagram" xmlns:o="urn:schemas-microsoft-com:office:office" xmlns:v="urn:schemas-microsoft-com:vml" xmlns:pvml="urn:schemas-microsoft-com:office:powerpoint" xmlns:com="http://schemas.openxmlformats.org/drawingml/2006/compatibility" xmlns:p14="http://schemas.microsoft.com/office/powerpoint/2010/main" xmlns:p15="http://schemas.microsoft.com/office/powerpoint/2012/main">
+<p:sld xmlns:a="http://schemas.openxmlformats.org/drawingml/2006/main" xmlns:r="http://schemas.openxmlformats.org/officeDocument/2006/relationships" xmlns:p="http://schemas.openxmlformats.org/presentationml/2006/main">
   <p:cSld>
     <p:bg>
       <p:bgPr>
@@ -8521,11 +8596,12 @@
             <a:alpha val="70950"/>
           </a:srgbClr>
         </a:solidFill>
+        <a:effectLst/>
       </p:bgPr>
     </p:bg>
     <p:spTree>
       <p:nvGrpSpPr>
-        <p:cNvPr id="99" name="Shape 99"/>
+        <p:cNvPr id="1" name="Shape 99"/>
         <p:cNvGrpSpPr/>
         <p:nvPr/>
       </p:nvGrpSpPr>
@@ -8540,7 +8616,9 @@
       <p:sp>
         <p:nvSpPr>
           <p:cNvPr id="100" name="Google Shape;100;p16"/>
-          <p:cNvSpPr txBox="1"/>
+          <p:cNvSpPr txBox="1">
+            <a:spLocks noGrp="1"/>
+          </p:cNvSpPr>
           <p:nvPr>
             <p:ph type="title"/>
           </p:nvPr>
@@ -8555,12 +8633,12 @@
           </a:prstGeom>
         </p:spPr>
         <p:txBody>
-          <a:bodyPr anchorCtr="0" anchor="t" bIns="91425" lIns="91425" spcFirstLastPara="1" rIns="91425" wrap="square" tIns="91425">
+          <a:bodyPr spcFirstLastPara="1" wrap="square" lIns="91425" tIns="91425" rIns="91425" bIns="91425" anchor="t" anchorCtr="0">
             <a:noAutofit/>
           </a:bodyPr>
           <a:lstStyle/>
           <a:p>
-            <a:pPr indent="0" lvl="0" marL="0" rtl="0" algn="l">
+            <a:pPr marL="0" lvl="0" indent="0" algn="l" rtl="0">
               <a:spcBef>
                 <a:spcPts val="0"/>
               </a:spcBef>
@@ -8570,7 +8648,7 @@
               <a:buNone/>
             </a:pPr>
             <a:r>
-              <a:rPr b="1" lang="en">
+              <a:rPr lang="en" b="1">
                 <a:solidFill>
                   <a:srgbClr val="434343"/>
                 </a:solidFill>
@@ -8579,19 +8657,7 @@
                 <a:cs typeface="Lora"/>
                 <a:sym typeface="Lora"/>
               </a:rPr>
-              <a:t>Text </a:t>
-            </a:r>
-            <a:r>
-              <a:rPr b="1" lang="en">
-                <a:solidFill>
-                  <a:srgbClr val="434343"/>
-                </a:solidFill>
-                <a:latin typeface="Lora"/>
-                <a:ea typeface="Lora"/>
-                <a:cs typeface="Lora"/>
-                <a:sym typeface="Lora"/>
-              </a:rPr>
-              <a:t>Architectures</a:t>
+              <a:t>Text Architectures</a:t>
             </a:r>
             <a:endParaRPr b="1">
               <a:solidFill>
@@ -8668,7 +8734,7 @@
               <a:noFill/>
             </a:ln>
             <a:effectLst>
-              <a:outerShdw blurRad="100013" rotWithShape="0" algn="bl" dir="7200000" dist="47625">
+              <a:outerShdw blurRad="100013" dist="47625" dir="7200000" algn="bl" rotWithShape="0">
                 <a:srgbClr val="000000">
                   <a:alpha val="71000"/>
                 </a:srgbClr>
@@ -8676,12 +8742,12 @@
             </a:effectLst>
           </p:spPr>
           <p:txBody>
-            <a:bodyPr anchorCtr="0" anchor="ctr" bIns="91425" lIns="91425" spcFirstLastPara="1" rIns="91425" wrap="square" tIns="91425">
+            <a:bodyPr spcFirstLastPara="1" wrap="square" lIns="91425" tIns="91425" rIns="91425" bIns="91425" anchor="ctr" anchorCtr="0">
               <a:noAutofit/>
             </a:bodyPr>
             <a:lstStyle/>
             <a:p>
-              <a:pPr indent="0" lvl="0" marL="0" rtl="0" algn="ctr">
+              <a:pPr marL="0" lvl="0" indent="0" algn="ctr" rtl="0">
                 <a:spcBef>
                   <a:spcPts val="0"/>
                 </a:spcBef>
@@ -8716,8 +8782,8 @@
           </p:nvSpPr>
           <p:spPr>
             <a:xfrm>
-              <a:off x="1636282" y="3848436"/>
-              <a:ext cx="1427700" cy="725100"/>
+              <a:off x="1596157" y="3848436"/>
+              <a:ext cx="1467825" cy="725100"/>
             </a:xfrm>
             <a:prstGeom prst="rect">
               <a:avLst/>
@@ -8729,7 +8795,7 @@
               <a:noFill/>
             </a:ln>
             <a:effectLst>
-              <a:outerShdw blurRad="100013" rotWithShape="0" algn="bl" dir="7200000" dist="47625">
+              <a:outerShdw blurRad="100013" dist="47625" dir="7200000" algn="bl" rotWithShape="0">
                 <a:srgbClr val="000000">
                   <a:alpha val="71000"/>
                 </a:srgbClr>
@@ -8737,12 +8803,12 @@
             </a:effectLst>
           </p:spPr>
           <p:txBody>
-            <a:bodyPr anchorCtr="0" anchor="ctr" bIns="91425" lIns="91425" spcFirstLastPara="1" rIns="91425" wrap="square" tIns="91425">
+            <a:bodyPr spcFirstLastPara="1" wrap="square" lIns="91425" tIns="91425" rIns="91425" bIns="91425" anchor="ctr" anchorCtr="0">
               <a:noAutofit/>
             </a:bodyPr>
             <a:lstStyle/>
             <a:p>
-              <a:pPr indent="0" lvl="0" marL="0" rtl="0" algn="ctr">
+              <a:pPr marL="0" lvl="0" indent="0" algn="ctr" rtl="0">
                 <a:spcBef>
                   <a:spcPts val="0"/>
                 </a:spcBef>
@@ -8768,7 +8834,7 @@
               </a:endParaRPr>
             </a:p>
             <a:p>
-              <a:pPr indent="0" lvl="0" marL="0" rtl="0" algn="ctr">
+              <a:pPr marL="0" lvl="0" indent="0" algn="ctr" rtl="0">
                 <a:spcBef>
                   <a:spcPts val="0"/>
                 </a:spcBef>
@@ -8803,8 +8869,8 @@
           </p:nvSpPr>
           <p:spPr>
             <a:xfrm>
-              <a:off x="1636282" y="2509348"/>
-              <a:ext cx="1427700" cy="725100"/>
+              <a:off x="1596157" y="2509348"/>
+              <a:ext cx="1467825" cy="725100"/>
             </a:xfrm>
             <a:prstGeom prst="rect">
               <a:avLst/>
@@ -8816,7 +8882,7 @@
               <a:noFill/>
             </a:ln>
             <a:effectLst>
-              <a:outerShdw blurRad="100013" rotWithShape="0" algn="bl" dir="7200000" dist="47625">
+              <a:outerShdw blurRad="100013" dist="47625" dir="7200000" algn="bl" rotWithShape="0">
                 <a:srgbClr val="000000">
                   <a:alpha val="71000"/>
                 </a:srgbClr>
@@ -8824,12 +8890,12 @@
             </a:effectLst>
           </p:spPr>
           <p:txBody>
-            <a:bodyPr anchorCtr="0" anchor="ctr" bIns="91425" lIns="91425" spcFirstLastPara="1" rIns="91425" wrap="square" tIns="91425">
+            <a:bodyPr spcFirstLastPara="1" wrap="square" lIns="91425" tIns="91425" rIns="91425" bIns="91425" anchor="ctr" anchorCtr="0">
               <a:noAutofit/>
             </a:bodyPr>
             <a:lstStyle/>
             <a:p>
-              <a:pPr indent="0" lvl="0" marL="0" rtl="0" algn="ctr">
+              <a:pPr marL="0" lvl="0" indent="0" algn="ctr" rtl="0">
                 <a:spcBef>
                   <a:spcPts val="0"/>
                 </a:spcBef>
@@ -8839,7 +8905,7 @@
                 <a:buNone/>
               </a:pPr>
               <a:r>
-                <a:rPr lang="en" sz="2000">
+                <a:rPr lang="en" sz="2000" dirty="0">
                   <a:latin typeface="Lora"/>
                   <a:ea typeface="Lora"/>
                   <a:cs typeface="Lora"/>
@@ -8847,7 +8913,7 @@
                 </a:rPr>
                 <a:t>Frequency</a:t>
               </a:r>
-              <a:endParaRPr sz="2000">
+              <a:endParaRPr sz="2000" dirty="0">
                 <a:latin typeface="Lora"/>
                 <a:ea typeface="Lora"/>
                 <a:cs typeface="Lora"/>
@@ -8855,7 +8921,7 @@
               </a:endParaRPr>
             </a:p>
             <a:p>
-              <a:pPr indent="0" lvl="0" marL="0" rtl="0" algn="ctr">
+              <a:pPr marL="0" lvl="0" indent="0" algn="ctr" rtl="0">
                 <a:spcBef>
                   <a:spcPts val="0"/>
                 </a:spcBef>
@@ -8865,7 +8931,7 @@
                 <a:buNone/>
               </a:pPr>
               <a:r>
-                <a:rPr lang="en" sz="2000">
+                <a:rPr lang="en" sz="2000" dirty="0">
                   <a:latin typeface="Lora"/>
                   <a:ea typeface="Lora"/>
                   <a:cs typeface="Lora"/>
@@ -8873,7 +8939,7 @@
                 </a:rPr>
                 <a:t>Vectors</a:t>
               </a:r>
-              <a:endParaRPr sz="2000">
+              <a:endParaRPr sz="2000" dirty="0">
                 <a:latin typeface="Lora"/>
                 <a:ea typeface="Lora"/>
                 <a:cs typeface="Lora"/>
@@ -8903,7 +8969,7 @@
               <a:noFill/>
             </a:ln>
             <a:effectLst>
-              <a:outerShdw blurRad="100013" rotWithShape="0" algn="bl" dir="7200000" dist="47625">
+              <a:outerShdw blurRad="100013" dist="47625" dir="7200000" algn="bl" rotWithShape="0">
                 <a:srgbClr val="000000">
                   <a:alpha val="71000"/>
                 </a:srgbClr>
@@ -8911,12 +8977,12 @@
             </a:effectLst>
           </p:spPr>
           <p:txBody>
-            <a:bodyPr anchorCtr="0" anchor="ctr" bIns="91425" lIns="91425" spcFirstLastPara="1" rIns="91425" wrap="square" tIns="91425">
+            <a:bodyPr spcFirstLastPara="1" wrap="square" lIns="91425" tIns="91425" rIns="91425" bIns="91425" anchor="ctr" anchorCtr="0">
               <a:noAutofit/>
             </a:bodyPr>
             <a:lstStyle/>
             <a:p>
-              <a:pPr indent="0" lvl="0" marL="0" rtl="0" algn="ctr">
+              <a:pPr marL="0" lvl="0" indent="0" algn="ctr" rtl="0">
                 <a:spcBef>
                   <a:spcPts val="0"/>
                 </a:spcBef>
@@ -8964,7 +9030,7 @@
               <a:noFill/>
             </a:ln>
             <a:effectLst>
-              <a:outerShdw blurRad="100013" rotWithShape="0" algn="bl" dir="7200000" dist="47625">
+              <a:outerShdw blurRad="100013" dist="47625" dir="7200000" algn="bl" rotWithShape="0">
                 <a:srgbClr val="000000">
                   <a:alpha val="71000"/>
                 </a:srgbClr>
@@ -8972,12 +9038,12 @@
             </a:effectLst>
           </p:spPr>
           <p:txBody>
-            <a:bodyPr anchorCtr="0" anchor="ctr" bIns="91425" lIns="91425" spcFirstLastPara="1" rIns="91425" wrap="square" tIns="91425">
+            <a:bodyPr spcFirstLastPara="1" wrap="square" lIns="91425" tIns="91425" rIns="91425" bIns="91425" anchor="ctr" anchorCtr="0">
               <a:noAutofit/>
             </a:bodyPr>
             <a:lstStyle/>
             <a:p>
-              <a:pPr indent="0" lvl="0" marL="0" rtl="0" algn="ctr">
+              <a:pPr marL="0" lvl="0" indent="0" algn="ctr" rtl="0">
                 <a:spcBef>
                   <a:spcPts val="0"/>
                 </a:spcBef>
@@ -9025,7 +9091,7 @@
               <a:noFill/>
             </a:ln>
             <a:effectLst>
-              <a:outerShdw blurRad="100013" rotWithShape="0" algn="bl" dir="7200000" dist="47625">
+              <a:outerShdw blurRad="100013" dist="47625" dir="7200000" algn="bl" rotWithShape="0">
                 <a:srgbClr val="000000">
                   <a:alpha val="71000"/>
                 </a:srgbClr>
@@ -9033,12 +9099,12 @@
             </a:effectLst>
           </p:spPr>
           <p:txBody>
-            <a:bodyPr anchorCtr="0" anchor="ctr" bIns="91425" lIns="91425" spcFirstLastPara="1" rIns="91425" wrap="square" tIns="91425">
+            <a:bodyPr spcFirstLastPara="1" wrap="square" lIns="91425" tIns="91425" rIns="91425" bIns="91425" anchor="ctr" anchorCtr="0">
               <a:noAutofit/>
             </a:bodyPr>
             <a:lstStyle/>
             <a:p>
-              <a:pPr indent="0" lvl="0" marL="0" rtl="0" algn="ctr">
+              <a:pPr marL="0" lvl="0" indent="0" algn="ctr" rtl="0">
                 <a:spcBef>
                   <a:spcPts val="0"/>
                 </a:spcBef>
@@ -9086,7 +9152,7 @@
               <a:noFill/>
             </a:ln>
             <a:effectLst>
-              <a:outerShdw blurRad="100013" rotWithShape="0" algn="bl" dir="7200000" dist="47625">
+              <a:outerShdw blurRad="100013" dist="47625" dir="7200000" algn="bl" rotWithShape="0">
                 <a:srgbClr val="000000">
                   <a:alpha val="71000"/>
                 </a:srgbClr>
@@ -9094,12 +9160,12 @@
             </a:effectLst>
           </p:spPr>
           <p:txBody>
-            <a:bodyPr anchorCtr="0" anchor="ctr" bIns="91425" lIns="91425" spcFirstLastPara="1" rIns="91425" wrap="square" tIns="91425">
+            <a:bodyPr spcFirstLastPara="1" wrap="square" lIns="91425" tIns="91425" rIns="91425" bIns="91425" anchor="ctr" anchorCtr="0">
               <a:noAutofit/>
             </a:bodyPr>
             <a:lstStyle/>
             <a:p>
-              <a:pPr indent="0" lvl="0" marL="0" rtl="0" algn="ctr">
+              <a:pPr marL="0" lvl="0" indent="0" algn="ctr" rtl="0">
                 <a:spcBef>
                   <a:spcPts val="0"/>
                 </a:spcBef>
@@ -9147,7 +9213,7 @@
               <a:noFill/>
             </a:ln>
             <a:effectLst>
-              <a:outerShdw blurRad="100013" rotWithShape="0" algn="bl" dir="7200000" dist="47625">
+              <a:outerShdw blurRad="100013" dist="47625" dir="7200000" algn="bl" rotWithShape="0">
                 <a:srgbClr val="000000">
                   <a:alpha val="71000"/>
                 </a:srgbClr>
@@ -9155,12 +9221,12 @@
             </a:effectLst>
           </p:spPr>
           <p:txBody>
-            <a:bodyPr anchorCtr="0" anchor="ctr" bIns="91425" lIns="91425" spcFirstLastPara="1" rIns="91425" wrap="square" tIns="91425">
+            <a:bodyPr spcFirstLastPara="1" wrap="square" lIns="91425" tIns="91425" rIns="91425" bIns="91425" anchor="ctr" anchorCtr="0">
               <a:noAutofit/>
             </a:bodyPr>
             <a:lstStyle/>
             <a:p>
-              <a:pPr indent="0" lvl="0" marL="0" rtl="0" algn="ctr">
+              <a:pPr marL="0" lvl="0" indent="0" algn="ctr" rtl="0">
                 <a:spcBef>
                   <a:spcPts val="0"/>
                 </a:spcBef>
@@ -9208,7 +9274,7 @@
               <a:noFill/>
             </a:ln>
             <a:effectLst>
-              <a:outerShdw blurRad="100013" rotWithShape="0" algn="bl" dir="7200000" dist="47625">
+              <a:outerShdw blurRad="100013" dist="47625" dir="7200000" algn="bl" rotWithShape="0">
                 <a:srgbClr val="000000">
                   <a:alpha val="71000"/>
                 </a:srgbClr>
@@ -9216,12 +9282,12 @@
             </a:effectLst>
           </p:spPr>
           <p:txBody>
-            <a:bodyPr anchorCtr="0" anchor="ctr" bIns="91425" lIns="91425" spcFirstLastPara="1" rIns="91425" wrap="square" tIns="91425">
+            <a:bodyPr spcFirstLastPara="1" wrap="square" lIns="91425" tIns="91425" rIns="91425" bIns="91425" anchor="ctr" anchorCtr="0">
               <a:noAutofit/>
             </a:bodyPr>
             <a:lstStyle/>
             <a:p>
-              <a:pPr indent="0" lvl="0" marL="0" rtl="0" algn="ctr">
+              <a:pPr marL="0" lvl="0" indent="0" algn="ctr" rtl="0">
                 <a:spcBef>
                   <a:spcPts val="0"/>
                 </a:spcBef>
@@ -9269,7 +9335,7 @@
               <a:noFill/>
             </a:ln>
             <a:effectLst>
-              <a:outerShdw blurRad="100013" rotWithShape="0" algn="bl" dir="7200000" dist="47625">
+              <a:outerShdw blurRad="100013" dist="47625" dir="7200000" algn="bl" rotWithShape="0">
                 <a:srgbClr val="000000">
                   <a:alpha val="71000"/>
                 </a:srgbClr>
@@ -9277,12 +9343,12 @@
             </a:effectLst>
           </p:spPr>
           <p:txBody>
-            <a:bodyPr anchorCtr="0" anchor="ctr" bIns="91425" lIns="91425" spcFirstLastPara="1" rIns="91425" wrap="square" tIns="91425">
+            <a:bodyPr spcFirstLastPara="1" wrap="square" lIns="91425" tIns="91425" rIns="91425" bIns="91425" anchor="ctr" anchorCtr="0">
               <a:noAutofit/>
             </a:bodyPr>
             <a:lstStyle/>
             <a:p>
-              <a:pPr indent="0" lvl="0" marL="0" rtl="0" algn="ctr">
+              <a:pPr marL="0" lvl="0" indent="0" algn="ctr" rtl="0">
                 <a:spcBef>
                   <a:spcPts val="0"/>
                 </a:spcBef>
@@ -9330,7 +9396,7 @@
               <a:noFill/>
             </a:ln>
             <a:effectLst>
-              <a:outerShdw blurRad="100013" rotWithShape="0" algn="bl" dir="7200000" dist="47625">
+              <a:outerShdw blurRad="100013" dist="47625" dir="7200000" algn="bl" rotWithShape="0">
                 <a:srgbClr val="000000">
                   <a:alpha val="71000"/>
                 </a:srgbClr>
@@ -9338,12 +9404,12 @@
             </a:effectLst>
           </p:spPr>
           <p:txBody>
-            <a:bodyPr anchorCtr="0" anchor="ctr" bIns="91425" lIns="91425" spcFirstLastPara="1" rIns="91425" wrap="square" tIns="91425">
+            <a:bodyPr spcFirstLastPara="1" wrap="square" lIns="91425" tIns="91425" rIns="91425" bIns="91425" anchor="ctr" anchorCtr="0">
               <a:noAutofit/>
             </a:bodyPr>
             <a:lstStyle/>
             <a:p>
-              <a:pPr indent="0" lvl="0" marL="0" rtl="0" algn="ctr">
+              <a:pPr marL="0" lvl="0" indent="0" algn="ctr" rtl="0">
                 <a:spcBef>
                   <a:spcPts val="0"/>
                 </a:spcBef>
@@ -9374,28 +9440,29 @@
           <p:nvCxnSpPr>
             <p:cNvPr id="114" name="Google Shape;114;p16"/>
             <p:cNvCxnSpPr>
+              <a:cxnSpLocks/>
               <a:stCxn id="103" idx="3"/>
               <a:endCxn id="105" idx="1"/>
             </p:cNvCxnSpPr>
             <p:nvPr/>
           </p:nvCxnSpPr>
           <p:spPr>
-            <a:xfrm flipH="1" rot="10800000">
-              <a:off x="995875" y="2871885"/>
-              <a:ext cx="640500" cy="625500"/>
+            <a:xfrm flipV="1">
+              <a:off x="995875" y="2871898"/>
+              <a:ext cx="600282" cy="625487"/>
             </a:xfrm>
             <a:prstGeom prst="straightConnector1">
               <a:avLst/>
             </a:prstGeom>
             <a:noFill/>
-            <a:ln cap="flat" cmpd="sng" w="9525">
+            <a:ln w="9525" cap="flat" cmpd="sng">
               <a:solidFill>
                 <a:schemeClr val="dk2"/>
               </a:solidFill>
               <a:prstDash val="solid"/>
               <a:round/>
-              <a:headEnd len="med" w="med" type="none"/>
-              <a:tailEnd len="med" w="med" type="triangle"/>
+              <a:headEnd type="none" w="med" len="med"/>
+              <a:tailEnd type="triangle" w="med" len="med"/>
             </a:ln>
           </p:spPr>
         </p:cxnSp>
@@ -9403,6 +9470,7 @@
           <p:nvCxnSpPr>
             <p:cNvPr id="115" name="Google Shape;115;p16"/>
             <p:cNvCxnSpPr>
+              <a:cxnSpLocks/>
               <a:stCxn id="103" idx="3"/>
               <a:endCxn id="104" idx="1"/>
             </p:cNvCxnSpPr>
@@ -9411,20 +9479,20 @@
           <p:spPr>
             <a:xfrm>
               <a:off x="995875" y="3497385"/>
-              <a:ext cx="640500" cy="713700"/>
+              <a:ext cx="600282" cy="713601"/>
             </a:xfrm>
             <a:prstGeom prst="straightConnector1">
               <a:avLst/>
             </a:prstGeom>
             <a:noFill/>
-            <a:ln cap="flat" cmpd="sng" w="9525">
+            <a:ln w="9525" cap="flat" cmpd="sng">
               <a:solidFill>
                 <a:schemeClr val="dk2"/>
               </a:solidFill>
               <a:prstDash val="solid"/>
               <a:round/>
-              <a:headEnd len="med" w="med" type="none"/>
-              <a:tailEnd len="med" w="med" type="triangle"/>
+              <a:headEnd type="none" w="med" len="med"/>
+              <a:tailEnd type="triangle" w="med" len="med"/>
             </a:ln>
           </p:spPr>
         </p:cxnSp>
@@ -9432,28 +9500,29 @@
           <p:nvCxnSpPr>
             <p:cNvPr id="116" name="Google Shape;116;p16"/>
             <p:cNvCxnSpPr>
+              <a:cxnSpLocks/>
               <a:stCxn id="105" idx="3"/>
               <a:endCxn id="110" idx="1"/>
             </p:cNvCxnSpPr>
             <p:nvPr/>
           </p:nvCxnSpPr>
           <p:spPr>
-            <a:xfrm>
-              <a:off x="3063982" y="2871898"/>
-              <a:ext cx="2270100" cy="0"/>
+            <a:xfrm flipV="1">
+              <a:off x="3063982" y="2871887"/>
+              <a:ext cx="2270064" cy="11"/>
             </a:xfrm>
             <a:prstGeom prst="straightConnector1">
               <a:avLst/>
             </a:prstGeom>
             <a:noFill/>
-            <a:ln cap="flat" cmpd="sng" w="9525">
+            <a:ln w="9525" cap="flat" cmpd="sng">
               <a:solidFill>
                 <a:schemeClr val="dk2"/>
               </a:solidFill>
               <a:prstDash val="solid"/>
               <a:round/>
-              <a:headEnd len="med" w="med" type="none"/>
-              <a:tailEnd len="med" w="med" type="triangle"/>
+              <a:headEnd type="none" w="med" len="med"/>
+              <a:tailEnd type="triangle" w="med" len="med"/>
             </a:ln>
           </p:spPr>
         </p:cxnSp>
@@ -9461,28 +9530,29 @@
           <p:nvCxnSpPr>
             <p:cNvPr id="117" name="Google Shape;117;p16"/>
             <p:cNvCxnSpPr>
+              <a:cxnSpLocks/>
               <a:stCxn id="104" idx="3"/>
               <a:endCxn id="106" idx="1"/>
             </p:cNvCxnSpPr>
             <p:nvPr/>
           </p:nvCxnSpPr>
           <p:spPr>
-            <a:xfrm flipH="1" rot="10800000">
-              <a:off x="3063982" y="3757986"/>
-              <a:ext cx="320400" cy="453000"/>
+            <a:xfrm flipV="1">
+              <a:off x="3063982" y="3757983"/>
+              <a:ext cx="320354" cy="453003"/>
             </a:xfrm>
             <a:prstGeom prst="straightConnector1">
               <a:avLst/>
             </a:prstGeom>
             <a:noFill/>
-            <a:ln cap="flat" cmpd="sng" w="9525">
+            <a:ln w="9525" cap="flat" cmpd="sng">
               <a:solidFill>
                 <a:schemeClr val="dk2"/>
               </a:solidFill>
               <a:prstDash val="solid"/>
               <a:round/>
-              <a:headEnd len="med" w="med" type="none"/>
-              <a:tailEnd len="med" w="med" type="triangle"/>
+              <a:headEnd type="none" w="med" len="med"/>
+              <a:tailEnd type="triangle" w="med" len="med"/>
             </a:ln>
           </p:spPr>
         </p:cxnSp>
@@ -9490,6 +9560,7 @@
           <p:nvCxnSpPr>
             <p:cNvPr id="118" name="Google Shape;118;p16"/>
             <p:cNvCxnSpPr>
+              <a:cxnSpLocks/>
               <a:stCxn id="104" idx="3"/>
               <a:endCxn id="107" idx="1"/>
             </p:cNvCxnSpPr>
@@ -9498,20 +9569,20 @@
           <p:spPr>
             <a:xfrm>
               <a:off x="3063982" y="4210986"/>
-              <a:ext cx="320400" cy="408900"/>
+              <a:ext cx="320354" cy="408964"/>
             </a:xfrm>
             <a:prstGeom prst="straightConnector1">
               <a:avLst/>
             </a:prstGeom>
             <a:noFill/>
-            <a:ln cap="flat" cmpd="sng" w="9525">
+            <a:ln w="9525" cap="flat" cmpd="sng">
               <a:solidFill>
                 <a:schemeClr val="dk2"/>
               </a:solidFill>
               <a:prstDash val="solid"/>
               <a:round/>
-              <a:headEnd len="med" w="med" type="none"/>
-              <a:tailEnd len="med" w="med" type="triangle"/>
+              <a:headEnd type="none" w="med" len="med"/>
+              <a:tailEnd type="triangle" w="med" len="med"/>
             </a:ln>
           </p:spPr>
         </p:cxnSp>
@@ -9525,7 +9596,7 @@
             <p:nvPr/>
           </p:nvCxnSpPr>
           <p:spPr>
-            <a:xfrm flipH="1" rot="10800000">
+            <a:xfrm rot="10800000" flipH="1">
               <a:off x="4812036" y="3745983"/>
               <a:ext cx="522000" cy="12000"/>
             </a:xfrm>
@@ -9533,14 +9604,14 @@
               <a:avLst/>
             </a:prstGeom>
             <a:noFill/>
-            <a:ln cap="flat" cmpd="sng" w="9525">
+            <a:ln w="9525" cap="flat" cmpd="sng">
               <a:solidFill>
                 <a:schemeClr val="dk2"/>
               </a:solidFill>
               <a:prstDash val="solid"/>
               <a:round/>
-              <a:headEnd len="med" w="med" type="none"/>
-              <a:tailEnd len="med" w="med" type="triangle"/>
+              <a:headEnd type="none" w="med" len="med"/>
+              <a:tailEnd type="triangle" w="med" len="med"/>
             </a:ln>
           </p:spPr>
         </p:cxnSp>
@@ -9562,14 +9633,14 @@
               <a:avLst/>
             </a:prstGeom>
             <a:noFill/>
-            <a:ln cap="flat" cmpd="sng" w="9525">
+            <a:ln w="9525" cap="flat" cmpd="sng">
               <a:solidFill>
                 <a:schemeClr val="dk2"/>
               </a:solidFill>
               <a:prstDash val="solid"/>
               <a:round/>
-              <a:headEnd len="med" w="med" type="none"/>
-              <a:tailEnd len="med" w="med" type="triangle"/>
+              <a:headEnd type="none" w="med" len="med"/>
+              <a:tailEnd type="triangle" w="med" len="med"/>
             </a:ln>
           </p:spPr>
         </p:cxnSp>
@@ -9591,14 +9662,14 @@
               <a:avLst/>
             </a:prstGeom>
             <a:noFill/>
-            <a:ln cap="flat" cmpd="sng" w="9525">
+            <a:ln w="9525" cap="flat" cmpd="sng">
               <a:solidFill>
                 <a:schemeClr val="dk2"/>
               </a:solidFill>
               <a:prstDash val="solid"/>
               <a:round/>
-              <a:headEnd len="med" w="med" type="none"/>
-              <a:tailEnd len="med" w="med" type="triangle"/>
+              <a:headEnd type="none" w="med" len="med"/>
+              <a:tailEnd type="triangle" w="med" len="med"/>
             </a:ln>
           </p:spPr>
         </p:cxnSp>
@@ -9620,14 +9691,14 @@
               <a:avLst/>
             </a:prstGeom>
             <a:noFill/>
-            <a:ln cap="flat" cmpd="sng" w="9525">
+            <a:ln w="9525" cap="flat" cmpd="sng">
               <a:solidFill>
                 <a:schemeClr val="dk2"/>
               </a:solidFill>
               <a:prstDash val="solid"/>
               <a:round/>
-              <a:headEnd len="med" w="med" type="none"/>
-              <a:tailEnd len="med" w="med" type="triangle"/>
+              <a:headEnd type="none" w="med" len="med"/>
+              <a:tailEnd type="triangle" w="med" len="med"/>
             </a:ln>
           </p:spPr>
         </p:cxnSp>
@@ -9649,14 +9720,14 @@
               <a:avLst/>
             </a:prstGeom>
             <a:noFill/>
-            <a:ln cap="flat" cmpd="sng" w="9525">
+            <a:ln w="9525" cap="flat" cmpd="sng">
               <a:solidFill>
                 <a:schemeClr val="dk2"/>
               </a:solidFill>
               <a:prstDash val="solid"/>
               <a:round/>
-              <a:headEnd len="med" w="med" type="none"/>
-              <a:tailEnd len="med" w="med" type="triangle"/>
+              <a:headEnd type="none" w="med" len="med"/>
+              <a:tailEnd type="triangle" w="med" len="med"/>
             </a:ln>
           </p:spPr>
         </p:cxnSp>
@@ -9680,23 +9751,23 @@
               <a:alpha val="97770"/>
             </a:srgbClr>
           </a:solidFill>
-          <a:ln cap="flat" cmpd="sng" w="9525">
+          <a:ln w="9525" cap="flat" cmpd="sng">
             <a:solidFill>
               <a:schemeClr val="dk2"/>
             </a:solidFill>
             <a:prstDash val="solid"/>
             <a:round/>
-            <a:headEnd len="sm" w="sm" type="none"/>
-            <a:tailEnd len="sm" w="sm" type="none"/>
+            <a:headEnd type="none" w="sm" len="sm"/>
+            <a:tailEnd type="none" w="sm" len="sm"/>
           </a:ln>
         </p:spPr>
         <p:txBody>
-          <a:bodyPr anchorCtr="0" anchor="ctr" bIns="91425" lIns="91425" spcFirstLastPara="1" rIns="91425" wrap="square" tIns="91425">
+          <a:bodyPr spcFirstLastPara="1" wrap="square" lIns="91425" tIns="91425" rIns="91425" bIns="91425" anchor="ctr" anchorCtr="0">
             <a:noAutofit/>
           </a:bodyPr>
           <a:lstStyle/>
           <a:p>
-            <a:pPr indent="0" lvl="0" marL="0" rtl="0" algn="l">
+            <a:pPr marL="0" lvl="0" indent="0" algn="l" rtl="0">
               <a:spcBef>
                 <a:spcPts val="0"/>
               </a:spcBef>
@@ -9705,9 +9776,6 @@
               </a:spcAft>
               <a:buNone/>
             </a:pPr>
-            <a:r>
-              <a:t/>
-            </a:r>
             <a:endParaRPr/>
           </a:p>
         </p:txBody>
@@ -9732,12 +9800,12 @@
           </a:ln>
         </p:spPr>
         <p:txBody>
-          <a:bodyPr anchorCtr="0" anchor="t" bIns="91425" lIns="91425" spcFirstLastPara="1" rIns="91425" wrap="square" tIns="91425">
+          <a:bodyPr spcFirstLastPara="1" wrap="square" lIns="91425" tIns="91425" rIns="91425" bIns="91425" anchor="t" anchorCtr="0">
             <a:noAutofit/>
           </a:bodyPr>
           <a:lstStyle/>
           <a:p>
-            <a:pPr indent="0" lvl="0" marL="0" rtl="0" algn="l">
+            <a:pPr marL="0" lvl="0" indent="0" algn="l" rtl="0">
               <a:spcBef>
                 <a:spcPts val="0"/>
               </a:spcBef>
@@ -9778,7 +9846,7 @@
         </p:nvGraphicFramePr>
         <p:xfrm>
           <a:off x="3593938" y="1979675"/>
-          <a:ext cx="3000000" cy="3000000"/>
+          <a:ext cx="3662900" cy="1097220"/>
         </p:xfrm>
         <a:graphic>
           <a:graphicData uri="http://schemas.openxmlformats.org/drawingml/2006/table">
@@ -9788,10 +9856,34 @@
                 <a:tableStyleId>{79F7343D-D8CC-4106-9C43-58ADB1FF0681}</a:tableStyleId>
               </a:tblPr>
               <a:tblGrid>
-                <a:gridCol w="915725"/>
-                <a:gridCol w="915725"/>
-                <a:gridCol w="915725"/>
-                <a:gridCol w="915725"/>
+                <a:gridCol w="915725">
+                  <a:extLst>
+                    <a:ext uri="{9D8B030D-6E8A-4147-A177-3AD203B41FA5}">
+                      <a16:colId xmlns:a16="http://schemas.microsoft.com/office/drawing/2014/main" val="20000"/>
+                    </a:ext>
+                  </a:extLst>
+                </a:gridCol>
+                <a:gridCol w="915725">
+                  <a:extLst>
+                    <a:ext uri="{9D8B030D-6E8A-4147-A177-3AD203B41FA5}">
+                      <a16:colId xmlns:a16="http://schemas.microsoft.com/office/drawing/2014/main" val="20001"/>
+                    </a:ext>
+                  </a:extLst>
+                </a:gridCol>
+                <a:gridCol w="915725">
+                  <a:extLst>
+                    <a:ext uri="{9D8B030D-6E8A-4147-A177-3AD203B41FA5}">
+                      <a16:colId xmlns:a16="http://schemas.microsoft.com/office/drawing/2014/main" val="20002"/>
+                    </a:ext>
+                  </a:extLst>
+                </a:gridCol>
+                <a:gridCol w="915725">
+                  <a:extLst>
+                    <a:ext uri="{9D8B030D-6E8A-4147-A177-3AD203B41FA5}">
+                      <a16:colId xmlns:a16="http://schemas.microsoft.com/office/drawing/2014/main" val="20003"/>
+                    </a:ext>
+                  </a:extLst>
+                </a:gridCol>
               </a:tblGrid>
               <a:tr h="306575">
                 <a:tc>
@@ -9799,7 +9891,7 @@
                     <a:bodyPr/>
                     <a:lstStyle/>
                     <a:p>
-                      <a:pPr indent="0" lvl="0" marL="0" rtl="0" algn="l">
+                      <a:pPr marL="0" lvl="0" indent="0" algn="l" rtl="0">
                         <a:spcBef>
                           <a:spcPts val="0"/>
                         </a:spcBef>
@@ -9818,19 +9910,7 @@
                           <a:cs typeface="Lora"/>
                           <a:sym typeface="Lora"/>
                         </a:rPr>
-                        <a:t>"</a:t>
-                      </a:r>
-                      <a:r>
-                        <a:rPr lang="en" sz="2400">
-                          <a:solidFill>
-                            <a:schemeClr val="dk1"/>
-                          </a:solidFill>
-                          <a:latin typeface="Lora"/>
-                          <a:ea typeface="Lora"/>
-                          <a:cs typeface="Lora"/>
-                          <a:sym typeface="Lora"/>
-                        </a:rPr>
-                        <a:t>a"</a:t>
+                        <a:t>"a"</a:t>
                       </a:r>
                       <a:endParaRPr sz="2400">
                         <a:solidFill>
@@ -9843,14 +9923,14 @@
                       </a:endParaRPr>
                     </a:p>
                   </a:txBody>
-                  <a:tcPr marT="91425" marB="91425" marR="91425" marL="91425"/>
+                  <a:tcPr marL="91425" marR="91425" marT="91425" marB="91425"/>
                 </a:tc>
                 <a:tc>
                   <a:txBody>
                     <a:bodyPr/>
                     <a:lstStyle/>
                     <a:p>
-                      <a:pPr indent="0" lvl="0" marL="0" rtl="0" algn="l">
+                      <a:pPr marL="0" lvl="0" indent="0" algn="l" rtl="0">
                         <a:spcBef>
                           <a:spcPts val="0"/>
                         </a:spcBef>
@@ -9869,19 +9949,7 @@
                           <a:cs typeface="Lora"/>
                           <a:sym typeface="Lora"/>
                         </a:rPr>
-                        <a:t>"</a:t>
-                      </a:r>
-                      <a:r>
-                        <a:rPr lang="en" sz="2400">
-                          <a:solidFill>
-                            <a:schemeClr val="dk1"/>
-                          </a:solidFill>
-                          <a:latin typeface="Lora"/>
-                          <a:ea typeface="Lora"/>
-                          <a:cs typeface="Lora"/>
-                          <a:sym typeface="Lora"/>
-                        </a:rPr>
-                        <a:t>is"</a:t>
+                        <a:t>"is"</a:t>
                       </a:r>
                       <a:endParaRPr sz="2400">
                         <a:solidFill>
@@ -9894,14 +9962,14 @@
                       </a:endParaRPr>
                     </a:p>
                   </a:txBody>
-                  <a:tcPr marT="91425" marB="91425" marR="91425" marL="91425"/>
+                  <a:tcPr marL="91425" marR="91425" marT="91425" marB="91425"/>
                 </a:tc>
                 <a:tc>
                   <a:txBody>
                     <a:bodyPr/>
                     <a:lstStyle/>
                     <a:p>
-                      <a:pPr indent="0" lvl="0" marL="0" rtl="0" algn="l">
+                      <a:pPr marL="0" lvl="0" indent="0" algn="l" rtl="0">
                         <a:spcBef>
                           <a:spcPts val="0"/>
                         </a:spcBef>
@@ -9920,19 +9988,7 @@
                           <a:cs typeface="Lora"/>
                           <a:sym typeface="Lora"/>
                         </a:rPr>
-                        <a:t>"</a:t>
-                      </a:r>
-                      <a:r>
-                        <a:rPr lang="en" sz="2400">
-                          <a:solidFill>
-                            <a:schemeClr val="dk1"/>
-                          </a:solidFill>
-                          <a:latin typeface="Lora"/>
-                          <a:ea typeface="Lora"/>
-                          <a:cs typeface="Lora"/>
-                          <a:sym typeface="Lora"/>
-                        </a:rPr>
-                        <a:t>cat"</a:t>
+                        <a:t>"cat"</a:t>
                       </a:r>
                       <a:endParaRPr sz="2400">
                         <a:solidFill>
@@ -9945,14 +10001,14 @@
                       </a:endParaRPr>
                     </a:p>
                   </a:txBody>
-                  <a:tcPr marT="91425" marB="91425" marR="91425" marL="91425"/>
+                  <a:tcPr marL="91425" marR="91425" marT="91425" marB="91425"/>
                 </a:tc>
                 <a:tc>
                   <a:txBody>
                     <a:bodyPr/>
                     <a:lstStyle/>
                     <a:p>
-                      <a:pPr indent="0" lvl="0" marL="0" rtl="0" algn="l">
+                      <a:pPr marL="0" lvl="0" indent="0" algn="l" rtl="0">
                         <a:spcBef>
                           <a:spcPts val="0"/>
                         </a:spcBef>
@@ -9971,19 +10027,7 @@
                           <a:cs typeface="Lora"/>
                           <a:sym typeface="Lora"/>
                         </a:rPr>
-                        <a:t>"</a:t>
-                      </a:r>
-                      <a:r>
-                        <a:rPr lang="en" sz="2400">
-                          <a:solidFill>
-                            <a:schemeClr val="dk1"/>
-                          </a:solidFill>
-                          <a:latin typeface="Lora"/>
-                          <a:ea typeface="Lora"/>
-                          <a:cs typeface="Lora"/>
-                          <a:sym typeface="Lora"/>
-                        </a:rPr>
-                        <a:t>red"</a:t>
+                        <a:t>"red"</a:t>
                       </a:r>
                       <a:endParaRPr sz="2400">
                         <a:solidFill>
@@ -9996,8 +10040,13 @@
                       </a:endParaRPr>
                     </a:p>
                   </a:txBody>
-                  <a:tcPr marT="91425" marB="91425" marR="91425" marL="91425"/>
+                  <a:tcPr marL="91425" marR="91425" marT="91425" marB="91425"/>
                 </a:tc>
+                <a:extLst>
+                  <a:ext uri="{0D108BD9-81ED-4DB2-BD59-A6C34878D82A}">
+                    <a16:rowId xmlns:a16="http://schemas.microsoft.com/office/drawing/2014/main" val="10000"/>
+                  </a:ext>
+                </a:extLst>
               </a:tr>
               <a:tr h="306575">
                 <a:tc>
@@ -10005,7 +10054,7 @@
                     <a:bodyPr/>
                     <a:lstStyle/>
                     <a:p>
-                      <a:pPr indent="0" lvl="0" marL="0" rtl="0" algn="l">
+                      <a:pPr marL="0" lvl="0" indent="0" algn="l" rtl="0">
                         <a:spcBef>
                           <a:spcPts val="0"/>
                         </a:spcBef>
@@ -10037,14 +10086,14 @@
                       </a:endParaRPr>
                     </a:p>
                   </a:txBody>
-                  <a:tcPr marT="91425" marB="91425" marR="91425" marL="91425"/>
+                  <a:tcPr marL="91425" marR="91425" marT="91425" marB="91425"/>
                 </a:tc>
                 <a:tc>
                   <a:txBody>
                     <a:bodyPr/>
                     <a:lstStyle/>
                     <a:p>
-                      <a:pPr indent="0" lvl="0" marL="0" rtl="0" algn="l">
+                      <a:pPr marL="0" lvl="0" indent="0" algn="l" rtl="0">
                         <a:spcBef>
                           <a:spcPts val="0"/>
                         </a:spcBef>
@@ -10076,14 +10125,14 @@
                       </a:endParaRPr>
                     </a:p>
                   </a:txBody>
-                  <a:tcPr marT="91425" marB="91425" marR="91425" marL="91425"/>
+                  <a:tcPr marL="91425" marR="91425" marT="91425" marB="91425"/>
                 </a:tc>
                 <a:tc>
                   <a:txBody>
                     <a:bodyPr/>
                     <a:lstStyle/>
                     <a:p>
-                      <a:pPr indent="0" lvl="0" marL="0" rtl="0" algn="l">
+                      <a:pPr marL="0" lvl="0" indent="0" algn="l" rtl="0">
                         <a:spcBef>
                           <a:spcPts val="0"/>
                         </a:spcBef>
@@ -10115,14 +10164,14 @@
                       </a:endParaRPr>
                     </a:p>
                   </a:txBody>
-                  <a:tcPr marT="91425" marB="91425" marR="91425" marL="91425"/>
+                  <a:tcPr marL="91425" marR="91425" marT="91425" marB="91425"/>
                 </a:tc>
                 <a:tc>
                   <a:txBody>
                     <a:bodyPr/>
                     <a:lstStyle/>
                     <a:p>
-                      <a:pPr indent="0" lvl="0" marL="0" rtl="0" algn="l">
+                      <a:pPr marL="0" lvl="0" indent="0" algn="l" rtl="0">
                         <a:spcBef>
                           <a:spcPts val="0"/>
                         </a:spcBef>
@@ -10154,8 +10203,13 @@
                       </a:endParaRPr>
                     </a:p>
                   </a:txBody>
-                  <a:tcPr marT="91425" marB="91425" marR="91425" marL="91425"/>
+                  <a:tcPr marL="91425" marR="91425" marT="91425" marB="91425"/>
                 </a:tc>
+                <a:extLst>
+                  <a:ext uri="{0D108BD9-81ED-4DB2-BD59-A6C34878D82A}">
+                    <a16:rowId xmlns:a16="http://schemas.microsoft.com/office/drawing/2014/main" val="10001"/>
+                  </a:ext>
+                </a:extLst>
               </a:tr>
             </a:tbl>
           </a:graphicData>
@@ -10169,32 +10223,32 @@
   <p:timing>
     <p:tnLst>
       <p:par>
-        <p:cTn dur="indefinite" nodeType="tmRoot" restart="never">
+        <p:cTn id="1" dur="indefinite" restart="never" nodeType="tmRoot">
           <p:childTnLst>
             <p:seq concurrent="1" nextAc="seek">
-              <p:cTn dur="indefinite" id="2" nodeType="mainSeq">
+              <p:cTn id="2" dur="indefinite" nodeType="mainSeq">
                 <p:childTnLst>
                   <p:par>
-                    <p:cTn fill="hold">
+                    <p:cTn id="3" fill="hold">
                       <p:stCondLst>
                         <p:cond delay="indefinite"/>
                       </p:stCondLst>
                       <p:childTnLst>
                         <p:par>
-                          <p:cTn fill="hold">
+                          <p:cTn id="4" fill="hold">
                             <p:stCondLst>
                               <p:cond delay="0"/>
                             </p:stCondLst>
                             <p:childTnLst>
                               <p:par>
-                                <p:cTn fill="hold" nodeType="clickEffect" presetClass="entr" presetID="10" presetSubtype="0">
+                                <p:cTn id="5" presetID="10" presetClass="entr" presetSubtype="0" fill="hold" nodeType="clickEffect">
                                   <p:stCondLst>
                                     <p:cond delay="0"/>
                                   </p:stCondLst>
                                   <p:childTnLst>
                                     <p:set>
                                       <p:cBhvr>
-                                        <p:cTn dur="1" fill="hold">
+                                        <p:cTn id="6" dur="1" fill="hold">
                                           <p:stCondLst>
                                             <p:cond delay="0"/>
                                           </p:stCondLst>
@@ -10210,9 +10264,9 @@
                                         <p:strVal val="visible"/>
                                       </p:to>
                                     </p:set>
-                                    <p:animEffect filter="fade" transition="in">
+                                    <p:animEffect transition="in" filter="fade">
                                       <p:cBhvr>
-                                        <p:cTn dur="1000"/>
+                                        <p:cTn id="7" dur="1000"/>
                                         <p:tgtEl>
                                           <p:spTgt spid="124"/>
                                         </p:tgtEl>
@@ -10222,14 +10276,14 @@
                                 </p:cTn>
                               </p:par>
                               <p:par>
-                                <p:cTn fill="hold" nodeType="withEffect" presetClass="entr" presetID="10" presetSubtype="0">
+                                <p:cTn id="8" presetID="10" presetClass="entr" presetSubtype="0" fill="hold" nodeType="withEffect">
                                   <p:stCondLst>
                                     <p:cond delay="0"/>
                                   </p:stCondLst>
                                   <p:childTnLst>
                                     <p:set>
                                       <p:cBhvr>
-                                        <p:cTn dur="1" fill="hold">
+                                        <p:cTn id="9" dur="1" fill="hold">
                                           <p:stCondLst>
                                             <p:cond delay="0"/>
                                           </p:stCondLst>
@@ -10245,9 +10299,9 @@
                                         <p:strVal val="visible"/>
                                       </p:to>
                                     </p:set>
-                                    <p:animEffect filter="fade" transition="in">
+                                    <p:animEffect transition="in" filter="fade">
                                       <p:cBhvr>
-                                        <p:cTn dur="500"/>
+                                        <p:cTn id="10" dur="500"/>
                                         <p:tgtEl>
                                           <p:spTgt spid="126"/>
                                         </p:tgtEl>
@@ -10257,14 +10311,14 @@
                                 </p:cTn>
                               </p:par>
                               <p:par>
-                                <p:cTn fill="hold" nodeType="withEffect" presetClass="entr" presetID="10" presetSubtype="0">
+                                <p:cTn id="11" presetID="10" presetClass="entr" presetSubtype="0" fill="hold" nodeType="withEffect">
                                   <p:stCondLst>
                                     <p:cond delay="0"/>
                                   </p:stCondLst>
                                   <p:childTnLst>
                                     <p:set>
                                       <p:cBhvr>
-                                        <p:cTn dur="1" fill="hold">
+                                        <p:cTn id="12" dur="1" fill="hold">
                                           <p:stCondLst>
                                             <p:cond delay="0"/>
                                           </p:stCondLst>
@@ -10280,9 +10334,9 @@
                                         <p:strVal val="visible"/>
                                       </p:to>
                                     </p:set>
-                                    <p:animEffect filter="fade" transition="in">
+                                    <p:animEffect transition="in" filter="fade">
                                       <p:cBhvr>
-                                        <p:cTn dur="600"/>
+                                        <p:cTn id="13" dur="600"/>
                                         <p:tgtEl>
                                           <p:spTgt spid="125"/>
                                         </p:tgtEl>
@@ -10298,26 +10352,26 @@
                     </p:cTn>
                   </p:par>
                   <p:par>
-                    <p:cTn fill="hold">
+                    <p:cTn id="14" fill="hold">
                       <p:stCondLst>
                         <p:cond delay="indefinite"/>
                       </p:stCondLst>
                       <p:childTnLst>
                         <p:par>
-                          <p:cTn fill="hold">
+                          <p:cTn id="15" fill="hold">
                             <p:stCondLst>
                               <p:cond delay="0"/>
                             </p:stCondLst>
                             <p:childTnLst>
                               <p:par>
-                                <p:cTn fill="hold" nodeType="clickEffect" presetClass="exit" presetID="10" presetSubtype="0">
+                                <p:cTn id="16" presetID="10" presetClass="exit" presetSubtype="0" fill="hold" nodeType="clickEffect">
                                   <p:stCondLst>
                                     <p:cond delay="0"/>
                                   </p:stCondLst>
                                   <p:childTnLst>
-                                    <p:animEffect filter="fade" transition="out">
+                                    <p:animEffect transition="out" filter="fade">
                                       <p:cBhvr>
-                                        <p:cTn dur="1000"/>
+                                        <p:cTn id="17" dur="1000"/>
                                         <p:tgtEl>
                                           <p:spTgt spid="124"/>
                                         </p:tgtEl>
@@ -10325,7 +10379,7 @@
                                     </p:animEffect>
                                     <p:set>
                                       <p:cBhvr>
-                                        <p:cTn dur="1" fill="hold">
+                                        <p:cTn id="18" dur="1" fill="hold">
                                           <p:stCondLst>
                                             <p:cond delay="1000"/>
                                           </p:stCondLst>
@@ -10345,14 +10399,14 @@
                                 </p:cTn>
                               </p:par>
                               <p:par>
-                                <p:cTn fill="hold" nodeType="withEffect" presetClass="exit" presetID="10" presetSubtype="0">
+                                <p:cTn id="19" presetID="10" presetClass="exit" presetSubtype="0" fill="hold" nodeType="withEffect">
                                   <p:stCondLst>
                                     <p:cond delay="0"/>
                                   </p:stCondLst>
                                   <p:childTnLst>
-                                    <p:animEffect filter="fade" transition="out">
+                                    <p:animEffect transition="out" filter="fade">
                                       <p:cBhvr>
-                                        <p:cTn dur="500"/>
+                                        <p:cTn id="20" dur="500"/>
                                         <p:tgtEl>
                                           <p:spTgt spid="126"/>
                                         </p:tgtEl>
@@ -10360,7 +10414,7 @@
                                     </p:animEffect>
                                     <p:set>
                                       <p:cBhvr>
-                                        <p:cTn dur="1" fill="hold">
+                                        <p:cTn id="21" dur="1" fill="hold">
                                           <p:stCondLst>
                                             <p:cond delay="500"/>
                                           </p:stCondLst>
@@ -10380,14 +10434,14 @@
                                 </p:cTn>
                               </p:par>
                               <p:par>
-                                <p:cTn fill="hold" nodeType="withEffect" presetClass="exit" presetID="10" presetSubtype="0">
+                                <p:cTn id="22" presetID="10" presetClass="exit" presetSubtype="0" fill="hold" nodeType="withEffect">
                                   <p:stCondLst>
                                     <p:cond delay="0"/>
                                   </p:stCondLst>
                                   <p:childTnLst>
-                                    <p:animEffect filter="fade" transition="out">
+                                    <p:animEffect transition="out" filter="fade">
                                       <p:cBhvr>
-                                        <p:cTn dur="400"/>
+                                        <p:cTn id="23" dur="400"/>
                                         <p:tgtEl>
                                           <p:spTgt spid="125"/>
                                         </p:tgtEl>
@@ -10395,7 +10449,7 @@
                                     </p:animEffect>
                                     <p:set>
                                       <p:cBhvr>
-                                        <p:cTn dur="1" fill="hold">
+                                        <p:cTn id="24" dur="1" fill="hold">
                                           <p:stCondLst>
                                             <p:cond delay="400"/>
                                           </p:stCondLst>
@@ -10423,14 +10477,14 @@
                 </p:childTnLst>
               </p:cTn>
               <p:prevCondLst>
-                <p:cond evt="onPrev">
+                <p:cond evt="onPrev" delay="0">
                   <p:tgtEl>
                     <p:sldTgt/>
                   </p:tgtEl>
                 </p:cond>
               </p:prevCondLst>
               <p:nextCondLst>
-                <p:cond evt="onNext">
+                <p:cond evt="onNext" delay="0">
                   <p:tgtEl>
                     <p:sldTgt/>
                   </p:tgtEl>
@@ -10446,7 +10500,7 @@
 </file>
 
 <file path=ppt/slides/slide5.xml><?xml version="1.0" encoding="utf-8"?>
-<p:sld xmlns:a="http://schemas.openxmlformats.org/drawingml/2006/main" xmlns:r="http://schemas.openxmlformats.org/officeDocument/2006/relationships" xmlns:mc="http://schemas.openxmlformats.org/markup-compatibility/2006" xmlns:mv="urn:schemas-microsoft-com:mac:vml" xmlns:p="http://schemas.openxmlformats.org/presentationml/2006/main" xmlns:c="http://schemas.openxmlformats.org/drawingml/2006/chart" xmlns:dgm="http://schemas.openxmlformats.org/drawingml/2006/diagram" xmlns:o="urn:schemas-microsoft-com:office:office" xmlns:v="urn:schemas-microsoft-com:vml" xmlns:pvml="urn:schemas-microsoft-com:office:powerpoint" xmlns:com="http://schemas.openxmlformats.org/drawingml/2006/compatibility" xmlns:p14="http://schemas.microsoft.com/office/powerpoint/2010/main" xmlns:p15="http://schemas.microsoft.com/office/powerpoint/2012/main">
+<p:sld xmlns:a="http://schemas.openxmlformats.org/drawingml/2006/main" xmlns:r="http://schemas.openxmlformats.org/officeDocument/2006/relationships" xmlns:p="http://schemas.openxmlformats.org/presentationml/2006/main">
   <p:cSld>
     <p:bg>
       <p:bgPr>
@@ -10455,11 +10509,12 @@
             <a:alpha val="70950"/>
           </a:srgbClr>
         </a:solidFill>
+        <a:effectLst/>
       </p:bgPr>
     </p:bg>
     <p:spTree>
       <p:nvGrpSpPr>
-        <p:cNvPr id="130" name="Shape 130"/>
+        <p:cNvPr id="1" name="Shape 130"/>
         <p:cNvGrpSpPr/>
         <p:nvPr/>
       </p:nvGrpSpPr>
@@ -10474,7 +10529,9 @@
       <p:sp>
         <p:nvSpPr>
           <p:cNvPr id="131" name="Google Shape;131;p17"/>
-          <p:cNvSpPr txBox="1"/>
+          <p:cNvSpPr txBox="1">
+            <a:spLocks noGrp="1"/>
+          </p:cNvSpPr>
           <p:nvPr>
             <p:ph type="title"/>
           </p:nvPr>
@@ -10489,12 +10546,12 @@
           </a:prstGeom>
         </p:spPr>
         <p:txBody>
-          <a:bodyPr anchorCtr="0" anchor="t" bIns="91425" lIns="91425" spcFirstLastPara="1" rIns="91425" wrap="square" tIns="91425">
+          <a:bodyPr spcFirstLastPara="1" wrap="square" lIns="91425" tIns="91425" rIns="91425" bIns="91425" anchor="t" anchorCtr="0">
             <a:noAutofit/>
           </a:bodyPr>
           <a:lstStyle/>
           <a:p>
-            <a:pPr indent="0" lvl="0" marL="0" rtl="0" algn="l">
+            <a:pPr marL="0" lvl="0" indent="0" algn="l" rtl="0">
               <a:spcBef>
                 <a:spcPts val="0"/>
               </a:spcBef>
@@ -10504,7 +10561,7 @@
               <a:buNone/>
             </a:pPr>
             <a:r>
-              <a:rPr b="1" lang="en">
+              <a:rPr lang="en" b="1">
                 <a:solidFill>
                   <a:srgbClr val="434343"/>
                 </a:solidFill>
@@ -10513,19 +10570,7 @@
                 <a:cs typeface="Lora"/>
                 <a:sym typeface="Lora"/>
               </a:rPr>
-              <a:t>Text &amp; Image </a:t>
-            </a:r>
-            <a:r>
-              <a:rPr b="1" lang="en">
-                <a:solidFill>
-                  <a:srgbClr val="434343"/>
-                </a:solidFill>
-                <a:latin typeface="Lora"/>
-                <a:ea typeface="Lora"/>
-                <a:cs typeface="Lora"/>
-                <a:sym typeface="Lora"/>
-              </a:rPr>
-              <a:t>Architectures</a:t>
+              <a:t>Text &amp; Image Architectures</a:t>
             </a:r>
             <a:endParaRPr b="1">
               <a:solidFill>
@@ -10588,7 +10633,7 @@
             <a:noFill/>
           </a:ln>
           <a:effectLst>
-            <a:outerShdw blurRad="100013" rotWithShape="0" algn="bl" dir="7200000" dist="47625">
+            <a:outerShdw blurRad="100013" dist="47625" dir="7200000" algn="bl" rotWithShape="0">
               <a:srgbClr val="000000">
                 <a:alpha val="71000"/>
               </a:srgbClr>
@@ -10596,12 +10641,12 @@
           </a:effectLst>
         </p:spPr>
         <p:txBody>
-          <a:bodyPr anchorCtr="0" anchor="ctr" bIns="91425" lIns="91425" spcFirstLastPara="1" rIns="91425" wrap="square" tIns="91425">
+          <a:bodyPr spcFirstLastPara="1" wrap="square" lIns="91425" tIns="91425" rIns="91425" bIns="91425" anchor="ctr" anchorCtr="0">
             <a:noAutofit/>
           </a:bodyPr>
           <a:lstStyle/>
           <a:p>
-            <a:pPr indent="0" lvl="0" marL="0" rtl="0" algn="ctr">
+            <a:pPr marL="0" lvl="0" indent="0" algn="ctr" rtl="0">
               <a:spcBef>
                 <a:spcPts val="0"/>
               </a:spcBef>
@@ -10649,7 +10694,7 @@
             <a:noFill/>
           </a:ln>
           <a:effectLst>
-            <a:outerShdw blurRad="100013" rotWithShape="0" algn="bl" dir="7200000" dist="47625">
+            <a:outerShdw blurRad="100013" dist="47625" dir="7200000" algn="bl" rotWithShape="0">
               <a:srgbClr val="000000">
                 <a:alpha val="71000"/>
               </a:srgbClr>
@@ -10657,12 +10702,12 @@
           </a:effectLst>
         </p:spPr>
         <p:txBody>
-          <a:bodyPr anchorCtr="0" anchor="ctr" bIns="91425" lIns="91425" spcFirstLastPara="1" rIns="91425" wrap="square" tIns="91425">
+          <a:bodyPr spcFirstLastPara="1" wrap="square" lIns="91425" tIns="91425" rIns="91425" bIns="91425" anchor="ctr" anchorCtr="0">
             <a:noAutofit/>
           </a:bodyPr>
           <a:lstStyle/>
           <a:p>
-            <a:pPr indent="0" lvl="0" marL="0" rtl="0" algn="ctr">
+            <a:pPr marL="0" lvl="0" indent="0" algn="ctr" rtl="0">
               <a:spcBef>
                 <a:spcPts val="0"/>
               </a:spcBef>
@@ -10710,7 +10755,7 @@
             <a:noFill/>
           </a:ln>
           <a:effectLst>
-            <a:outerShdw blurRad="100013" rotWithShape="0" algn="bl" dir="7200000" dist="47625">
+            <a:outerShdw blurRad="100013" dist="47625" dir="7200000" algn="bl" rotWithShape="0">
               <a:srgbClr val="000000">
                 <a:alpha val="71000"/>
               </a:srgbClr>
@@ -10718,12 +10763,12 @@
           </a:effectLst>
         </p:spPr>
         <p:txBody>
-          <a:bodyPr anchorCtr="0" anchor="ctr" bIns="91425" lIns="91425" spcFirstLastPara="1" rIns="91425" wrap="square" tIns="91425">
+          <a:bodyPr spcFirstLastPara="1" wrap="square" lIns="91425" tIns="91425" rIns="91425" bIns="91425" anchor="ctr" anchorCtr="0">
             <a:noAutofit/>
           </a:bodyPr>
           <a:lstStyle/>
           <a:p>
-            <a:pPr indent="0" lvl="0" marL="0" rtl="0" algn="ctr">
+            <a:pPr marL="0" lvl="0" indent="0" algn="ctr" rtl="0">
               <a:spcBef>
                 <a:spcPts val="0"/>
               </a:spcBef>
@@ -10749,7 +10794,7 @@
             </a:endParaRPr>
           </a:p>
           <a:p>
-            <a:pPr indent="0" lvl="0" marL="0" rtl="0" algn="ctr">
+            <a:pPr marL="0" lvl="0" indent="0" algn="ctr" rtl="0">
               <a:spcBef>
                 <a:spcPts val="0"/>
               </a:spcBef>
@@ -10797,7 +10842,7 @@
             <a:noFill/>
           </a:ln>
           <a:effectLst>
-            <a:outerShdw blurRad="100013" rotWithShape="0" algn="bl" dir="7200000" dist="47625">
+            <a:outerShdw blurRad="100013" dist="47625" dir="7200000" algn="bl" rotWithShape="0">
               <a:srgbClr val="000000">
                 <a:alpha val="71000"/>
               </a:srgbClr>
@@ -10805,12 +10850,12 @@
           </a:effectLst>
         </p:spPr>
         <p:txBody>
-          <a:bodyPr anchorCtr="0" anchor="ctr" bIns="91425" lIns="91425" spcFirstLastPara="1" rIns="91425" wrap="square" tIns="91425">
+          <a:bodyPr spcFirstLastPara="1" wrap="square" lIns="91425" tIns="91425" rIns="91425" bIns="91425" anchor="ctr" anchorCtr="0">
             <a:noAutofit/>
           </a:bodyPr>
           <a:lstStyle/>
           <a:p>
-            <a:pPr indent="0" lvl="0" marL="0" rtl="0" algn="ctr">
+            <a:pPr marL="0" lvl="0" indent="0" algn="ctr" rtl="0">
               <a:spcBef>
                 <a:spcPts val="0"/>
               </a:spcBef>
@@ -10836,7 +10881,7 @@
             </a:endParaRPr>
           </a:p>
           <a:p>
-            <a:pPr indent="0" lvl="0" marL="0" rtl="0" algn="ctr">
+            <a:pPr marL="0" lvl="0" indent="0" algn="ctr" rtl="0">
               <a:spcBef>
                 <a:spcPts val="0"/>
               </a:spcBef>
@@ -10884,7 +10929,7 @@
             <a:noFill/>
           </a:ln>
           <a:effectLst>
-            <a:outerShdw blurRad="100013" rotWithShape="0" algn="bl" dir="7200000" dist="47625">
+            <a:outerShdw blurRad="100013" dist="47625" dir="7200000" algn="bl" rotWithShape="0">
               <a:srgbClr val="000000">
                 <a:alpha val="71000"/>
               </a:srgbClr>
@@ -10892,12 +10937,12 @@
           </a:effectLst>
         </p:spPr>
         <p:txBody>
-          <a:bodyPr anchorCtr="0" anchor="ctr" bIns="91425" lIns="91425" spcFirstLastPara="1" rIns="91425" wrap="square" tIns="91425">
+          <a:bodyPr spcFirstLastPara="1" wrap="square" lIns="91425" tIns="91425" rIns="91425" bIns="91425" anchor="ctr" anchorCtr="0">
             <a:noAutofit/>
           </a:bodyPr>
           <a:lstStyle/>
           <a:p>
-            <a:pPr indent="0" lvl="0" marL="0" rtl="0" algn="ctr">
+            <a:pPr marL="0" lvl="0" indent="0" algn="ctr" rtl="0">
               <a:spcBef>
                 <a:spcPts val="0"/>
               </a:spcBef>
@@ -10923,7 +10968,7 @@
             </a:endParaRPr>
           </a:p>
           <a:p>
-            <a:pPr indent="0" lvl="0" marL="0" rtl="0" algn="ctr">
+            <a:pPr marL="0" lvl="0" indent="0" algn="ctr" rtl="0">
               <a:spcBef>
                 <a:spcPts val="0"/>
               </a:spcBef>
@@ -10971,7 +11016,7 @@
             <a:noFill/>
           </a:ln>
           <a:effectLst>
-            <a:outerShdw blurRad="100013" rotWithShape="0" algn="bl" dir="7200000" dist="47625">
+            <a:outerShdw blurRad="100013" dist="47625" dir="7200000" algn="bl" rotWithShape="0">
               <a:srgbClr val="000000">
                 <a:alpha val="71000"/>
               </a:srgbClr>
@@ -10979,12 +11024,12 @@
           </a:effectLst>
         </p:spPr>
         <p:txBody>
-          <a:bodyPr anchorCtr="0" anchor="ctr" bIns="91425" lIns="91425" spcFirstLastPara="1" rIns="91425" wrap="square" tIns="91425">
+          <a:bodyPr spcFirstLastPara="1" wrap="square" lIns="91425" tIns="91425" rIns="91425" bIns="91425" anchor="ctr" anchorCtr="0">
             <a:noAutofit/>
           </a:bodyPr>
           <a:lstStyle/>
           <a:p>
-            <a:pPr indent="0" lvl="0" marL="0" rtl="0" algn="ctr">
+            <a:pPr marL="0" lvl="0" indent="0" algn="ctr" rtl="0">
               <a:spcBef>
                 <a:spcPts val="0"/>
               </a:spcBef>
@@ -11032,7 +11077,7 @@
             <a:noFill/>
           </a:ln>
           <a:effectLst>
-            <a:outerShdw blurRad="100013" rotWithShape="0" algn="bl" dir="7200000" dist="47625">
+            <a:outerShdw blurRad="100013" dist="47625" dir="7200000" algn="bl" rotWithShape="0">
               <a:srgbClr val="000000">
                 <a:alpha val="71000"/>
               </a:srgbClr>
@@ -11040,12 +11085,12 @@
           </a:effectLst>
         </p:spPr>
         <p:txBody>
-          <a:bodyPr anchorCtr="0" anchor="ctr" bIns="91425" lIns="91425" spcFirstLastPara="1" rIns="91425" wrap="square" tIns="91425">
+          <a:bodyPr spcFirstLastPara="1" wrap="square" lIns="91425" tIns="91425" rIns="91425" bIns="91425" anchor="ctr" anchorCtr="0">
             <a:noAutofit/>
           </a:bodyPr>
           <a:lstStyle/>
           <a:p>
-            <a:pPr indent="0" lvl="0" marL="0" rtl="0" algn="ctr">
+            <a:pPr marL="0" lvl="0" indent="0" algn="ctr" rtl="0">
               <a:spcBef>
                 <a:spcPts val="0"/>
               </a:spcBef>
@@ -11093,7 +11138,7 @@
             <a:noFill/>
           </a:ln>
           <a:effectLst>
-            <a:outerShdw blurRad="100013" rotWithShape="0" algn="bl" dir="7200000" dist="47625">
+            <a:outerShdw blurRad="100013" dist="47625" dir="7200000" algn="bl" rotWithShape="0">
               <a:srgbClr val="000000">
                 <a:alpha val="71000"/>
               </a:srgbClr>
@@ -11101,12 +11146,12 @@
           </a:effectLst>
         </p:spPr>
         <p:txBody>
-          <a:bodyPr anchorCtr="0" anchor="ctr" bIns="91425" lIns="91425" spcFirstLastPara="1" rIns="91425" wrap="square" tIns="91425">
+          <a:bodyPr spcFirstLastPara="1" wrap="square" lIns="91425" tIns="91425" rIns="91425" bIns="91425" anchor="ctr" anchorCtr="0">
             <a:noAutofit/>
           </a:bodyPr>
           <a:lstStyle/>
           <a:p>
-            <a:pPr indent="0" lvl="0" marL="0" rtl="0" algn="ctr">
+            <a:pPr marL="0" lvl="0" indent="0" algn="ctr" rtl="0">
               <a:spcBef>
                 <a:spcPts val="0"/>
               </a:spcBef>
@@ -11154,7 +11199,7 @@
             <a:noFill/>
           </a:ln>
           <a:effectLst>
-            <a:outerShdw blurRad="100013" rotWithShape="0" algn="bl" dir="7200000" dist="47625">
+            <a:outerShdw blurRad="100013" dist="47625" dir="7200000" algn="bl" rotWithShape="0">
               <a:srgbClr val="000000">
                 <a:alpha val="71000"/>
               </a:srgbClr>
@@ -11162,12 +11207,12 @@
           </a:effectLst>
         </p:spPr>
         <p:txBody>
-          <a:bodyPr anchorCtr="0" anchor="ctr" bIns="91425" lIns="91425" spcFirstLastPara="1" rIns="91425" wrap="square" tIns="91425">
+          <a:bodyPr spcFirstLastPara="1" wrap="square" lIns="91425" tIns="91425" rIns="91425" bIns="91425" anchor="ctr" anchorCtr="0">
             <a:noAutofit/>
           </a:bodyPr>
           <a:lstStyle/>
           <a:p>
-            <a:pPr indent="0" lvl="0" marL="0" rtl="0" algn="ctr">
+            <a:pPr marL="0" lvl="0" indent="0" algn="ctr" rtl="0">
               <a:spcBef>
                 <a:spcPts val="0"/>
               </a:spcBef>
@@ -11215,7 +11260,7 @@
             <a:noFill/>
           </a:ln>
           <a:effectLst>
-            <a:outerShdw blurRad="100013" rotWithShape="0" algn="bl" dir="7200000" dist="47625">
+            <a:outerShdw blurRad="100013" dist="47625" dir="7200000" algn="bl" rotWithShape="0">
               <a:srgbClr val="000000">
                 <a:alpha val="71000"/>
               </a:srgbClr>
@@ -11223,12 +11268,12 @@
           </a:effectLst>
         </p:spPr>
         <p:txBody>
-          <a:bodyPr anchorCtr="0" anchor="ctr" bIns="91425" lIns="91425" spcFirstLastPara="1" rIns="91425" wrap="square" tIns="91425">
+          <a:bodyPr spcFirstLastPara="1" wrap="square" lIns="91425" tIns="91425" rIns="91425" bIns="91425" anchor="ctr" anchorCtr="0">
             <a:noAutofit/>
           </a:bodyPr>
           <a:lstStyle/>
           <a:p>
-            <a:pPr indent="0" lvl="0" marL="0" rtl="0" algn="ctr">
+            <a:pPr marL="0" lvl="0" indent="0" algn="ctr" rtl="0">
               <a:spcBef>
                 <a:spcPts val="0"/>
               </a:spcBef>
@@ -11276,7 +11321,7 @@
             <a:noFill/>
           </a:ln>
           <a:effectLst>
-            <a:outerShdw blurRad="100013" rotWithShape="0" algn="bl" dir="7200000" dist="47625">
+            <a:outerShdw blurRad="100013" dist="47625" dir="7200000" algn="bl" rotWithShape="0">
               <a:srgbClr val="000000">
                 <a:alpha val="71000"/>
               </a:srgbClr>
@@ -11284,12 +11329,12 @@
           </a:effectLst>
         </p:spPr>
         <p:txBody>
-          <a:bodyPr anchorCtr="0" anchor="ctr" bIns="91425" lIns="91425" spcFirstLastPara="1" rIns="91425" wrap="square" tIns="91425">
+          <a:bodyPr spcFirstLastPara="1" wrap="square" lIns="91425" tIns="91425" rIns="91425" bIns="91425" anchor="ctr" anchorCtr="0">
             <a:noAutofit/>
           </a:bodyPr>
           <a:lstStyle/>
           <a:p>
-            <a:pPr indent="0" lvl="0" marL="0" rtl="0" algn="ctr">
+            <a:pPr marL="0" lvl="0" indent="0" algn="ctr" rtl="0">
               <a:spcBef>
                 <a:spcPts val="0"/>
               </a:spcBef>
@@ -11337,7 +11382,7 @@
             <a:noFill/>
           </a:ln>
           <a:effectLst>
-            <a:outerShdw blurRad="100013" rotWithShape="0" algn="bl" dir="7200000" dist="47625">
+            <a:outerShdw blurRad="100013" dist="47625" dir="7200000" algn="bl" rotWithShape="0">
               <a:srgbClr val="000000">
                 <a:alpha val="71000"/>
               </a:srgbClr>
@@ -11345,12 +11390,12 @@
           </a:effectLst>
         </p:spPr>
         <p:txBody>
-          <a:bodyPr anchorCtr="0" anchor="ctr" bIns="91425" lIns="91425" spcFirstLastPara="1" rIns="91425" wrap="square" tIns="91425">
+          <a:bodyPr spcFirstLastPara="1" wrap="square" lIns="91425" tIns="91425" rIns="91425" bIns="91425" anchor="ctr" anchorCtr="0">
             <a:noAutofit/>
           </a:bodyPr>
           <a:lstStyle/>
           <a:p>
-            <a:pPr indent="0" lvl="0" marL="0" rtl="0" algn="ctr">
+            <a:pPr marL="0" lvl="0" indent="0" algn="ctr" rtl="0">
               <a:spcBef>
                 <a:spcPts val="0"/>
               </a:spcBef>
@@ -11398,7 +11443,7 @@
             <a:noFill/>
           </a:ln>
           <a:effectLst>
-            <a:outerShdw blurRad="100013" rotWithShape="0" algn="bl" dir="7200000" dist="47625">
+            <a:outerShdw blurRad="100013" dist="47625" dir="7200000" algn="bl" rotWithShape="0">
               <a:srgbClr val="000000">
                 <a:alpha val="71000"/>
               </a:srgbClr>
@@ -11406,12 +11451,12 @@
           </a:effectLst>
         </p:spPr>
         <p:txBody>
-          <a:bodyPr anchorCtr="0" anchor="ctr" bIns="91425" lIns="91425" spcFirstLastPara="1" rIns="91425" wrap="square" tIns="91425">
+          <a:bodyPr spcFirstLastPara="1" wrap="square" lIns="91425" tIns="91425" rIns="91425" bIns="91425" anchor="ctr" anchorCtr="0">
             <a:noAutofit/>
           </a:bodyPr>
           <a:lstStyle/>
           <a:p>
-            <a:pPr indent="0" lvl="0" marL="0" rtl="0" algn="ctr">
+            <a:pPr marL="0" lvl="0" indent="0" algn="ctr" rtl="0">
               <a:spcBef>
                 <a:spcPts val="0"/>
               </a:spcBef>
@@ -11459,7 +11504,7 @@
             <a:noFill/>
           </a:ln>
           <a:effectLst>
-            <a:outerShdw blurRad="100013" rotWithShape="0" algn="bl" dir="7200000" dist="47625">
+            <a:outerShdw blurRad="100013" dist="47625" dir="7200000" algn="bl" rotWithShape="0">
               <a:srgbClr val="000000">
                 <a:alpha val="71000"/>
               </a:srgbClr>
@@ -11467,12 +11512,12 @@
           </a:effectLst>
         </p:spPr>
         <p:txBody>
-          <a:bodyPr anchorCtr="0" anchor="ctr" bIns="91425" lIns="91425" spcFirstLastPara="1" rIns="91425" wrap="square" tIns="91425">
+          <a:bodyPr spcFirstLastPara="1" wrap="square" lIns="91425" tIns="91425" rIns="91425" bIns="91425" anchor="ctr" anchorCtr="0">
             <a:noAutofit/>
           </a:bodyPr>
           <a:lstStyle/>
           <a:p>
-            <a:pPr indent="0" lvl="0" marL="0" rtl="0" algn="ctr">
+            <a:pPr marL="0" lvl="0" indent="0" algn="ctr" rtl="0">
               <a:spcBef>
                 <a:spcPts val="0"/>
               </a:spcBef>
@@ -11509,7 +11554,7 @@
           <p:nvPr/>
         </p:nvCxnSpPr>
         <p:spPr>
-          <a:xfrm flipH="1" rot="10800000">
+          <a:xfrm rot="10800000" flipH="1">
             <a:off x="1152425" y="1316125"/>
             <a:ext cx="721200" cy="704400"/>
           </a:xfrm>
@@ -11517,14 +11562,14 @@
             <a:avLst/>
           </a:prstGeom>
           <a:noFill/>
-          <a:ln cap="flat" cmpd="sng" w="9525">
+          <a:ln w="9525" cap="flat" cmpd="sng">
             <a:solidFill>
               <a:schemeClr val="dk2"/>
             </a:solidFill>
             <a:prstDash val="solid"/>
             <a:round/>
-            <a:headEnd len="med" w="med" type="none"/>
-            <a:tailEnd len="med" w="med" type="triangle"/>
+            <a:headEnd type="none" w="med" len="med"/>
+            <a:tailEnd type="triangle" w="med" len="med"/>
           </a:ln>
         </p:spPr>
       </p:cxnSp>
@@ -11546,14 +11591,14 @@
             <a:avLst/>
           </a:prstGeom>
           <a:noFill/>
-          <a:ln cap="flat" cmpd="sng" w="9525">
+          <a:ln w="9525" cap="flat" cmpd="sng">
             <a:solidFill>
               <a:schemeClr val="dk2"/>
             </a:solidFill>
             <a:prstDash val="solid"/>
             <a:round/>
-            <a:headEnd len="med" w="med" type="none"/>
-            <a:tailEnd len="med" w="med" type="triangle"/>
+            <a:headEnd type="none" w="med" len="med"/>
+            <a:tailEnd type="triangle" w="med" len="med"/>
           </a:ln>
         </p:spPr>
       </p:cxnSp>
@@ -11575,14 +11620,14 @@
             <a:avLst/>
           </a:prstGeom>
           <a:noFill/>
-          <a:ln cap="flat" cmpd="sng" w="9525">
+          <a:ln w="9525" cap="flat" cmpd="sng">
             <a:solidFill>
               <a:schemeClr val="dk2"/>
             </a:solidFill>
             <a:prstDash val="solid"/>
             <a:round/>
-            <a:headEnd len="med" w="med" type="none"/>
-            <a:tailEnd len="med" w="med" type="triangle"/>
+            <a:headEnd type="none" w="med" len="med"/>
+            <a:tailEnd type="triangle" w="med" len="med"/>
           </a:ln>
         </p:spPr>
       </p:cxnSp>
@@ -11596,7 +11641,7 @@
           <p:nvPr/>
         </p:nvCxnSpPr>
         <p:spPr>
-          <a:xfrm flipH="1" rot="10800000">
+          <a:xfrm rot="10800000" flipH="1">
             <a:off x="3481950" y="2314075"/>
             <a:ext cx="360600" cy="510300"/>
           </a:xfrm>
@@ -11604,14 +11649,14 @@
             <a:avLst/>
           </a:prstGeom>
           <a:noFill/>
-          <a:ln cap="flat" cmpd="sng" w="9525">
+          <a:ln w="9525" cap="flat" cmpd="sng">
             <a:solidFill>
               <a:schemeClr val="dk2"/>
             </a:solidFill>
             <a:prstDash val="solid"/>
             <a:round/>
-            <a:headEnd len="med" w="med" type="none"/>
-            <a:tailEnd len="med" w="med" type="triangle"/>
+            <a:headEnd type="none" w="med" len="med"/>
+            <a:tailEnd type="triangle" w="med" len="med"/>
           </a:ln>
         </p:spPr>
       </p:cxnSp>
@@ -11633,14 +11678,14 @@
             <a:avLst/>
           </a:prstGeom>
           <a:noFill/>
-          <a:ln cap="flat" cmpd="sng" w="9525">
+          <a:ln w="9525" cap="flat" cmpd="sng">
             <a:solidFill>
               <a:schemeClr val="dk2"/>
             </a:solidFill>
             <a:prstDash val="solid"/>
             <a:round/>
-            <a:headEnd len="med" w="med" type="none"/>
-            <a:tailEnd len="med" w="med" type="triangle"/>
+            <a:headEnd type="none" w="med" len="med"/>
+            <a:tailEnd type="triangle" w="med" len="med"/>
           </a:ln>
         </p:spPr>
       </p:cxnSp>
@@ -11654,7 +11699,7 @@
           <p:nvPr/>
         </p:nvCxnSpPr>
         <p:spPr>
-          <a:xfrm flipH="1" rot="10800000">
+          <a:xfrm rot="10800000" flipH="1">
             <a:off x="5450775" y="2300663"/>
             <a:ext cx="587700" cy="13500"/>
           </a:xfrm>
@@ -11662,14 +11707,14 @@
             <a:avLst/>
           </a:prstGeom>
           <a:noFill/>
-          <a:ln cap="flat" cmpd="sng" w="9525">
+          <a:ln w="9525" cap="flat" cmpd="sng">
             <a:solidFill>
               <a:schemeClr val="dk2"/>
             </a:solidFill>
             <a:prstDash val="solid"/>
             <a:round/>
-            <a:headEnd len="med" w="med" type="none"/>
-            <a:tailEnd len="med" w="med" type="triangle"/>
+            <a:headEnd type="none" w="med" len="med"/>
+            <a:tailEnd type="triangle" w="med" len="med"/>
           </a:ln>
         </p:spPr>
       </p:cxnSp>
@@ -11691,14 +11736,14 @@
             <a:avLst/>
           </a:prstGeom>
           <a:noFill/>
-          <a:ln cap="flat" cmpd="sng" w="9525">
+          <a:ln w="9525" cap="flat" cmpd="sng">
             <a:solidFill>
               <a:schemeClr val="dk2"/>
             </a:solidFill>
             <a:prstDash val="solid"/>
             <a:round/>
-            <a:headEnd len="med" w="med" type="none"/>
-            <a:tailEnd len="med" w="med" type="triangle"/>
+            <a:headEnd type="none" w="med" len="med"/>
+            <a:tailEnd type="triangle" w="med" len="med"/>
           </a:ln>
         </p:spPr>
       </p:cxnSp>
@@ -11720,14 +11765,14 @@
             <a:avLst/>
           </a:prstGeom>
           <a:noFill/>
-          <a:ln cap="flat" cmpd="sng" w="9525">
+          <a:ln w="9525" cap="flat" cmpd="sng">
             <a:solidFill>
               <a:schemeClr val="dk2"/>
             </a:solidFill>
             <a:prstDash val="solid"/>
             <a:round/>
-            <a:headEnd len="med" w="med" type="none"/>
-            <a:tailEnd len="med" w="med" type="triangle"/>
+            <a:headEnd type="none" w="med" len="med"/>
+            <a:tailEnd type="triangle" w="med" len="med"/>
           </a:ln>
         </p:spPr>
       </p:cxnSp>
@@ -11741,7 +11786,7 @@
           <p:nvPr/>
         </p:nvCxnSpPr>
         <p:spPr>
-          <a:xfrm flipH="1" rot="10800000">
+          <a:xfrm rot="10800000" flipH="1">
             <a:off x="5450775" y="1316113"/>
             <a:ext cx="587700" cy="2939700"/>
           </a:xfrm>
@@ -11749,14 +11794,14 @@
             <a:avLst/>
           </a:prstGeom>
           <a:noFill/>
-          <a:ln cap="flat" cmpd="sng" w="9525">
+          <a:ln w="9525" cap="flat" cmpd="sng">
             <a:solidFill>
               <a:schemeClr val="dk2"/>
             </a:solidFill>
             <a:prstDash val="solid"/>
             <a:round/>
-            <a:headEnd len="med" w="med" type="none"/>
-            <a:tailEnd len="med" w="med" type="triangle"/>
+            <a:headEnd type="none" w="med" len="med"/>
+            <a:tailEnd type="triangle" w="med" len="med"/>
           </a:ln>
         </p:spPr>
       </p:cxnSp>
@@ -11770,7 +11815,7 @@
           <p:nvPr/>
         </p:nvCxnSpPr>
         <p:spPr>
-          <a:xfrm flipH="1" rot="10800000">
+          <a:xfrm rot="10800000" flipH="1">
             <a:off x="5450775" y="2300713"/>
             <a:ext cx="587700" cy="1955100"/>
           </a:xfrm>
@@ -11778,14 +11823,14 @@
             <a:avLst/>
           </a:prstGeom>
           <a:noFill/>
-          <a:ln cap="flat" cmpd="sng" w="9525">
+          <a:ln w="9525" cap="flat" cmpd="sng">
             <a:solidFill>
               <a:schemeClr val="dk2"/>
             </a:solidFill>
             <a:prstDash val="solid"/>
             <a:round/>
-            <a:headEnd len="med" w="med" type="none"/>
-            <a:tailEnd len="med" w="med" type="triangle"/>
+            <a:headEnd type="none" w="med" len="med"/>
+            <a:tailEnd type="triangle" w="med" len="med"/>
           </a:ln>
         </p:spPr>
       </p:cxnSp>
@@ -11799,7 +11844,7 @@
           <p:nvPr/>
         </p:nvCxnSpPr>
         <p:spPr>
-          <a:xfrm flipH="1" rot="10800000">
+          <a:xfrm rot="10800000" flipH="1">
             <a:off x="5450775" y="3285013"/>
             <a:ext cx="587700" cy="970800"/>
           </a:xfrm>
@@ -11807,14 +11852,14 @@
             <a:avLst/>
           </a:prstGeom>
           <a:noFill/>
-          <a:ln cap="flat" cmpd="sng" w="9525">
+          <a:ln w="9525" cap="flat" cmpd="sng">
             <a:solidFill>
               <a:schemeClr val="dk2"/>
             </a:solidFill>
             <a:prstDash val="solid"/>
             <a:round/>
-            <a:headEnd len="med" w="med" type="none"/>
-            <a:tailEnd len="med" w="med" type="triangle"/>
+            <a:headEnd type="none" w="med" len="med"/>
+            <a:tailEnd type="triangle" w="med" len="med"/>
           </a:ln>
         </p:spPr>
       </p:cxnSp>
@@ -11836,14 +11881,14 @@
             <a:avLst/>
           </a:prstGeom>
           <a:noFill/>
-          <a:ln cap="flat" cmpd="sng" w="9525">
+          <a:ln w="9525" cap="flat" cmpd="sng">
             <a:solidFill>
               <a:schemeClr val="dk2"/>
             </a:solidFill>
             <a:prstDash val="solid"/>
             <a:round/>
-            <a:headEnd len="med" w="med" type="none"/>
-            <a:tailEnd len="med" w="med" type="triangle"/>
+            <a:headEnd type="none" w="med" len="med"/>
+            <a:tailEnd type="triangle" w="med" len="med"/>
           </a:ln>
         </p:spPr>
       </p:cxnSp>
@@ -11865,14 +11910,14 @@
             <a:avLst/>
           </a:prstGeom>
           <a:noFill/>
-          <a:ln cap="flat" cmpd="sng" w="9525">
+          <a:ln w="9525" cap="flat" cmpd="sng">
             <a:solidFill>
               <a:schemeClr val="dk2"/>
             </a:solidFill>
             <a:prstDash val="solid"/>
             <a:round/>
-            <a:headEnd len="med" w="med" type="none"/>
-            <a:tailEnd len="med" w="med" type="triangle"/>
+            <a:headEnd type="none" w="med" len="med"/>
+            <a:tailEnd type="triangle" w="med" len="med"/>
           </a:ln>
         </p:spPr>
       </p:cxnSp>
@@ -11894,14 +11939,14 @@
             <a:avLst/>
           </a:prstGeom>
           <a:noFill/>
-          <a:ln cap="flat" cmpd="sng" w="9525">
+          <a:ln w="9525" cap="flat" cmpd="sng">
             <a:solidFill>
               <a:schemeClr val="dk2"/>
             </a:solidFill>
             <a:prstDash val="solid"/>
             <a:round/>
-            <a:headEnd len="med" w="med" type="none"/>
-            <a:tailEnd len="med" w="med" type="triangle"/>
+            <a:headEnd type="none" w="med" len="med"/>
+            <a:tailEnd type="triangle" w="med" len="med"/>
           </a:ln>
         </p:spPr>
       </p:cxnSp>
@@ -11923,14 +11968,14 @@
             <a:avLst/>
           </a:prstGeom>
           <a:noFill/>
-          <a:ln cap="flat" cmpd="sng" w="9525">
+          <a:ln w="9525" cap="flat" cmpd="sng">
             <a:solidFill>
               <a:schemeClr val="dk2"/>
             </a:solidFill>
             <a:prstDash val="solid"/>
             <a:round/>
-            <a:headEnd len="med" w="med" type="none"/>
-            <a:tailEnd len="med" w="med" type="triangle"/>
+            <a:headEnd type="none" w="med" len="med"/>
+            <a:tailEnd type="triangle" w="med" len="med"/>
           </a:ln>
         </p:spPr>
       </p:cxnSp>
@@ -11943,7 +11988,7 @@
 </file>
 
 <file path=ppt/slides/slide6.xml><?xml version="1.0" encoding="utf-8"?>
-<p:sld xmlns:a="http://schemas.openxmlformats.org/drawingml/2006/main" xmlns:r="http://schemas.openxmlformats.org/officeDocument/2006/relationships" xmlns:mc="http://schemas.openxmlformats.org/markup-compatibility/2006" xmlns:mv="urn:schemas-microsoft-com:mac:vml" xmlns:p="http://schemas.openxmlformats.org/presentationml/2006/main" xmlns:c="http://schemas.openxmlformats.org/drawingml/2006/chart" xmlns:dgm="http://schemas.openxmlformats.org/drawingml/2006/diagram" xmlns:o="urn:schemas-microsoft-com:office:office" xmlns:v="urn:schemas-microsoft-com:vml" xmlns:pvml="urn:schemas-microsoft-com:office:powerpoint" xmlns:com="http://schemas.openxmlformats.org/drawingml/2006/compatibility" xmlns:p14="http://schemas.microsoft.com/office/powerpoint/2010/main" xmlns:p15="http://schemas.microsoft.com/office/powerpoint/2012/main">
+<p:sld xmlns:a="http://schemas.openxmlformats.org/drawingml/2006/main" xmlns:r="http://schemas.openxmlformats.org/officeDocument/2006/relationships" xmlns:p="http://schemas.openxmlformats.org/presentationml/2006/main">
   <p:cSld>
     <p:bg>
       <p:bgPr>
@@ -11952,11 +11997,12 @@
             <a:alpha val="70950"/>
           </a:srgbClr>
         </a:solidFill>
+        <a:effectLst/>
       </p:bgPr>
     </p:bg>
     <p:spTree>
       <p:nvGrpSpPr>
-        <p:cNvPr id="165" name="Shape 165"/>
+        <p:cNvPr id="1" name="Shape 165"/>
         <p:cNvGrpSpPr/>
         <p:nvPr/>
       </p:nvGrpSpPr>
@@ -11971,7 +12017,9 @@
       <p:sp>
         <p:nvSpPr>
           <p:cNvPr id="166" name="Google Shape;166;p18"/>
-          <p:cNvSpPr txBox="1"/>
+          <p:cNvSpPr txBox="1">
+            <a:spLocks noGrp="1"/>
+          </p:cNvSpPr>
           <p:nvPr>
             <p:ph type="title"/>
           </p:nvPr>
@@ -11986,12 +12034,12 @@
           </a:prstGeom>
         </p:spPr>
         <p:txBody>
-          <a:bodyPr anchorCtr="0" anchor="t" bIns="91425" lIns="91425" spcFirstLastPara="1" rIns="91425" wrap="square" tIns="91425">
+          <a:bodyPr spcFirstLastPara="1" wrap="square" lIns="91425" tIns="91425" rIns="91425" bIns="91425" anchor="t" anchorCtr="0">
             <a:noAutofit/>
           </a:bodyPr>
           <a:lstStyle/>
           <a:p>
-            <a:pPr indent="0" lvl="0" marL="0" rtl="0" algn="l">
+            <a:pPr marL="0" lvl="0" indent="0" algn="l" rtl="0">
               <a:spcBef>
                 <a:spcPts val="0"/>
               </a:spcBef>
@@ -12001,7 +12049,7 @@
               <a:buNone/>
             </a:pPr>
             <a:r>
-              <a:rPr b="1" lang="en">
+              <a:rPr lang="en" b="1">
                 <a:solidFill>
                   <a:srgbClr val="434343"/>
                 </a:solidFill>
@@ -12027,9 +12075,11 @@
       <p:sp>
         <p:nvSpPr>
           <p:cNvPr id="167" name="Google Shape;167;p18"/>
-          <p:cNvSpPr txBox="1"/>
+          <p:cNvSpPr txBox="1">
+            <a:spLocks noGrp="1"/>
+          </p:cNvSpPr>
           <p:nvPr>
-            <p:ph idx="1" type="body"/>
+            <p:ph type="body" idx="1"/>
           </p:nvPr>
         </p:nvSpPr>
         <p:spPr>
@@ -12042,12 +12092,12 @@
           </a:prstGeom>
         </p:spPr>
         <p:txBody>
-          <a:bodyPr anchorCtr="0" anchor="t" bIns="91425" lIns="91425" spcFirstLastPara="1" rIns="91425" wrap="square" tIns="91425">
+          <a:bodyPr spcFirstLastPara="1" wrap="square" lIns="91425" tIns="91425" rIns="91425" bIns="91425" anchor="t" anchorCtr="0">
             <a:noAutofit/>
           </a:bodyPr>
           <a:lstStyle/>
           <a:p>
-            <a:pPr indent="-355600" lvl="0" marL="457200" rtl="0" algn="l">
+            <a:pPr marL="457200" lvl="0" indent="-355600" algn="l" rtl="0">
               <a:spcBef>
                 <a:spcPts val="0"/>
               </a:spcBef>
@@ -12084,7 +12134,7 @@
             </a:endParaRPr>
           </a:p>
           <a:p>
-            <a:pPr indent="-355600" lvl="1" marL="914400" rtl="0" algn="l">
+            <a:pPr marL="914400" lvl="1" indent="-355600" algn="l" rtl="0">
               <a:spcBef>
                 <a:spcPts val="0"/>
               </a:spcBef>
@@ -12121,7 +12171,7 @@
             </a:endParaRPr>
           </a:p>
           <a:p>
-            <a:pPr indent="-355600" lvl="1" marL="914400" rtl="0" algn="l">
+            <a:pPr marL="914400" lvl="1" indent="-355600" algn="l" rtl="0">
               <a:lnSpc>
                 <a:spcPct val="114000"/>
               </a:lnSpc>
@@ -12161,7 +12211,7 @@
             </a:endParaRPr>
           </a:p>
           <a:p>
-            <a:pPr indent="-355600" lvl="0" marL="457200" rtl="0" algn="l">
+            <a:pPr marL="457200" lvl="0" indent="-355600" algn="l" rtl="0">
               <a:spcBef>
                 <a:spcPts val="500"/>
               </a:spcBef>
@@ -12198,7 +12248,7 @@
             </a:endParaRPr>
           </a:p>
           <a:p>
-            <a:pPr indent="-355600" lvl="1" marL="914400" rtl="0" algn="l">
+            <a:pPr marL="914400" lvl="1" indent="-355600" algn="l" rtl="0">
               <a:spcBef>
                 <a:spcPts val="0"/>
               </a:spcBef>
@@ -12235,7 +12285,7 @@
             </a:endParaRPr>
           </a:p>
           <a:p>
-            <a:pPr indent="-355600" lvl="1" marL="914400" rtl="0" algn="l">
+            <a:pPr marL="914400" lvl="1" indent="-355600" algn="l" rtl="0">
               <a:spcBef>
                 <a:spcPts val="0"/>
               </a:spcBef>
@@ -12356,27 +12406,27 @@
             </a:xfrm>
             <a:prstGeom prst="roundRect">
               <a:avLst>
-                <a:gd fmla="val 16667" name="adj"/>
+                <a:gd name="adj" fmla="val 16667"/>
               </a:avLst>
             </a:prstGeom>
             <a:noFill/>
-            <a:ln cap="flat" cmpd="sng" w="19050">
+            <a:ln w="19050" cap="flat" cmpd="sng">
               <a:solidFill>
                 <a:srgbClr val="FF0000"/>
               </a:solidFill>
               <a:prstDash val="solid"/>
               <a:round/>
-              <a:headEnd len="sm" w="sm" type="none"/>
-              <a:tailEnd len="sm" w="sm" type="none"/>
+              <a:headEnd type="none" w="sm" len="sm"/>
+              <a:tailEnd type="none" w="sm" len="sm"/>
             </a:ln>
           </p:spPr>
           <p:txBody>
-            <a:bodyPr anchorCtr="0" anchor="ctr" bIns="91425" lIns="91425" spcFirstLastPara="1" rIns="91425" wrap="square" tIns="91425">
+            <a:bodyPr spcFirstLastPara="1" wrap="square" lIns="91425" tIns="91425" rIns="91425" bIns="91425" anchor="ctr" anchorCtr="0">
               <a:noAutofit/>
             </a:bodyPr>
             <a:lstStyle/>
             <a:p>
-              <a:pPr indent="0" lvl="0" marL="0" rtl="0" algn="l">
+              <a:pPr marL="0" lvl="0" indent="0" algn="l" rtl="0">
                 <a:spcBef>
                   <a:spcPts val="0"/>
                 </a:spcBef>
@@ -12385,9 +12435,6 @@
                 </a:spcAft>
                 <a:buNone/>
               </a:pPr>
-              <a:r>
-                <a:t/>
-              </a:r>
               <a:endParaRPr/>
             </a:p>
           </p:txBody>
@@ -12415,12 +12462,12 @@
           </a:ln>
         </p:spPr>
         <p:txBody>
-          <a:bodyPr anchorCtr="0" anchor="ctr" bIns="91425" lIns="91425" spcFirstLastPara="1" rIns="91425" wrap="square" tIns="91425">
+          <a:bodyPr spcFirstLastPara="1" wrap="square" lIns="91425" tIns="91425" rIns="91425" bIns="91425" anchor="ctr" anchorCtr="0">
             <a:noAutofit/>
           </a:bodyPr>
           <a:lstStyle/>
           <a:p>
-            <a:pPr indent="0" lvl="0" marL="0" rtl="0" algn="l">
+            <a:pPr marL="0" lvl="0" indent="0" algn="l" rtl="0">
               <a:spcBef>
                 <a:spcPts val="0"/>
               </a:spcBef>
@@ -12429,9 +12476,6 @@
               </a:spcAft>
               <a:buNone/>
             </a:pPr>
-            <a:r>
-              <a:t/>
-            </a:r>
             <a:endParaRPr/>
           </a:p>
         </p:txBody>
@@ -12444,32 +12488,32 @@
   <p:timing>
     <p:tnLst>
       <p:par>
-        <p:cTn dur="indefinite" nodeType="tmRoot" restart="never">
+        <p:cTn id="1" dur="indefinite" restart="never" nodeType="tmRoot">
           <p:childTnLst>
             <p:seq concurrent="1" nextAc="seek">
-              <p:cTn dur="indefinite" id="2" nodeType="mainSeq">
+              <p:cTn id="2" dur="indefinite" nodeType="mainSeq">
                 <p:childTnLst>
                   <p:par>
-                    <p:cTn fill="hold">
+                    <p:cTn id="3" fill="hold">
                       <p:stCondLst>
                         <p:cond delay="indefinite"/>
                       </p:stCondLst>
                       <p:childTnLst>
                         <p:par>
-                          <p:cTn fill="hold">
+                          <p:cTn id="4" fill="hold">
                             <p:stCondLst>
                               <p:cond delay="0"/>
                             </p:stCondLst>
                             <p:childTnLst>
                               <p:par>
-                                <p:cTn fill="hold" nodeType="clickEffect" presetClass="entr" presetID="10" presetSubtype="0">
+                                <p:cTn id="5" presetID="10" presetClass="entr" presetSubtype="0" fill="hold" nodeType="clickEffect">
                                   <p:stCondLst>
                                     <p:cond delay="0"/>
                                   </p:stCondLst>
                                   <p:childTnLst>
                                     <p:set>
                                       <p:cBhvr>
-                                        <p:cTn dur="1" fill="hold">
+                                        <p:cTn id="6" dur="1" fill="hold">
                                           <p:stCondLst>
                                             <p:cond delay="0"/>
                                           </p:stCondLst>
@@ -12485,9 +12529,9 @@
                                         <p:strVal val="visible"/>
                                       </p:to>
                                     </p:set>
-                                    <p:animEffect filter="fade" transition="in">
+                                    <p:animEffect transition="in" filter="fade">
                                       <p:cBhvr>
-                                        <p:cTn dur="500"/>
+                                        <p:cTn id="7" dur="500"/>
                                         <p:tgtEl>
                                           <p:spTgt spid="172"/>
                                         </p:tgtEl>
@@ -12505,14 +12549,14 @@
                 </p:childTnLst>
               </p:cTn>
               <p:prevCondLst>
-                <p:cond evt="onPrev">
+                <p:cond evt="onPrev" delay="0">
                   <p:tgtEl>
                     <p:sldTgt/>
                   </p:tgtEl>
                 </p:cond>
               </p:prevCondLst>
               <p:nextCondLst>
-                <p:cond evt="onNext">
+                <p:cond evt="onNext" delay="0">
                   <p:tgtEl>
                     <p:sldTgt/>
                   </p:tgtEl>
@@ -12528,7 +12572,7 @@
 </file>
 
 <file path=ppt/slides/slide7.xml><?xml version="1.0" encoding="utf-8"?>
-<p:sld xmlns:a="http://schemas.openxmlformats.org/drawingml/2006/main" xmlns:r="http://schemas.openxmlformats.org/officeDocument/2006/relationships" xmlns:mc="http://schemas.openxmlformats.org/markup-compatibility/2006" xmlns:mv="urn:schemas-microsoft-com:mac:vml" xmlns:p="http://schemas.openxmlformats.org/presentationml/2006/main" xmlns:c="http://schemas.openxmlformats.org/drawingml/2006/chart" xmlns:dgm="http://schemas.openxmlformats.org/drawingml/2006/diagram" xmlns:o="urn:schemas-microsoft-com:office:office" xmlns:v="urn:schemas-microsoft-com:vml" xmlns:pvml="urn:schemas-microsoft-com:office:powerpoint" xmlns:com="http://schemas.openxmlformats.org/drawingml/2006/compatibility" xmlns:p14="http://schemas.microsoft.com/office/powerpoint/2010/main" xmlns:p15="http://schemas.microsoft.com/office/powerpoint/2012/main">
+<p:sld xmlns:a="http://schemas.openxmlformats.org/drawingml/2006/main" xmlns:r="http://schemas.openxmlformats.org/officeDocument/2006/relationships" xmlns:p="http://schemas.openxmlformats.org/presentationml/2006/main">
   <p:cSld>
     <p:bg>
       <p:bgPr>
@@ -12537,11 +12581,12 @@
             <a:alpha val="70950"/>
           </a:srgbClr>
         </a:solidFill>
+        <a:effectLst/>
       </p:bgPr>
     </p:bg>
     <p:spTree>
       <p:nvGrpSpPr>
-        <p:cNvPr id="176" name="Shape 176"/>
+        <p:cNvPr id="1" name="Shape 176"/>
         <p:cNvGrpSpPr/>
         <p:nvPr/>
       </p:nvGrpSpPr>
@@ -12556,7 +12601,9 @@
       <p:sp>
         <p:nvSpPr>
           <p:cNvPr id="177" name="Google Shape;177;p19"/>
-          <p:cNvSpPr txBox="1"/>
+          <p:cNvSpPr txBox="1">
+            <a:spLocks noGrp="1"/>
+          </p:cNvSpPr>
           <p:nvPr>
             <p:ph type="title"/>
           </p:nvPr>
@@ -12571,12 +12618,12 @@
           </a:prstGeom>
         </p:spPr>
         <p:txBody>
-          <a:bodyPr anchorCtr="0" anchor="t" bIns="91425" lIns="91425" spcFirstLastPara="1" rIns="91425" wrap="square" tIns="91425">
+          <a:bodyPr spcFirstLastPara="1" wrap="square" lIns="91425" tIns="91425" rIns="91425" bIns="91425" anchor="t" anchorCtr="0">
             <a:noAutofit/>
           </a:bodyPr>
           <a:lstStyle/>
           <a:p>
-            <a:pPr indent="0" lvl="0" marL="0" rtl="0" algn="l">
+            <a:pPr marL="0" lvl="0" indent="0" algn="l" rtl="0">
               <a:spcBef>
                 <a:spcPts val="0"/>
               </a:spcBef>
@@ -12586,7 +12633,7 @@
               <a:buNone/>
             </a:pPr>
             <a:r>
-              <a:rPr b="1" lang="en">
+              <a:rPr lang="en" b="1">
                 <a:solidFill>
                   <a:srgbClr val="434343"/>
                 </a:solidFill>
@@ -12612,9 +12659,11 @@
       <p:sp>
         <p:nvSpPr>
           <p:cNvPr id="178" name="Google Shape;178;p19"/>
-          <p:cNvSpPr txBox="1"/>
+          <p:cNvSpPr txBox="1">
+            <a:spLocks noGrp="1"/>
+          </p:cNvSpPr>
           <p:nvPr>
-            <p:ph idx="1" type="body"/>
+            <p:ph type="body" idx="1"/>
           </p:nvPr>
         </p:nvSpPr>
         <p:spPr>
@@ -12627,12 +12676,12 @@
           </a:prstGeom>
         </p:spPr>
         <p:txBody>
-          <a:bodyPr anchorCtr="0" anchor="t" bIns="91425" lIns="91425" spcFirstLastPara="1" rIns="91425" wrap="square" tIns="91425">
+          <a:bodyPr spcFirstLastPara="1" wrap="square" lIns="91425" tIns="91425" rIns="91425" bIns="91425" anchor="t" anchorCtr="0">
             <a:noAutofit/>
           </a:bodyPr>
           <a:lstStyle/>
           <a:p>
-            <a:pPr indent="-355600" lvl="0" marL="457200" rtl="0" algn="l">
+            <a:pPr marL="457200" lvl="0" indent="-355600" algn="l" rtl="0">
               <a:lnSpc>
                 <a:spcPct val="114000"/>
               </a:lnSpc>
@@ -12672,7 +12721,7 @@
             </a:endParaRPr>
           </a:p>
           <a:p>
-            <a:pPr indent="-355600" lvl="0" marL="457200" rtl="0" algn="l">
+            <a:pPr marL="457200" lvl="0" indent="-355600" algn="l" rtl="0">
               <a:spcBef>
                 <a:spcPts val="500"/>
               </a:spcBef>
@@ -12747,7 +12796,7 @@
 </file>
 
 <file path=ppt/slides/slide8.xml><?xml version="1.0" encoding="utf-8"?>
-<p:sld xmlns:a="http://schemas.openxmlformats.org/drawingml/2006/main" xmlns:r="http://schemas.openxmlformats.org/officeDocument/2006/relationships" xmlns:mc="http://schemas.openxmlformats.org/markup-compatibility/2006" xmlns:mv="urn:schemas-microsoft-com:mac:vml" xmlns:p="http://schemas.openxmlformats.org/presentationml/2006/main" xmlns:c="http://schemas.openxmlformats.org/drawingml/2006/chart" xmlns:dgm="http://schemas.openxmlformats.org/drawingml/2006/diagram" xmlns:o="urn:schemas-microsoft-com:office:office" xmlns:v="urn:schemas-microsoft-com:vml" xmlns:pvml="urn:schemas-microsoft-com:office:powerpoint" xmlns:com="http://schemas.openxmlformats.org/drawingml/2006/compatibility" xmlns:p14="http://schemas.microsoft.com/office/powerpoint/2010/main" xmlns:p15="http://schemas.microsoft.com/office/powerpoint/2012/main">
+<p:sld xmlns:a="http://schemas.openxmlformats.org/drawingml/2006/main" xmlns:r="http://schemas.openxmlformats.org/officeDocument/2006/relationships" xmlns:p="http://schemas.openxmlformats.org/presentationml/2006/main">
   <p:cSld>
     <p:bg>
       <p:bgPr>
@@ -12756,11 +12805,12 @@
             <a:alpha val="70950"/>
           </a:srgbClr>
         </a:solidFill>
+        <a:effectLst/>
       </p:bgPr>
     </p:bg>
     <p:spTree>
       <p:nvGrpSpPr>
-        <p:cNvPr id="183" name="Shape 183"/>
+        <p:cNvPr id="1" name="Shape 183"/>
         <p:cNvGrpSpPr/>
         <p:nvPr/>
       </p:nvGrpSpPr>
@@ -12809,7 +12859,288 @@
 </file>
 
 <file path=ppt/theme/theme1.xml><?xml version="1.0" encoding="utf-8"?>
-<a:theme xmlns:a="http://schemas.openxmlformats.org/drawingml/2006/main" xmlns:r="http://schemas.openxmlformats.org/officeDocument/2006/relationships">
+<a:theme xmlns:a="http://schemas.openxmlformats.org/drawingml/2006/main" name="Simple Dark">
+  <a:themeElements>
+    <a:clrScheme name="Simple Dark">
+      <a:dk1>
+        <a:srgbClr val="FFFFFF"/>
+      </a:dk1>
+      <a:lt1>
+        <a:srgbClr val="212121"/>
+      </a:lt1>
+      <a:dk2>
+        <a:srgbClr val="303030"/>
+      </a:dk2>
+      <a:lt2>
+        <a:srgbClr val="ADADAD"/>
+      </a:lt2>
+      <a:accent1>
+        <a:srgbClr val="009688"/>
+      </a:accent1>
+      <a:accent2>
+        <a:srgbClr val="EEEEEE"/>
+      </a:accent2>
+      <a:accent3>
+        <a:srgbClr val="78909C"/>
+      </a:accent3>
+      <a:accent4>
+        <a:srgbClr val="FFAB40"/>
+      </a:accent4>
+      <a:accent5>
+        <a:srgbClr val="4DD0E1"/>
+      </a:accent5>
+      <a:accent6>
+        <a:srgbClr val="EEFF41"/>
+      </a:accent6>
+      <a:hlink>
+        <a:srgbClr val="4DD0E1"/>
+      </a:hlink>
+      <a:folHlink>
+        <a:srgbClr val="4DD0E1"/>
+      </a:folHlink>
+    </a:clrScheme>
+    <a:fontScheme name="Office">
+      <a:majorFont>
+        <a:latin typeface="Arial"/>
+        <a:ea typeface=""/>
+        <a:cs typeface=""/>
+        <a:font script="Jpan" typeface="ＭＳ Ｐゴシック"/>
+        <a:font script="Hang" typeface="맑은 고딕"/>
+        <a:font script="Hans" typeface="宋体"/>
+        <a:font script="Hant" typeface="新細明體"/>
+        <a:font script="Arab" typeface="Times New Roman"/>
+        <a:font script="Hebr" typeface="Times New Roman"/>
+        <a:font script="Thai" typeface="Angsana New"/>
+        <a:font script="Ethi" typeface="Nyala"/>
+        <a:font script="Beng" typeface="Vrinda"/>
+        <a:font script="Gujr" typeface="Shruti"/>
+        <a:font script="Khmr" typeface="MoolBoran"/>
+        <a:font script="Knda" typeface="Tunga"/>
+        <a:font script="Guru" typeface="Raavi"/>
+        <a:font script="Cans" typeface="Euphemia"/>
+        <a:font script="Cher" typeface="Plantagenet Cherokee"/>
+        <a:font script="Yiii" typeface="Microsoft Yi Baiti"/>
+        <a:font script="Tibt" typeface="Microsoft Himalaya"/>
+        <a:font script="Thaa" typeface="MV Boli"/>
+        <a:font script="Deva" typeface="Mangal"/>
+        <a:font script="Telu" typeface="Gautami"/>
+        <a:font script="Taml" typeface="Latha"/>
+        <a:font script="Syrc" typeface="Estrangelo Edessa"/>
+        <a:font script="Orya" typeface="Kalinga"/>
+        <a:font script="Mlym" typeface="Kartika"/>
+        <a:font script="Laoo" typeface="DokChampa"/>
+        <a:font script="Sinh" typeface="Iskoola Pota"/>
+        <a:font script="Mong" typeface="Mongolian Baiti"/>
+        <a:font script="Viet" typeface="Times New Roman"/>
+        <a:font script="Uigh" typeface="Microsoft Uighur"/>
+        <a:font script="Geor" typeface="Sylfaen"/>
+      </a:majorFont>
+      <a:minorFont>
+        <a:latin typeface="Arial"/>
+        <a:ea typeface=""/>
+        <a:cs typeface=""/>
+        <a:font script="Jpan" typeface="ＭＳ Ｐゴシック"/>
+        <a:font script="Hang" typeface="맑은 고딕"/>
+        <a:font script="Hans" typeface="宋体"/>
+        <a:font script="Hant" typeface="新細明體"/>
+        <a:font script="Arab" typeface="Arial"/>
+        <a:font script="Hebr" typeface="Arial"/>
+        <a:font script="Thai" typeface="Cordia New"/>
+        <a:font script="Ethi" typeface="Nyala"/>
+        <a:font script="Beng" typeface="Vrinda"/>
+        <a:font script="Gujr" typeface="Shruti"/>
+        <a:font script="Khmr" typeface="DaunPenh"/>
+        <a:font script="Knda" typeface="Tunga"/>
+        <a:font script="Guru" typeface="Raavi"/>
+        <a:font script="Cans" typeface="Euphemia"/>
+        <a:font script="Cher" typeface="Plantagenet Cherokee"/>
+        <a:font script="Yiii" typeface="Microsoft Yi Baiti"/>
+        <a:font script="Tibt" typeface="Microsoft Himalaya"/>
+        <a:font script="Thaa" typeface="MV Boli"/>
+        <a:font script="Deva" typeface="Mangal"/>
+        <a:font script="Telu" typeface="Gautami"/>
+        <a:font script="Taml" typeface="Latha"/>
+        <a:font script="Syrc" typeface="Estrangelo Edessa"/>
+        <a:font script="Orya" typeface="Kalinga"/>
+        <a:font script="Mlym" typeface="Kartika"/>
+        <a:font script="Laoo" typeface="DokChampa"/>
+        <a:font script="Sinh" typeface="Iskoola Pota"/>
+        <a:font script="Mong" typeface="Mongolian Baiti"/>
+        <a:font script="Viet" typeface="Arial"/>
+        <a:font script="Uigh" typeface="Microsoft Uighur"/>
+        <a:font script="Geor" typeface="Sylfaen"/>
+      </a:minorFont>
+    </a:fontScheme>
+    <a:fmtScheme name="Office">
+      <a:fillStyleLst>
+        <a:solidFill>
+          <a:schemeClr val="phClr"/>
+        </a:solidFill>
+        <a:gradFill rotWithShape="1">
+          <a:gsLst>
+            <a:gs pos="0">
+              <a:schemeClr val="phClr">
+                <a:tint val="50000"/>
+                <a:satMod val="300000"/>
+              </a:schemeClr>
+            </a:gs>
+            <a:gs pos="35000">
+              <a:schemeClr val="phClr">
+                <a:tint val="37000"/>
+                <a:satMod val="300000"/>
+              </a:schemeClr>
+            </a:gs>
+            <a:gs pos="100000">
+              <a:schemeClr val="phClr">
+                <a:tint val="15000"/>
+                <a:satMod val="350000"/>
+              </a:schemeClr>
+            </a:gs>
+          </a:gsLst>
+          <a:lin ang="16200000" scaled="1"/>
+        </a:gradFill>
+        <a:gradFill rotWithShape="1">
+          <a:gsLst>
+            <a:gs pos="0">
+              <a:schemeClr val="phClr">
+                <a:tint val="100000"/>
+                <a:shade val="100000"/>
+                <a:satMod val="130000"/>
+              </a:schemeClr>
+            </a:gs>
+            <a:gs pos="100000">
+              <a:schemeClr val="phClr">
+                <a:tint val="50000"/>
+                <a:shade val="100000"/>
+                <a:satMod val="350000"/>
+              </a:schemeClr>
+            </a:gs>
+          </a:gsLst>
+          <a:lin ang="16200000" scaled="0"/>
+        </a:gradFill>
+      </a:fillStyleLst>
+      <a:lnStyleLst>
+        <a:ln w="9525" cap="flat" cmpd="sng" algn="ctr">
+          <a:solidFill>
+            <a:schemeClr val="phClr">
+              <a:shade val="95000"/>
+              <a:satMod val="105000"/>
+            </a:schemeClr>
+          </a:solidFill>
+          <a:prstDash val="solid"/>
+        </a:ln>
+        <a:ln w="25400" cap="flat" cmpd="sng" algn="ctr">
+          <a:solidFill>
+            <a:schemeClr val="phClr"/>
+          </a:solidFill>
+          <a:prstDash val="solid"/>
+        </a:ln>
+        <a:ln w="38100" cap="flat" cmpd="sng" algn="ctr">
+          <a:solidFill>
+            <a:schemeClr val="phClr"/>
+          </a:solidFill>
+          <a:prstDash val="solid"/>
+        </a:ln>
+      </a:lnStyleLst>
+      <a:effectStyleLst>
+        <a:effectStyle>
+          <a:effectLst>
+            <a:outerShdw blurRad="40000" dist="20000" dir="5400000" rotWithShape="0">
+              <a:srgbClr val="000000">
+                <a:alpha val="38000"/>
+              </a:srgbClr>
+            </a:outerShdw>
+          </a:effectLst>
+        </a:effectStyle>
+        <a:effectStyle>
+          <a:effectLst>
+            <a:outerShdw blurRad="40000" dist="23000" dir="5400000" rotWithShape="0">
+              <a:srgbClr val="000000">
+                <a:alpha val="35000"/>
+              </a:srgbClr>
+            </a:outerShdw>
+          </a:effectLst>
+        </a:effectStyle>
+        <a:effectStyle>
+          <a:effectLst>
+            <a:outerShdw blurRad="40000" dist="23000" dir="5400000" rotWithShape="0">
+              <a:srgbClr val="000000">
+                <a:alpha val="35000"/>
+              </a:srgbClr>
+            </a:outerShdw>
+          </a:effectLst>
+          <a:scene3d>
+            <a:camera prst="orthographicFront">
+              <a:rot lat="0" lon="0" rev="0"/>
+            </a:camera>
+            <a:lightRig rig="threePt" dir="t">
+              <a:rot lat="0" lon="0" rev="1200000"/>
+            </a:lightRig>
+          </a:scene3d>
+          <a:sp3d>
+            <a:bevelT w="63500" h="25400"/>
+          </a:sp3d>
+        </a:effectStyle>
+      </a:effectStyleLst>
+      <a:bgFillStyleLst>
+        <a:solidFill>
+          <a:schemeClr val="phClr"/>
+        </a:solidFill>
+        <a:gradFill rotWithShape="1">
+          <a:gsLst>
+            <a:gs pos="0">
+              <a:schemeClr val="phClr">
+                <a:tint val="40000"/>
+                <a:satMod val="350000"/>
+              </a:schemeClr>
+            </a:gs>
+            <a:gs pos="40000">
+              <a:schemeClr val="phClr">
+                <a:tint val="45000"/>
+                <a:shade val="99000"/>
+                <a:satMod val="350000"/>
+              </a:schemeClr>
+            </a:gs>
+            <a:gs pos="100000">
+              <a:schemeClr val="phClr">
+                <a:shade val="20000"/>
+                <a:satMod val="255000"/>
+              </a:schemeClr>
+            </a:gs>
+          </a:gsLst>
+          <a:path path="circle">
+            <a:fillToRect l="50000" t="-80000" r="50000" b="180000"/>
+          </a:path>
+        </a:gradFill>
+        <a:gradFill rotWithShape="1">
+          <a:gsLst>
+            <a:gs pos="0">
+              <a:schemeClr val="phClr">
+                <a:tint val="80000"/>
+                <a:satMod val="300000"/>
+              </a:schemeClr>
+            </a:gs>
+            <a:gs pos="100000">
+              <a:schemeClr val="phClr">
+                <a:shade val="30000"/>
+                <a:satMod val="200000"/>
+              </a:schemeClr>
+            </a:gs>
+          </a:gsLst>
+          <a:path path="circle">
+            <a:fillToRect l="50000" t="50000" r="50000" b="50000"/>
+          </a:path>
+        </a:gradFill>
+      </a:bgFillStyleLst>
+    </a:fmtScheme>
+  </a:themeElements>
+  <a:objectDefaults/>
+  <a:extraClrSchemeLst/>
+</a:theme>
+</file>
+
+<file path=ppt/theme/theme2.xml><?xml version="1.0" encoding="utf-8"?>
+<a:theme xmlns:a="http://schemas.openxmlformats.org/drawingml/2006/main">
   <a:themeElements>
     <a:clrScheme name="Default">
       <a:dk1>
@@ -13084,284 +13415,7 @@
       </a:bgFillStyleLst>
     </a:fmtScheme>
   </a:themeElements>
-</a:theme>
-</file>
-
-<file path=ppt/theme/theme2.xml><?xml version="1.0" encoding="utf-8"?>
-<a:theme xmlns:a="http://schemas.openxmlformats.org/drawingml/2006/main" xmlns:r="http://schemas.openxmlformats.org/officeDocument/2006/relationships" name="Simple Dark">
-  <a:themeElements>
-    <a:clrScheme name="Simple Dark">
-      <a:dk1>
-        <a:srgbClr val="FFFFFF"/>
-      </a:dk1>
-      <a:lt1>
-        <a:srgbClr val="212121"/>
-      </a:lt1>
-      <a:dk2>
-        <a:srgbClr val="303030"/>
-      </a:dk2>
-      <a:lt2>
-        <a:srgbClr val="ADADAD"/>
-      </a:lt2>
-      <a:accent1>
-        <a:srgbClr val="009688"/>
-      </a:accent1>
-      <a:accent2>
-        <a:srgbClr val="EEEEEE"/>
-      </a:accent2>
-      <a:accent3>
-        <a:srgbClr val="78909C"/>
-      </a:accent3>
-      <a:accent4>
-        <a:srgbClr val="FFAB40"/>
-      </a:accent4>
-      <a:accent5>
-        <a:srgbClr val="4DD0E1"/>
-      </a:accent5>
-      <a:accent6>
-        <a:srgbClr val="EEFF41"/>
-      </a:accent6>
-      <a:hlink>
-        <a:srgbClr val="4DD0E1"/>
-      </a:hlink>
-      <a:folHlink>
-        <a:srgbClr val="4DD0E1"/>
-      </a:folHlink>
-    </a:clrScheme>
-    <a:fontScheme name="Office">
-      <a:majorFont>
-        <a:latin typeface="Arial"/>
-        <a:ea typeface=""/>
-        <a:cs typeface=""/>
-        <a:font script="Jpan" typeface="ＭＳ Ｐゴシック"/>
-        <a:font script="Hang" typeface="맑은 고딕"/>
-        <a:font script="Hans" typeface="宋体"/>
-        <a:font script="Hant" typeface="新細明體"/>
-        <a:font script="Arab" typeface="Times New Roman"/>
-        <a:font script="Hebr" typeface="Times New Roman"/>
-        <a:font script="Thai" typeface="Angsana New"/>
-        <a:font script="Ethi" typeface="Nyala"/>
-        <a:font script="Beng" typeface="Vrinda"/>
-        <a:font script="Gujr" typeface="Shruti"/>
-        <a:font script="Khmr" typeface="MoolBoran"/>
-        <a:font script="Knda" typeface="Tunga"/>
-        <a:font script="Guru" typeface="Raavi"/>
-        <a:font script="Cans" typeface="Euphemia"/>
-        <a:font script="Cher" typeface="Plantagenet Cherokee"/>
-        <a:font script="Yiii" typeface="Microsoft Yi Baiti"/>
-        <a:font script="Tibt" typeface="Microsoft Himalaya"/>
-        <a:font script="Thaa" typeface="MV Boli"/>
-        <a:font script="Deva" typeface="Mangal"/>
-        <a:font script="Telu" typeface="Gautami"/>
-        <a:font script="Taml" typeface="Latha"/>
-        <a:font script="Syrc" typeface="Estrangelo Edessa"/>
-        <a:font script="Orya" typeface="Kalinga"/>
-        <a:font script="Mlym" typeface="Kartika"/>
-        <a:font script="Laoo" typeface="DokChampa"/>
-        <a:font script="Sinh" typeface="Iskoola Pota"/>
-        <a:font script="Mong" typeface="Mongolian Baiti"/>
-        <a:font script="Viet" typeface="Times New Roman"/>
-        <a:font script="Uigh" typeface="Microsoft Uighur"/>
-        <a:font script="Geor" typeface="Sylfaen"/>
-      </a:majorFont>
-      <a:minorFont>
-        <a:latin typeface="Arial"/>
-        <a:ea typeface=""/>
-        <a:cs typeface=""/>
-        <a:font script="Jpan" typeface="ＭＳ Ｐゴシック"/>
-        <a:font script="Hang" typeface="맑은 고딕"/>
-        <a:font script="Hans" typeface="宋体"/>
-        <a:font script="Hant" typeface="新細明體"/>
-        <a:font script="Arab" typeface="Arial"/>
-        <a:font script="Hebr" typeface="Arial"/>
-        <a:font script="Thai" typeface="Cordia New"/>
-        <a:font script="Ethi" typeface="Nyala"/>
-        <a:font script="Beng" typeface="Vrinda"/>
-        <a:font script="Gujr" typeface="Shruti"/>
-        <a:font script="Khmr" typeface="DaunPenh"/>
-        <a:font script="Knda" typeface="Tunga"/>
-        <a:font script="Guru" typeface="Raavi"/>
-        <a:font script="Cans" typeface="Euphemia"/>
-        <a:font script="Cher" typeface="Plantagenet Cherokee"/>
-        <a:font script="Yiii" typeface="Microsoft Yi Baiti"/>
-        <a:font script="Tibt" typeface="Microsoft Himalaya"/>
-        <a:font script="Thaa" typeface="MV Boli"/>
-        <a:font script="Deva" typeface="Mangal"/>
-        <a:font script="Telu" typeface="Gautami"/>
-        <a:font script="Taml" typeface="Latha"/>
-        <a:font script="Syrc" typeface="Estrangelo Edessa"/>
-        <a:font script="Orya" typeface="Kalinga"/>
-        <a:font script="Mlym" typeface="Kartika"/>
-        <a:font script="Laoo" typeface="DokChampa"/>
-        <a:font script="Sinh" typeface="Iskoola Pota"/>
-        <a:font script="Mong" typeface="Mongolian Baiti"/>
-        <a:font script="Viet" typeface="Arial"/>
-        <a:font script="Uigh" typeface="Microsoft Uighur"/>
-        <a:font script="Geor" typeface="Sylfaen"/>
-      </a:minorFont>
-    </a:fontScheme>
-    <a:fmtScheme name="Office">
-      <a:fillStyleLst>
-        <a:solidFill>
-          <a:schemeClr val="phClr"/>
-        </a:solidFill>
-        <a:gradFill rotWithShape="1">
-          <a:gsLst>
-            <a:gs pos="0">
-              <a:schemeClr val="phClr">
-                <a:tint val="50000"/>
-                <a:satMod val="300000"/>
-              </a:schemeClr>
-            </a:gs>
-            <a:gs pos="35000">
-              <a:schemeClr val="phClr">
-                <a:tint val="37000"/>
-                <a:satMod val="300000"/>
-              </a:schemeClr>
-            </a:gs>
-            <a:gs pos="100000">
-              <a:schemeClr val="phClr">
-                <a:tint val="15000"/>
-                <a:satMod val="350000"/>
-              </a:schemeClr>
-            </a:gs>
-          </a:gsLst>
-          <a:lin ang="16200000" scaled="1"/>
-        </a:gradFill>
-        <a:gradFill rotWithShape="1">
-          <a:gsLst>
-            <a:gs pos="0">
-              <a:schemeClr val="phClr">
-                <a:tint val="100000"/>
-                <a:shade val="100000"/>
-                <a:satMod val="130000"/>
-              </a:schemeClr>
-            </a:gs>
-            <a:gs pos="100000">
-              <a:schemeClr val="phClr">
-                <a:tint val="50000"/>
-                <a:shade val="100000"/>
-                <a:satMod val="350000"/>
-              </a:schemeClr>
-            </a:gs>
-          </a:gsLst>
-          <a:lin ang="16200000" scaled="0"/>
-        </a:gradFill>
-      </a:fillStyleLst>
-      <a:lnStyleLst>
-        <a:ln w="9525" cap="flat" cmpd="sng" algn="ctr">
-          <a:solidFill>
-            <a:schemeClr val="phClr">
-              <a:shade val="95000"/>
-              <a:satMod val="105000"/>
-            </a:schemeClr>
-          </a:solidFill>
-          <a:prstDash val="solid"/>
-        </a:ln>
-        <a:ln w="25400" cap="flat" cmpd="sng" algn="ctr">
-          <a:solidFill>
-            <a:schemeClr val="phClr"/>
-          </a:solidFill>
-          <a:prstDash val="solid"/>
-        </a:ln>
-        <a:ln w="38100" cap="flat" cmpd="sng" algn="ctr">
-          <a:solidFill>
-            <a:schemeClr val="phClr"/>
-          </a:solidFill>
-          <a:prstDash val="solid"/>
-        </a:ln>
-      </a:lnStyleLst>
-      <a:effectStyleLst>
-        <a:effectStyle>
-          <a:effectLst>
-            <a:outerShdw blurRad="40000" dist="20000" dir="5400000" rotWithShape="0">
-              <a:srgbClr val="000000">
-                <a:alpha val="38000"/>
-              </a:srgbClr>
-            </a:outerShdw>
-          </a:effectLst>
-        </a:effectStyle>
-        <a:effectStyle>
-          <a:effectLst>
-            <a:outerShdw blurRad="40000" dist="23000" dir="5400000" rotWithShape="0">
-              <a:srgbClr val="000000">
-                <a:alpha val="35000"/>
-              </a:srgbClr>
-            </a:outerShdw>
-          </a:effectLst>
-        </a:effectStyle>
-        <a:effectStyle>
-          <a:effectLst>
-            <a:outerShdw blurRad="40000" dist="23000" dir="5400000" rotWithShape="0">
-              <a:srgbClr val="000000">
-                <a:alpha val="35000"/>
-              </a:srgbClr>
-            </a:outerShdw>
-          </a:effectLst>
-          <a:scene3d>
-            <a:camera prst="orthographicFront">
-              <a:rot lat="0" lon="0" rev="0"/>
-            </a:camera>
-            <a:lightRig rig="threePt" dir="t">
-              <a:rot lat="0" lon="0" rev="1200000"/>
-            </a:lightRig>
-          </a:scene3d>
-          <a:sp3d>
-            <a:bevelT w="63500" h="25400"/>
-          </a:sp3d>
-        </a:effectStyle>
-      </a:effectStyleLst>
-      <a:bgFillStyleLst>
-        <a:solidFill>
-          <a:schemeClr val="phClr"/>
-        </a:solidFill>
-        <a:gradFill rotWithShape="1">
-          <a:gsLst>
-            <a:gs pos="0">
-              <a:schemeClr val="phClr">
-                <a:tint val="40000"/>
-                <a:satMod val="350000"/>
-              </a:schemeClr>
-            </a:gs>
-            <a:gs pos="40000">
-              <a:schemeClr val="phClr">
-                <a:tint val="45000"/>
-                <a:shade val="99000"/>
-                <a:satMod val="350000"/>
-              </a:schemeClr>
-            </a:gs>
-            <a:gs pos="100000">
-              <a:schemeClr val="phClr">
-                <a:shade val="20000"/>
-                <a:satMod val="255000"/>
-              </a:schemeClr>
-            </a:gs>
-          </a:gsLst>
-          <a:path path="circle">
-            <a:fillToRect l="50000" t="-80000" r="50000" b="180000"/>
-          </a:path>
-        </a:gradFill>
-        <a:gradFill rotWithShape="1">
-          <a:gsLst>
-            <a:gs pos="0">
-              <a:schemeClr val="phClr">
-                <a:tint val="80000"/>
-                <a:satMod val="300000"/>
-              </a:schemeClr>
-            </a:gs>
-            <a:gs pos="100000">
-              <a:schemeClr val="phClr">
-                <a:shade val="30000"/>
-                <a:satMod val="200000"/>
-              </a:schemeClr>
-            </a:gs>
-          </a:gsLst>
-          <a:path path="circle">
-            <a:fillToRect l="50000" t="50000" r="50000" b="50000"/>
-          </a:path>
-        </a:gradFill>
-      </a:bgFillStyleLst>
-    </a:fmtScheme>
-  </a:themeElements>
+  <a:objectDefaults/>
+  <a:extraClrSchemeLst/>
 </a:theme>
 </file>